--- a/slides_v2.pptx
+++ b/slides_v2.pptx
@@ -5,7 +5,7 @@
     <p:sldMasterId id="2147483648" r:id="rId1"/>
   </p:sldMasterIdLst>
   <p:notesMasterIdLst>
-    <p:notesMasterId r:id="rId10"/>
+    <p:notesMasterId r:id="rId13"/>
   </p:notesMasterIdLst>
   <p:sldIdLst>
     <p:sldId id="256" r:id="rId2"/>
@@ -13,31 +13,34 @@
     <p:sldId id="258" r:id="rId4"/>
     <p:sldId id="261" r:id="rId5"/>
     <p:sldId id="262" r:id="rId6"/>
-    <p:sldId id="263" r:id="rId7"/>
-    <p:sldId id="260" r:id="rId8"/>
-    <p:sldId id="259" r:id="rId9"/>
+    <p:sldId id="264" r:id="rId7"/>
+    <p:sldId id="263" r:id="rId8"/>
+    <p:sldId id="260" r:id="rId9"/>
+    <p:sldId id="259" r:id="rId10"/>
+    <p:sldId id="265" r:id="rId11"/>
+    <p:sldId id="266" r:id="rId12"/>
   </p:sldIdLst>
   <p:sldSz cx="12192000" cy="6858000"/>
   <p:notesSz cx="6858000" cy="9144000"/>
   <p:embeddedFontLst>
     <p:embeddedFont>
       <p:font typeface="Open Sans" panose="020B0606030504020204" pitchFamily="34" charset="0"/>
-      <p:regular r:id="rId11"/>
-      <p:bold r:id="rId12"/>
-      <p:italic r:id="rId13"/>
-      <p:boldItalic r:id="rId14"/>
+      <p:regular r:id="rId14"/>
+      <p:bold r:id="rId15"/>
+      <p:italic r:id="rId16"/>
+      <p:boldItalic r:id="rId17"/>
     </p:embeddedFont>
     <p:embeddedFont>
       <p:font typeface="Open Sans Medium" panose="020B0604020202020204" charset="0"/>
-      <p:regular r:id="rId15"/>
-      <p:bold r:id="rId16"/>
-      <p:italic r:id="rId17"/>
-      <p:boldItalic r:id="rId18"/>
+      <p:regular r:id="rId18"/>
+      <p:bold r:id="rId19"/>
+      <p:italic r:id="rId20"/>
+      <p:boldItalic r:id="rId21"/>
     </p:embeddedFont>
     <p:embeddedFont>
       <p:font typeface="Play" panose="020B0604020202020204" charset="0"/>
-      <p:regular r:id="rId19"/>
-      <p:bold r:id="rId20"/>
+      <p:regular r:id="rId22"/>
+      <p:bold r:id="rId23"/>
     </p:embeddedFont>
   </p:embeddedFontLst>
   <p:defaultTextStyle>
@@ -271,7 +274,7 @@
   </p:defaultTextStyle>
   <p:extLst>
     <p:ext uri="GoogleSlidesCustomDataVersion2">
-      <go:slidesCustomData xmlns:go="http://customooxmlschemas.google.com/" xmlns:ahyp="http://schemas.microsoft.com/office/drawing/2018/hyperlinkcolor" xmlns:p15="http://schemas.microsoft.com/office/powerpoint/2012/main" xmlns:p14="http://schemas.microsoft.com/office/powerpoint/2010/main" xmlns:com="http://schemas.openxmlformats.org/drawingml/2006/compatibility" xmlns:pvml="urn:schemas-microsoft-com:office:powerpoint" xmlns:v="urn:schemas-microsoft-com:vml" xmlns:o="urn:schemas-microsoft-com:office:office" xmlns:dgm="http://schemas.openxmlformats.org/drawingml/2006/diagram" xmlns:c="http://schemas.openxmlformats.org/drawingml/2006/chart" xmlns:mv="urn:schemas-microsoft-com:mac:vml" xmlns:mc="http://schemas.openxmlformats.org/markup-compatibility/2006" xmlns="" r:id="rId22" roundtripDataSignature="AMtx7mhBYdUjnBS8W8YTn886O4cN20zMTg=="/>
+      <go:slidesCustomData xmlns:go="http://customooxmlschemas.google.com/" xmlns:ahyp="http://schemas.microsoft.com/office/drawing/2018/hyperlinkcolor" xmlns:p15="http://schemas.microsoft.com/office/powerpoint/2012/main" xmlns:p14="http://schemas.microsoft.com/office/powerpoint/2010/main" xmlns:com="http://schemas.openxmlformats.org/drawingml/2006/compatibility" xmlns:pvml="urn:schemas-microsoft-com:office:powerpoint" xmlns:v="urn:schemas-microsoft-com:vml" xmlns:o="urn:schemas-microsoft-com:office:office" xmlns:dgm="http://schemas.openxmlformats.org/drawingml/2006/diagram" xmlns:c="http://schemas.openxmlformats.org/drawingml/2006/chart" xmlns:mv="urn:schemas-microsoft-com:mac:vml" xmlns:mc="http://schemas.openxmlformats.org/markup-compatibility/2006" xmlns="" r:id="rId24" roundtripDataSignature="AMtx7mhBYdUjnBS8W8YTn886O4cN20zMTg=="/>
     </p:ext>
   </p:extLst>
 </p:presentation>
@@ -1574,6 +1577,260 @@
 </p:notes>
 </file>
 
+<file path=ppt/notesSlides/notesSlide10.xml><?xml version="1.0" encoding="utf-8"?>
+<p:notes xmlns:a="http://schemas.openxmlformats.org/drawingml/2006/main" xmlns:r="http://schemas.openxmlformats.org/officeDocument/2006/relationships" xmlns:p="http://schemas.openxmlformats.org/presentationml/2006/main" showMasterSp="0" showMasterPhAnim="0">
+  <p:cSld>
+    <p:spTree>
+      <p:nvGrpSpPr>
+        <p:cNvPr id="1" name="Shape 114">
+          <a:extLst>
+            <a:ext uri="{FF2B5EF4-FFF2-40B4-BE49-F238E27FC236}">
+              <a16:creationId xmlns:a16="http://schemas.microsoft.com/office/drawing/2014/main" id="{E00DF709-9768-DAF6-7EB6-2D5A4A78EA84}"/>
+            </a:ext>
+          </a:extLst>
+        </p:cNvPr>
+        <p:cNvGrpSpPr/>
+        <p:nvPr/>
+      </p:nvGrpSpPr>
+      <p:grpSpPr>
+        <a:xfrm>
+          <a:off x="0" y="0"/>
+          <a:ext cx="0" cy="0"/>
+          <a:chOff x="0" y="0"/>
+          <a:chExt cx="0" cy="0"/>
+        </a:xfrm>
+      </p:grpSpPr>
+      <p:sp>
+        <p:nvSpPr>
+          <p:cNvPr id="115" name="Google Shape;115;g3b05c13414c_0_0:notes">
+            <a:extLst>
+              <a:ext uri="{FF2B5EF4-FFF2-40B4-BE49-F238E27FC236}">
+                <a16:creationId xmlns:a16="http://schemas.microsoft.com/office/drawing/2014/main" id="{50FC976A-AE32-5B49-B0A1-258D9F3561A6}"/>
+              </a:ext>
+            </a:extLst>
+          </p:cNvPr>
+          <p:cNvSpPr txBox="1">
+            <a:spLocks noGrp="1"/>
+          </p:cNvSpPr>
+          <p:nvPr>
+            <p:ph type="body" idx="1"/>
+          </p:nvPr>
+        </p:nvSpPr>
+        <p:spPr>
+          <a:xfrm>
+            <a:off x="685800" y="4400550"/>
+            <a:ext cx="5486400" cy="3600600"/>
+          </a:xfrm>
+          <a:prstGeom prst="rect">
+            <a:avLst/>
+          </a:prstGeom>
+        </p:spPr>
+        <p:txBody>
+          <a:bodyPr spcFirstLastPara="1" wrap="square" lIns="91425" tIns="45700" rIns="91425" bIns="45700" anchor="t" anchorCtr="0">
+            <a:noAutofit/>
+          </a:bodyPr>
+          <a:lstStyle/>
+          <a:p>
+            <a:pPr marL="0" lvl="0" indent="0" algn="l" rtl="0">
+              <a:spcBef>
+                <a:spcPts val="0"/>
+              </a:spcBef>
+              <a:spcAft>
+                <a:spcPts val="0"/>
+              </a:spcAft>
+              <a:buNone/>
+            </a:pPr>
+            <a:endParaRPr/>
+          </a:p>
+        </p:txBody>
+      </p:sp>
+      <p:sp>
+        <p:nvSpPr>
+          <p:cNvPr id="116" name="Google Shape;116;g3b05c13414c_0_0:notes">
+            <a:extLst>
+              <a:ext uri="{FF2B5EF4-FFF2-40B4-BE49-F238E27FC236}">
+                <a16:creationId xmlns:a16="http://schemas.microsoft.com/office/drawing/2014/main" id="{BB95E0FB-ADAC-0A52-84D8-A2464F8E30FC}"/>
+              </a:ext>
+            </a:extLst>
+          </p:cNvPr>
+          <p:cNvSpPr>
+            <a:spLocks noGrp="1" noRot="1" noChangeAspect="1"/>
+          </p:cNvSpPr>
+          <p:nvPr>
+            <p:ph type="sldImg" idx="2"/>
+          </p:nvPr>
+        </p:nvSpPr>
+        <p:spPr>
+          <a:xfrm>
+            <a:off x="685800" y="1143000"/>
+            <a:ext cx="5486400" cy="3086100"/>
+          </a:xfrm>
+          <a:custGeom>
+            <a:avLst/>
+            <a:gdLst/>
+            <a:ahLst/>
+            <a:cxnLst/>
+            <a:rect l="l" t="t" r="r" b="b"/>
+            <a:pathLst>
+              <a:path w="120000" h="120000" extrusionOk="0">
+                <a:moveTo>
+                  <a:pt x="0" y="0"/>
+                </a:moveTo>
+                <a:lnTo>
+                  <a:pt x="120000" y="0"/>
+                </a:lnTo>
+                <a:lnTo>
+                  <a:pt x="120000" y="120000"/>
+                </a:lnTo>
+                <a:lnTo>
+                  <a:pt x="0" y="120000"/>
+                </a:lnTo>
+                <a:close/>
+              </a:path>
+            </a:pathLst>
+          </a:custGeom>
+        </p:spPr>
+      </p:sp>
+    </p:spTree>
+    <p:extLst>
+      <p:ext uri="{BB962C8B-B14F-4D97-AF65-F5344CB8AC3E}">
+        <p14:creationId xmlns:p14="http://schemas.microsoft.com/office/powerpoint/2010/main" val="442735648"/>
+      </p:ext>
+    </p:extLst>
+  </p:cSld>
+  <p:clrMapOvr>
+    <a:masterClrMapping/>
+  </p:clrMapOvr>
+</p:notes>
+</file>
+
+<file path=ppt/notesSlides/notesSlide11.xml><?xml version="1.0" encoding="utf-8"?>
+<p:notes xmlns:a="http://schemas.openxmlformats.org/drawingml/2006/main" xmlns:r="http://schemas.openxmlformats.org/officeDocument/2006/relationships" xmlns:p="http://schemas.openxmlformats.org/presentationml/2006/main" showMasterSp="0" showMasterPhAnim="0">
+  <p:cSld>
+    <p:spTree>
+      <p:nvGrpSpPr>
+        <p:cNvPr id="1" name="Shape 114">
+          <a:extLst>
+            <a:ext uri="{FF2B5EF4-FFF2-40B4-BE49-F238E27FC236}">
+              <a16:creationId xmlns:a16="http://schemas.microsoft.com/office/drawing/2014/main" id="{E0B269C9-4905-63B6-D4DE-5181D2382FD6}"/>
+            </a:ext>
+          </a:extLst>
+        </p:cNvPr>
+        <p:cNvGrpSpPr/>
+        <p:nvPr/>
+      </p:nvGrpSpPr>
+      <p:grpSpPr>
+        <a:xfrm>
+          <a:off x="0" y="0"/>
+          <a:ext cx="0" cy="0"/>
+          <a:chOff x="0" y="0"/>
+          <a:chExt cx="0" cy="0"/>
+        </a:xfrm>
+      </p:grpSpPr>
+      <p:sp>
+        <p:nvSpPr>
+          <p:cNvPr id="115" name="Google Shape;115;g3b05c13414c_0_0:notes">
+            <a:extLst>
+              <a:ext uri="{FF2B5EF4-FFF2-40B4-BE49-F238E27FC236}">
+                <a16:creationId xmlns:a16="http://schemas.microsoft.com/office/drawing/2014/main" id="{3F8114AC-8F01-2C8B-E7F6-2BC4EC3BBBD5}"/>
+              </a:ext>
+            </a:extLst>
+          </p:cNvPr>
+          <p:cNvSpPr txBox="1">
+            <a:spLocks noGrp="1"/>
+          </p:cNvSpPr>
+          <p:nvPr>
+            <p:ph type="body" idx="1"/>
+          </p:nvPr>
+        </p:nvSpPr>
+        <p:spPr>
+          <a:xfrm>
+            <a:off x="685800" y="4400550"/>
+            <a:ext cx="5486400" cy="3600600"/>
+          </a:xfrm>
+          <a:prstGeom prst="rect">
+            <a:avLst/>
+          </a:prstGeom>
+        </p:spPr>
+        <p:txBody>
+          <a:bodyPr spcFirstLastPara="1" wrap="square" lIns="91425" tIns="45700" rIns="91425" bIns="45700" anchor="t" anchorCtr="0">
+            <a:noAutofit/>
+          </a:bodyPr>
+          <a:lstStyle/>
+          <a:p>
+            <a:pPr marL="0" lvl="0" indent="0" algn="l" rtl="0">
+              <a:spcBef>
+                <a:spcPts val="0"/>
+              </a:spcBef>
+              <a:spcAft>
+                <a:spcPts val="0"/>
+              </a:spcAft>
+              <a:buNone/>
+            </a:pPr>
+            <a:endParaRPr/>
+          </a:p>
+        </p:txBody>
+      </p:sp>
+      <p:sp>
+        <p:nvSpPr>
+          <p:cNvPr id="116" name="Google Shape;116;g3b05c13414c_0_0:notes">
+            <a:extLst>
+              <a:ext uri="{FF2B5EF4-FFF2-40B4-BE49-F238E27FC236}">
+                <a16:creationId xmlns:a16="http://schemas.microsoft.com/office/drawing/2014/main" id="{30D57BBF-F2F1-CEC0-BB37-AE0B3076BE5F}"/>
+              </a:ext>
+            </a:extLst>
+          </p:cNvPr>
+          <p:cNvSpPr>
+            <a:spLocks noGrp="1" noRot="1" noChangeAspect="1"/>
+          </p:cNvSpPr>
+          <p:nvPr>
+            <p:ph type="sldImg" idx="2"/>
+          </p:nvPr>
+        </p:nvSpPr>
+        <p:spPr>
+          <a:xfrm>
+            <a:off x="685800" y="1143000"/>
+            <a:ext cx="5486400" cy="3086100"/>
+          </a:xfrm>
+          <a:custGeom>
+            <a:avLst/>
+            <a:gdLst/>
+            <a:ahLst/>
+            <a:cxnLst/>
+            <a:rect l="l" t="t" r="r" b="b"/>
+            <a:pathLst>
+              <a:path w="120000" h="120000" extrusionOk="0">
+                <a:moveTo>
+                  <a:pt x="0" y="0"/>
+                </a:moveTo>
+                <a:lnTo>
+                  <a:pt x="120000" y="0"/>
+                </a:lnTo>
+                <a:lnTo>
+                  <a:pt x="120000" y="120000"/>
+                </a:lnTo>
+                <a:lnTo>
+                  <a:pt x="0" y="120000"/>
+                </a:lnTo>
+                <a:close/>
+              </a:path>
+            </a:pathLst>
+          </a:custGeom>
+        </p:spPr>
+      </p:sp>
+    </p:spTree>
+    <p:extLst>
+      <p:ext uri="{BB962C8B-B14F-4D97-AF65-F5344CB8AC3E}">
+        <p14:creationId xmlns:p14="http://schemas.microsoft.com/office/powerpoint/2010/main" val="2940979683"/>
+      </p:ext>
+    </p:extLst>
+  </p:cSld>
+  <p:clrMapOvr>
+    <a:masterClrMapping/>
+  </p:clrMapOvr>
+</p:notes>
+</file>
+
 <file path=ppt/notesSlides/notesSlide2.xml><?xml version="1.0" encoding="utf-8"?>
 <p:notes xmlns:a="http://schemas.openxmlformats.org/drawingml/2006/main" xmlns:r="http://schemas.openxmlformats.org/officeDocument/2006/relationships" xmlns:p="http://schemas.openxmlformats.org/presentationml/2006/main" showMasterSp="0" showMasterPhAnim="0">
   <p:cSld>
@@ -2017,6 +2274,133 @@
         <p:cNvPr id="1" name="Shape 125">
           <a:extLst>
             <a:ext uri="{FF2B5EF4-FFF2-40B4-BE49-F238E27FC236}">
+              <a16:creationId xmlns:a16="http://schemas.microsoft.com/office/drawing/2014/main" id="{29A3EB9D-13C7-8BD4-0747-ADDDD625CFA0}"/>
+            </a:ext>
+          </a:extLst>
+        </p:cNvPr>
+        <p:cNvGrpSpPr/>
+        <p:nvPr/>
+      </p:nvGrpSpPr>
+      <p:grpSpPr>
+        <a:xfrm>
+          <a:off x="0" y="0"/>
+          <a:ext cx="0" cy="0"/>
+          <a:chOff x="0" y="0"/>
+          <a:chExt cx="0" cy="0"/>
+        </a:xfrm>
+      </p:grpSpPr>
+      <p:sp>
+        <p:nvSpPr>
+          <p:cNvPr id="126" name="Google Shape;126;g3b05c13414c_0_27:notes">
+            <a:extLst>
+              <a:ext uri="{FF2B5EF4-FFF2-40B4-BE49-F238E27FC236}">
+                <a16:creationId xmlns:a16="http://schemas.microsoft.com/office/drawing/2014/main" id="{F352910C-92AE-7C4B-C9B4-9DC28523F30A}"/>
+              </a:ext>
+            </a:extLst>
+          </p:cNvPr>
+          <p:cNvSpPr txBox="1">
+            <a:spLocks noGrp="1"/>
+          </p:cNvSpPr>
+          <p:nvPr>
+            <p:ph type="body" idx="1"/>
+          </p:nvPr>
+        </p:nvSpPr>
+        <p:spPr>
+          <a:xfrm>
+            <a:off x="685800" y="4400550"/>
+            <a:ext cx="5486400" cy="3600600"/>
+          </a:xfrm>
+          <a:prstGeom prst="rect">
+            <a:avLst/>
+          </a:prstGeom>
+        </p:spPr>
+        <p:txBody>
+          <a:bodyPr spcFirstLastPara="1" wrap="square" lIns="91425" tIns="45700" rIns="91425" bIns="45700" anchor="t" anchorCtr="0">
+            <a:noAutofit/>
+          </a:bodyPr>
+          <a:lstStyle/>
+          <a:p>
+            <a:pPr marL="0" lvl="0" indent="0" algn="l" rtl="0">
+              <a:spcBef>
+                <a:spcPts val="0"/>
+              </a:spcBef>
+              <a:spcAft>
+                <a:spcPts val="0"/>
+              </a:spcAft>
+              <a:buNone/>
+            </a:pPr>
+            <a:endParaRPr/>
+          </a:p>
+        </p:txBody>
+      </p:sp>
+      <p:sp>
+        <p:nvSpPr>
+          <p:cNvPr id="127" name="Google Shape;127;g3b05c13414c_0_27:notes">
+            <a:extLst>
+              <a:ext uri="{FF2B5EF4-FFF2-40B4-BE49-F238E27FC236}">
+                <a16:creationId xmlns:a16="http://schemas.microsoft.com/office/drawing/2014/main" id="{71A8DC9D-49DC-9A0F-4E6D-A026ADED82BE}"/>
+              </a:ext>
+            </a:extLst>
+          </p:cNvPr>
+          <p:cNvSpPr>
+            <a:spLocks noGrp="1" noRot="1" noChangeAspect="1"/>
+          </p:cNvSpPr>
+          <p:nvPr>
+            <p:ph type="sldImg" idx="2"/>
+          </p:nvPr>
+        </p:nvSpPr>
+        <p:spPr>
+          <a:xfrm>
+            <a:off x="685800" y="1143000"/>
+            <a:ext cx="5486400" cy="3086100"/>
+          </a:xfrm>
+          <a:custGeom>
+            <a:avLst/>
+            <a:gdLst/>
+            <a:ahLst/>
+            <a:cxnLst/>
+            <a:rect l="l" t="t" r="r" b="b"/>
+            <a:pathLst>
+              <a:path w="120000" h="120000" extrusionOk="0">
+                <a:moveTo>
+                  <a:pt x="0" y="0"/>
+                </a:moveTo>
+                <a:lnTo>
+                  <a:pt x="120000" y="0"/>
+                </a:lnTo>
+                <a:lnTo>
+                  <a:pt x="120000" y="120000"/>
+                </a:lnTo>
+                <a:lnTo>
+                  <a:pt x="0" y="120000"/>
+                </a:lnTo>
+                <a:close/>
+              </a:path>
+            </a:pathLst>
+          </a:custGeom>
+        </p:spPr>
+      </p:sp>
+    </p:spTree>
+    <p:extLst>
+      <p:ext uri="{BB962C8B-B14F-4D97-AF65-F5344CB8AC3E}">
+        <p14:creationId xmlns:p14="http://schemas.microsoft.com/office/powerpoint/2010/main" val="672911579"/>
+      </p:ext>
+    </p:extLst>
+  </p:cSld>
+  <p:clrMapOvr>
+    <a:masterClrMapping/>
+  </p:clrMapOvr>
+</p:notes>
+</file>
+
+<file path=ppt/notesSlides/notesSlide7.xml><?xml version="1.0" encoding="utf-8"?>
+<p:notes xmlns:a="http://schemas.openxmlformats.org/drawingml/2006/main" xmlns:r="http://schemas.openxmlformats.org/officeDocument/2006/relationships" xmlns:p="http://schemas.openxmlformats.org/presentationml/2006/main" showMasterSp="0" showMasterPhAnim="0">
+  <p:cSld>
+    <p:spTree>
+      <p:nvGrpSpPr>
+        <p:cNvPr id="1" name="Shape 125">
+          <a:extLst>
+            <a:ext uri="{FF2B5EF4-FFF2-40B4-BE49-F238E27FC236}">
               <a16:creationId xmlns:a16="http://schemas.microsoft.com/office/drawing/2014/main" id="{A673EE52-2A8D-5CCF-A2D9-F81BCC5936F1}"/>
             </a:ext>
           </a:extLst>
@@ -2136,7 +2520,7 @@
 </p:notes>
 </file>
 
-<file path=ppt/notesSlides/notesSlide7.xml><?xml version="1.0" encoding="utf-8"?>
+<file path=ppt/notesSlides/notesSlide8.xml><?xml version="1.0" encoding="utf-8"?>
 <p:notes xmlns:a="http://schemas.openxmlformats.org/drawingml/2006/main" xmlns:r="http://schemas.openxmlformats.org/officeDocument/2006/relationships" xmlns:p="http://schemas.openxmlformats.org/presentationml/2006/main" showMasterSp="0" showMasterPhAnim="0">
   <p:cSld>
     <p:spTree>
@@ -2240,7 +2624,7 @@
 </p:notes>
 </file>
 
-<file path=ppt/notesSlides/notesSlide8.xml><?xml version="1.0" encoding="utf-8"?>
+<file path=ppt/notesSlides/notesSlide9.xml><?xml version="1.0" encoding="utf-8"?>
 <p:notes xmlns:a="http://schemas.openxmlformats.org/drawingml/2006/main" xmlns:r="http://schemas.openxmlformats.org/officeDocument/2006/relationships" xmlns:p="http://schemas.openxmlformats.org/presentationml/2006/main" showMasterSp="0" showMasterPhAnim="0">
   <p:cSld>
     <p:spTree>
@@ -12599,7 +12983,7 @@
         <p:spPr>
           <a:xfrm>
             <a:off x="100" y="0"/>
-            <a:ext cx="12192000" cy="3371700"/>
+            <a:ext cx="12192000" cy="3852976"/>
           </a:xfrm>
           <a:prstGeom prst="rect">
             <a:avLst/>
@@ -12633,7 +13017,7 @@
               <a:buNone/>
             </a:pPr>
             <a:r>
-              <a:rPr lang="es-ES" u="sng" dirty="0">
+              <a:rPr lang="es-ES" sz="5400" u="sng" dirty="0">
                 <a:latin typeface="Calibri"/>
                 <a:ea typeface="Calibri"/>
                 <a:cs typeface="Calibri"/>
@@ -12642,7 +13026,7 @@
               <a:t>Endesa </a:t>
             </a:r>
             <a:r>
-              <a:rPr lang="es-ES" u="sng" dirty="0" err="1">
+              <a:rPr lang="es-ES" sz="5400" u="sng" dirty="0" err="1">
                 <a:latin typeface="Calibri"/>
                 <a:ea typeface="Calibri"/>
                 <a:cs typeface="Calibri"/>
@@ -12651,7 +13035,7 @@
               <a:t>Challenge</a:t>
             </a:r>
             <a:r>
-              <a:rPr lang="es-ES" u="sng" dirty="0">
+              <a:rPr lang="es-ES" sz="5400" u="sng" dirty="0">
                 <a:latin typeface="Calibri"/>
                 <a:ea typeface="Calibri"/>
                 <a:cs typeface="Calibri"/>
@@ -12660,7 +13044,7 @@
               <a:t>:</a:t>
             </a:r>
             <a:r>
-              <a:rPr lang="es-ES" dirty="0">
+              <a:rPr lang="es-ES" sz="5400" dirty="0">
                 <a:latin typeface="Calibri"/>
                 <a:ea typeface="Calibri"/>
                 <a:cs typeface="Calibri"/>
@@ -12669,7 +13053,7 @@
               <a:t> </a:t>
             </a:r>
             <a:br>
-              <a:rPr lang="es-ES" dirty="0">
+              <a:rPr lang="es-ES" sz="5400" dirty="0">
                 <a:latin typeface="Calibri"/>
                 <a:ea typeface="Calibri"/>
                 <a:cs typeface="Calibri"/>
@@ -12677,7 +13061,7 @@
               </a:rPr>
             </a:br>
             <a:r>
-              <a:rPr lang="es-ES" dirty="0" err="1">
+              <a:rPr lang="es-ES" sz="5400" dirty="0" err="1">
                 <a:latin typeface="Calibri"/>
                 <a:ea typeface="Calibri"/>
                 <a:cs typeface="Calibri"/>
@@ -12686,7 +13070,7 @@
               <a:t>Joint</a:t>
             </a:r>
             <a:r>
-              <a:rPr lang="es-ES" dirty="0">
+              <a:rPr lang="es-ES" sz="5400" dirty="0">
                 <a:latin typeface="Calibri"/>
                 <a:ea typeface="Calibri"/>
                 <a:cs typeface="Calibri"/>
@@ -12695,7 +13079,7 @@
               <a:t> </a:t>
             </a:r>
             <a:r>
-              <a:rPr lang="es-ES" dirty="0" err="1">
+              <a:rPr lang="es-ES" sz="5400" dirty="0" err="1">
                 <a:latin typeface="Calibri"/>
                 <a:ea typeface="Calibri"/>
                 <a:cs typeface="Calibri"/>
@@ -12704,7 +13088,7 @@
               <a:t>optimization</a:t>
             </a:r>
             <a:r>
-              <a:rPr lang="es-ES" dirty="0">
+              <a:rPr lang="es-ES" sz="5400" dirty="0">
                 <a:latin typeface="Calibri"/>
                 <a:ea typeface="Calibri"/>
                 <a:cs typeface="Calibri"/>
@@ -12713,7 +13097,7 @@
               <a:t> </a:t>
             </a:r>
             <a:r>
-              <a:rPr lang="es-ES" dirty="0" err="1">
+              <a:rPr lang="es-ES" sz="5400" dirty="0" err="1">
                 <a:latin typeface="Calibri"/>
                 <a:ea typeface="Calibri"/>
                 <a:cs typeface="Calibri"/>
@@ -12722,7 +13106,7 @@
               <a:t>of</a:t>
             </a:r>
             <a:r>
-              <a:rPr lang="es-ES" dirty="0">
+              <a:rPr lang="es-ES" sz="5400" dirty="0">
                 <a:latin typeface="Calibri"/>
                 <a:ea typeface="Calibri"/>
                 <a:cs typeface="Calibri"/>
@@ -12731,7 +13115,7 @@
               <a:t> a </a:t>
             </a:r>
             <a:br>
-              <a:rPr lang="es-ES" dirty="0">
+              <a:rPr lang="es-ES" sz="5400" dirty="0">
                 <a:latin typeface="Calibri"/>
                 <a:ea typeface="Calibri"/>
                 <a:cs typeface="Calibri"/>
@@ -12739,7 +13123,7 @@
               </a:rPr>
             </a:br>
             <a:r>
-              <a:rPr lang="es-ES" dirty="0" err="1">
+              <a:rPr lang="es-ES" sz="5400" dirty="0" err="1">
                 <a:latin typeface="Calibri"/>
                 <a:ea typeface="Calibri"/>
                 <a:cs typeface="Calibri"/>
@@ -12748,7 +13132,7 @@
               <a:t>Battery</a:t>
             </a:r>
             <a:r>
-              <a:rPr lang="es-ES" dirty="0">
+              <a:rPr lang="es-ES" sz="5400" dirty="0">
                 <a:latin typeface="Calibri"/>
                 <a:ea typeface="Calibri"/>
                 <a:cs typeface="Calibri"/>
@@ -12757,7 +13141,7 @@
               <a:t> </a:t>
             </a:r>
             <a:r>
-              <a:rPr lang="es-ES" dirty="0" err="1">
+              <a:rPr lang="es-ES" sz="5400" dirty="0" err="1">
                 <a:latin typeface="Calibri"/>
                 <a:ea typeface="Calibri"/>
                 <a:cs typeface="Calibri"/>
@@ -12766,7 +13150,7 @@
               <a:t>System</a:t>
             </a:r>
             <a:r>
-              <a:rPr lang="es-ES" dirty="0">
+              <a:rPr lang="es-ES" sz="5400" dirty="0">
                 <a:latin typeface="Calibri"/>
                 <a:ea typeface="Calibri"/>
                 <a:cs typeface="Calibri"/>
@@ -12775,7 +13159,7 @@
               <a:t> and a </a:t>
             </a:r>
             <a:r>
-              <a:rPr lang="es-ES" dirty="0" err="1">
+              <a:rPr lang="es-ES" sz="5400" dirty="0" err="1">
                 <a:latin typeface="Calibri"/>
                 <a:ea typeface="Calibri"/>
                 <a:cs typeface="Calibri"/>
@@ -12784,7 +13168,7 @@
               <a:t>Wind</a:t>
             </a:r>
             <a:r>
-              <a:rPr lang="es-ES" dirty="0">
+              <a:rPr lang="es-ES" sz="5400" dirty="0">
                 <a:latin typeface="Calibri"/>
                 <a:ea typeface="Calibri"/>
                 <a:cs typeface="Calibri"/>
@@ -12793,7 +13177,7 @@
               <a:t> </a:t>
             </a:r>
             <a:r>
-              <a:rPr lang="es-ES" dirty="0" err="1">
+              <a:rPr lang="es-ES" sz="5400" dirty="0" err="1">
                 <a:latin typeface="Calibri"/>
                 <a:ea typeface="Calibri"/>
                 <a:cs typeface="Calibri"/>
@@ -12801,7 +13185,135 @@
               </a:rPr>
               <a:t>Farm</a:t>
             </a:r>
-            <a:endParaRPr dirty="0">
+            <a:br>
+              <a:rPr lang="es-ES" sz="5400" dirty="0">
+                <a:latin typeface="Calibri"/>
+                <a:ea typeface="Calibri"/>
+                <a:cs typeface="Calibri"/>
+                <a:sym typeface="Calibri"/>
+              </a:rPr>
+            </a:br>
+            <a:r>
+              <a:rPr lang="es-ES" sz="4000" dirty="0">
+                <a:latin typeface="Calibri"/>
+                <a:ea typeface="Calibri"/>
+                <a:cs typeface="Calibri"/>
+                <a:sym typeface="Calibri"/>
+              </a:rPr>
+              <a:t> </a:t>
+            </a:r>
+            <a:br>
+              <a:rPr lang="es-ES" sz="5400" dirty="0">
+                <a:latin typeface="Calibri"/>
+                <a:ea typeface="Calibri"/>
+                <a:cs typeface="Calibri"/>
+                <a:sym typeface="Calibri"/>
+              </a:rPr>
+            </a:br>
+            <a:r>
+              <a:rPr lang="es-ES" sz="5400" b="1" dirty="0">
+                <a:effectLst>
+                  <a:outerShdw blurRad="38100" dist="38100" dir="2700000" algn="tl">
+                    <a:srgbClr val="000000">
+                      <a:alpha val="43137"/>
+                    </a:srgbClr>
+                  </a:outerShdw>
+                </a:effectLst>
+                <a:latin typeface="Calibri"/>
+                <a:ea typeface="Calibri"/>
+                <a:cs typeface="Calibri"/>
+                <a:sym typeface="Calibri"/>
+              </a:rPr>
+              <a:t>A </a:t>
+            </a:r>
+            <a:r>
+              <a:rPr lang="es-ES" sz="5400" b="1" dirty="0" err="1">
+                <a:effectLst>
+                  <a:outerShdw blurRad="38100" dist="38100" dir="2700000" algn="tl">
+                    <a:srgbClr val="000000">
+                      <a:alpha val="43137"/>
+                    </a:srgbClr>
+                  </a:outerShdw>
+                </a:effectLst>
+                <a:latin typeface="Calibri"/>
+                <a:ea typeface="Calibri"/>
+                <a:cs typeface="Calibri"/>
+                <a:sym typeface="Calibri"/>
+              </a:rPr>
+              <a:t>hybrid</a:t>
+            </a:r>
+            <a:r>
+              <a:rPr lang="es-ES" sz="5400" b="1" dirty="0">
+                <a:effectLst>
+                  <a:outerShdw blurRad="38100" dist="38100" dir="2700000" algn="tl">
+                    <a:srgbClr val="000000">
+                      <a:alpha val="43137"/>
+                    </a:srgbClr>
+                  </a:outerShdw>
+                </a:effectLst>
+                <a:latin typeface="Calibri"/>
+                <a:ea typeface="Calibri"/>
+                <a:cs typeface="Calibri"/>
+                <a:sym typeface="Calibri"/>
+              </a:rPr>
+              <a:t> </a:t>
+            </a:r>
+            <a:r>
+              <a:rPr lang="es-ES" sz="5400" b="1" dirty="0" err="1">
+                <a:effectLst>
+                  <a:outerShdw blurRad="38100" dist="38100" dir="2700000" algn="tl">
+                    <a:srgbClr val="000000">
+                      <a:alpha val="43137"/>
+                    </a:srgbClr>
+                  </a:outerShdw>
+                </a:effectLst>
+                <a:latin typeface="Calibri"/>
+                <a:ea typeface="Calibri"/>
+                <a:cs typeface="Calibri"/>
+                <a:sym typeface="Calibri"/>
+              </a:rPr>
+              <a:t>quantum+classical</a:t>
+            </a:r>
+            <a:r>
+              <a:rPr lang="es-ES" sz="5400" b="1" dirty="0">
+                <a:effectLst>
+                  <a:outerShdw blurRad="38100" dist="38100" dir="2700000" algn="tl">
+                    <a:srgbClr val="000000">
+                      <a:alpha val="43137"/>
+                    </a:srgbClr>
+                  </a:outerShdw>
+                </a:effectLst>
+                <a:latin typeface="Calibri"/>
+                <a:ea typeface="Calibri"/>
+                <a:cs typeface="Calibri"/>
+                <a:sym typeface="Calibri"/>
+              </a:rPr>
+              <a:t> MILP </a:t>
+            </a:r>
+            <a:r>
+              <a:rPr lang="es-ES" sz="5400" b="1" dirty="0" err="1">
+                <a:effectLst>
+                  <a:outerShdw blurRad="38100" dist="38100" dir="2700000" algn="tl">
+                    <a:srgbClr val="000000">
+                      <a:alpha val="43137"/>
+                    </a:srgbClr>
+                  </a:outerShdw>
+                </a:effectLst>
+                <a:latin typeface="Calibri"/>
+                <a:ea typeface="Calibri"/>
+                <a:cs typeface="Calibri"/>
+                <a:sym typeface="Calibri"/>
+              </a:rPr>
+              <a:t>solver</a:t>
+            </a:r>
+            <a:endParaRPr sz="5400" b="1" dirty="0">
+              <a:effectLst>
+                <a:outerShdw blurRad="38100" dist="38100" dir="2700000" algn="tl">
+                  <a:srgbClr val="000000">
+                    <a:alpha val="43137"/>
+                  </a:srgbClr>
+                </a:outerShdw>
+              </a:effectLst>
               <a:latin typeface="Calibri"/>
               <a:ea typeface="Calibri"/>
               <a:cs typeface="Calibri"/>
@@ -12996,6 +13508,3196 @@
         </p:txBody>
       </p:sp>
     </p:spTree>
+  </p:cSld>
+  <p:clrMapOvr>
+    <a:masterClrMapping/>
+  </p:clrMapOvr>
+</p:sld>
+</file>
+
+<file path=ppt/slides/slide10.xml><?xml version="1.0" encoding="utf-8"?>
+<p:sld xmlns:a="http://schemas.openxmlformats.org/drawingml/2006/main" xmlns:r="http://schemas.openxmlformats.org/officeDocument/2006/relationships" xmlns:p="http://schemas.openxmlformats.org/presentationml/2006/main">
+  <p:cSld>
+    <p:spTree>
+      <p:nvGrpSpPr>
+        <p:cNvPr id="1" name="Shape 117">
+          <a:extLst>
+            <a:ext uri="{FF2B5EF4-FFF2-40B4-BE49-F238E27FC236}">
+              <a16:creationId xmlns:a16="http://schemas.microsoft.com/office/drawing/2014/main" id="{81B1A804-457A-73DA-ED73-7981B1E12BEB}"/>
+            </a:ext>
+          </a:extLst>
+        </p:cNvPr>
+        <p:cNvGrpSpPr/>
+        <p:nvPr/>
+      </p:nvGrpSpPr>
+      <p:grpSpPr>
+        <a:xfrm>
+          <a:off x="0" y="0"/>
+          <a:ext cx="0" cy="0"/>
+          <a:chOff x="0" y="0"/>
+          <a:chExt cx="0" cy="0"/>
+        </a:xfrm>
+      </p:grpSpPr>
+      <p:sp>
+        <p:nvSpPr>
+          <p:cNvPr id="118" name="Google Shape;118;g3b05c13414c_0_0">
+            <a:extLst>
+              <a:ext uri="{FF2B5EF4-FFF2-40B4-BE49-F238E27FC236}">
+                <a16:creationId xmlns:a16="http://schemas.microsoft.com/office/drawing/2014/main" id="{2BDD4D48-8604-4C1A-6E93-F4991524B800}"/>
+              </a:ext>
+            </a:extLst>
+          </p:cNvPr>
+          <p:cNvSpPr txBox="1"/>
+          <p:nvPr/>
+        </p:nvSpPr>
+        <p:spPr>
+          <a:xfrm>
+            <a:off x="306887" y="-47785"/>
+            <a:ext cx="11966700" cy="1325700"/>
+          </a:xfrm>
+          <a:prstGeom prst="rect">
+            <a:avLst/>
+          </a:prstGeom>
+          <a:noFill/>
+          <a:ln>
+            <a:noFill/>
+          </a:ln>
+        </p:spPr>
+        <p:txBody>
+          <a:bodyPr spcFirstLastPara="1" wrap="square" lIns="91425" tIns="45700" rIns="91425" bIns="45700" anchor="ctr" anchorCtr="0">
+            <a:normAutofit/>
+          </a:bodyPr>
+          <a:lstStyle/>
+          <a:p>
+            <a:pPr marL="0" marR="0" lvl="0" indent="0" algn="l" rtl="0">
+              <a:lnSpc>
+                <a:spcPct val="90000"/>
+              </a:lnSpc>
+              <a:spcBef>
+                <a:spcPts val="0"/>
+              </a:spcBef>
+              <a:spcAft>
+                <a:spcPts val="0"/>
+              </a:spcAft>
+              <a:buNone/>
+            </a:pPr>
+            <a:r>
+              <a:rPr lang="es-ES" sz="4000" dirty="0">
+                <a:solidFill>
+                  <a:srgbClr val="BF4F14"/>
+                </a:solidFill>
+                <a:latin typeface="Open Sans"/>
+                <a:ea typeface="Open Sans"/>
+                <a:cs typeface="Open Sans"/>
+                <a:sym typeface="Open Sans"/>
+              </a:rPr>
+              <a:t>A more </a:t>
+            </a:r>
+            <a:r>
+              <a:rPr lang="es-ES" sz="4000" dirty="0" err="1">
+                <a:solidFill>
+                  <a:srgbClr val="BF4F14"/>
+                </a:solidFill>
+                <a:latin typeface="Open Sans"/>
+                <a:ea typeface="Open Sans"/>
+                <a:cs typeface="Open Sans"/>
+                <a:sym typeface="Open Sans"/>
+              </a:rPr>
+              <a:t>realistic</a:t>
+            </a:r>
+            <a:r>
+              <a:rPr lang="es-ES" sz="4000" dirty="0">
+                <a:solidFill>
+                  <a:srgbClr val="BF4F14"/>
+                </a:solidFill>
+                <a:latin typeface="Open Sans"/>
+                <a:ea typeface="Open Sans"/>
+                <a:cs typeface="Open Sans"/>
+                <a:sym typeface="Open Sans"/>
+              </a:rPr>
+              <a:t> </a:t>
+            </a:r>
+            <a:r>
+              <a:rPr lang="es-ES" sz="4000" dirty="0" err="1">
+                <a:solidFill>
+                  <a:srgbClr val="BF4F14"/>
+                </a:solidFill>
+                <a:latin typeface="Open Sans"/>
+                <a:ea typeface="Open Sans"/>
+                <a:cs typeface="Open Sans"/>
+                <a:sym typeface="Open Sans"/>
+              </a:rPr>
+              <a:t>formulation</a:t>
+            </a:r>
+            <a:r>
+              <a:rPr lang="es-ES" sz="4000" dirty="0">
+                <a:solidFill>
+                  <a:srgbClr val="BF4F14"/>
+                </a:solidFill>
+                <a:latin typeface="Open Sans"/>
+                <a:ea typeface="Open Sans"/>
+                <a:cs typeface="Open Sans"/>
+                <a:sym typeface="Open Sans"/>
+              </a:rPr>
+              <a:t> </a:t>
+            </a:r>
+            <a:r>
+              <a:rPr lang="es-ES" sz="4000" dirty="0" err="1">
+                <a:solidFill>
+                  <a:srgbClr val="BF4F14"/>
+                </a:solidFill>
+                <a:latin typeface="Open Sans"/>
+                <a:ea typeface="Open Sans"/>
+                <a:cs typeface="Open Sans"/>
+                <a:sym typeface="Open Sans"/>
+              </a:rPr>
+              <a:t>of</a:t>
+            </a:r>
+            <a:r>
+              <a:rPr lang="es-ES" sz="4000" dirty="0">
+                <a:solidFill>
+                  <a:srgbClr val="BF4F14"/>
+                </a:solidFill>
+                <a:latin typeface="Open Sans"/>
+                <a:ea typeface="Open Sans"/>
+                <a:cs typeface="Open Sans"/>
+                <a:sym typeface="Open Sans"/>
+              </a:rPr>
+              <a:t> </a:t>
+            </a:r>
+            <a:r>
+              <a:rPr lang="es-ES" sz="4000" dirty="0" err="1">
+                <a:solidFill>
+                  <a:srgbClr val="BF4F14"/>
+                </a:solidFill>
+                <a:latin typeface="Open Sans"/>
+                <a:ea typeface="Open Sans"/>
+                <a:cs typeface="Open Sans"/>
+                <a:sym typeface="Open Sans"/>
+              </a:rPr>
+              <a:t>the</a:t>
+            </a:r>
+            <a:r>
+              <a:rPr lang="es-ES" sz="4000" dirty="0">
+                <a:solidFill>
+                  <a:srgbClr val="BF4F14"/>
+                </a:solidFill>
+                <a:latin typeface="Open Sans"/>
+                <a:ea typeface="Open Sans"/>
+                <a:cs typeface="Open Sans"/>
+                <a:sym typeface="Open Sans"/>
+              </a:rPr>
+              <a:t> </a:t>
+            </a:r>
+            <a:r>
+              <a:rPr lang="es-ES" sz="4000" dirty="0" err="1">
+                <a:solidFill>
+                  <a:srgbClr val="BF4F14"/>
+                </a:solidFill>
+                <a:latin typeface="Open Sans"/>
+                <a:ea typeface="Open Sans"/>
+                <a:cs typeface="Open Sans"/>
+                <a:sym typeface="Open Sans"/>
+              </a:rPr>
+              <a:t>problem</a:t>
+            </a:r>
+            <a:endParaRPr sz="3600" b="0" i="0" u="none" strike="noStrike" cap="none" dirty="0">
+              <a:solidFill>
+                <a:srgbClr val="BF4F14"/>
+              </a:solidFill>
+              <a:latin typeface="Open Sans"/>
+              <a:ea typeface="Open Sans"/>
+              <a:cs typeface="Open Sans"/>
+              <a:sym typeface="Open Sans"/>
+            </a:endParaRPr>
+          </a:p>
+        </p:txBody>
+      </p:sp>
+      <p:sp>
+        <p:nvSpPr>
+          <p:cNvPr id="119" name="Google Shape;119;g3b05c13414c_0_0">
+            <a:extLst>
+              <a:ext uri="{FF2B5EF4-FFF2-40B4-BE49-F238E27FC236}">
+                <a16:creationId xmlns:a16="http://schemas.microsoft.com/office/drawing/2014/main" id="{D04ADA8D-2D2B-2AE5-952C-99120646AF4A}"/>
+              </a:ext>
+            </a:extLst>
+          </p:cNvPr>
+          <p:cNvSpPr txBox="1"/>
+          <p:nvPr/>
+        </p:nvSpPr>
+        <p:spPr>
+          <a:xfrm>
+            <a:off x="105825" y="6289500"/>
+            <a:ext cx="4505400" cy="483900"/>
+          </a:xfrm>
+          <a:prstGeom prst="rect">
+            <a:avLst/>
+          </a:prstGeom>
+          <a:noFill/>
+          <a:ln>
+            <a:noFill/>
+          </a:ln>
+        </p:spPr>
+        <p:txBody>
+          <a:bodyPr spcFirstLastPara="1" wrap="square" lIns="91425" tIns="91425" rIns="91425" bIns="91425" anchor="t" anchorCtr="0">
+            <a:noAutofit/>
+          </a:bodyPr>
+          <a:lstStyle/>
+          <a:p>
+            <a:pPr marL="0" lvl="0" indent="0" algn="l" rtl="0">
+              <a:spcBef>
+                <a:spcPts val="0"/>
+              </a:spcBef>
+              <a:spcAft>
+                <a:spcPts val="0"/>
+              </a:spcAft>
+              <a:buNone/>
+            </a:pPr>
+            <a:r>
+              <a:rPr lang="es-ES" sz="1200">
+                <a:solidFill>
+                  <a:schemeClr val="dk1"/>
+                </a:solidFill>
+              </a:rPr>
+              <a:t>Pozo, David. ‘Linear battery models for power systems analysis’. Electric Power Systems Research, 212 (2022)</a:t>
+            </a:r>
+            <a:endParaRPr sz="1200">
+              <a:solidFill>
+                <a:schemeClr val="dk1"/>
+              </a:solidFill>
+            </a:endParaRPr>
+          </a:p>
+        </p:txBody>
+      </p:sp>
+      <p:sp>
+        <p:nvSpPr>
+          <p:cNvPr id="121" name="Google Shape;121;g3b05c13414c_0_0">
+            <a:extLst>
+              <a:ext uri="{FF2B5EF4-FFF2-40B4-BE49-F238E27FC236}">
+                <a16:creationId xmlns:a16="http://schemas.microsoft.com/office/drawing/2014/main" id="{5B6268B6-E885-4648-FCA3-6FE183247853}"/>
+              </a:ext>
+            </a:extLst>
+          </p:cNvPr>
+          <p:cNvSpPr txBox="1"/>
+          <p:nvPr/>
+        </p:nvSpPr>
+        <p:spPr>
+          <a:xfrm>
+            <a:off x="0" y="1149050"/>
+            <a:ext cx="12192000" cy="794100"/>
+          </a:xfrm>
+          <a:prstGeom prst="rect">
+            <a:avLst/>
+          </a:prstGeom>
+          <a:noFill/>
+          <a:ln>
+            <a:noFill/>
+          </a:ln>
+        </p:spPr>
+        <p:txBody>
+          <a:bodyPr spcFirstLastPara="1" wrap="square" lIns="91425" tIns="91425" rIns="91425" bIns="91425" anchor="t" anchorCtr="0">
+            <a:spAutoFit/>
+          </a:bodyPr>
+          <a:lstStyle/>
+          <a:p>
+            <a:pPr marL="0" lvl="0" indent="0" algn="l" rtl="0">
+              <a:lnSpc>
+                <a:spcPct val="90000"/>
+              </a:lnSpc>
+              <a:spcBef>
+                <a:spcPts val="0"/>
+              </a:spcBef>
+              <a:spcAft>
+                <a:spcPts val="0"/>
+              </a:spcAft>
+              <a:buNone/>
+            </a:pPr>
+            <a:r>
+              <a:rPr lang="es-ES" sz="2200" b="1">
+                <a:solidFill>
+                  <a:schemeClr val="dk1"/>
+                </a:solidFill>
+                <a:latin typeface="Open Sans Medium"/>
+                <a:ea typeface="Open Sans Medium"/>
+                <a:cs typeface="Open Sans Medium"/>
+                <a:sym typeface="Open Sans Medium"/>
+              </a:rPr>
+              <a:t> More realistic models</a:t>
+            </a:r>
+            <a:r>
+              <a:rPr lang="es-ES" sz="2200">
+                <a:solidFill>
+                  <a:schemeClr val="dk1"/>
+                </a:solidFill>
+                <a:latin typeface="Open Sans Medium"/>
+                <a:ea typeface="Open Sans Medium"/>
+                <a:cs typeface="Open Sans Medium"/>
+                <a:sym typeface="Open Sans Medium"/>
+              </a:rPr>
+              <a:t>: to take into account effects from the wind farm such as the variance of all 13 predictions, which did NOT affect the previous state of the battery</a:t>
+            </a:r>
+            <a:endParaRPr sz="1300"/>
+          </a:p>
+        </p:txBody>
+      </p:sp>
+      <p:pic>
+        <p:nvPicPr>
+          <p:cNvPr id="123" name="Google Shape;123;g3b05c13414c_0_0" title="output_7.png">
+            <a:extLst>
+              <a:ext uri="{FF2B5EF4-FFF2-40B4-BE49-F238E27FC236}">
+                <a16:creationId xmlns:a16="http://schemas.microsoft.com/office/drawing/2014/main" id="{35A16DBF-B963-6EA4-94F7-F228B37ADF48}"/>
+              </a:ext>
+            </a:extLst>
+          </p:cNvPr>
+          <p:cNvPicPr preferRelativeResize="0"/>
+          <p:nvPr/>
+        </p:nvPicPr>
+        <p:blipFill>
+          <a:blip r:embed="rId3">
+            <a:alphaModFix/>
+          </a:blip>
+          <a:stretch>
+            <a:fillRect/>
+          </a:stretch>
+        </p:blipFill>
+        <p:spPr>
+          <a:xfrm>
+            <a:off x="0" y="3444732"/>
+            <a:ext cx="5819249" cy="2327125"/>
+          </a:xfrm>
+          <a:prstGeom prst="rect">
+            <a:avLst/>
+          </a:prstGeom>
+          <a:noFill/>
+          <a:ln>
+            <a:noFill/>
+          </a:ln>
+        </p:spPr>
+      </p:pic>
+      <p:sp>
+        <p:nvSpPr>
+          <p:cNvPr id="124" name="Google Shape;124;g3b05c13414c_0_0">
+            <a:extLst>
+              <a:ext uri="{FF2B5EF4-FFF2-40B4-BE49-F238E27FC236}">
+                <a16:creationId xmlns:a16="http://schemas.microsoft.com/office/drawing/2014/main" id="{46EE0EE3-508C-F62B-EF3C-1E349331D186}"/>
+              </a:ext>
+            </a:extLst>
+          </p:cNvPr>
+          <p:cNvSpPr txBox="1"/>
+          <p:nvPr/>
+        </p:nvSpPr>
+        <p:spPr>
+          <a:xfrm>
+            <a:off x="812650" y="2143063"/>
+            <a:ext cx="3921300" cy="312900"/>
+          </a:xfrm>
+          <a:prstGeom prst="rect">
+            <a:avLst/>
+          </a:prstGeom>
+          <a:noFill/>
+          <a:ln>
+            <a:noFill/>
+          </a:ln>
+        </p:spPr>
+        <p:txBody>
+          <a:bodyPr spcFirstLastPara="1" wrap="square" lIns="91425" tIns="91425" rIns="91425" bIns="91425" anchor="t" anchorCtr="0">
+            <a:noAutofit/>
+          </a:bodyPr>
+          <a:lstStyle/>
+          <a:p>
+            <a:pPr marL="0" lvl="0" indent="0" algn="l" rtl="0">
+              <a:spcBef>
+                <a:spcPts val="0"/>
+              </a:spcBef>
+              <a:spcAft>
+                <a:spcPts val="0"/>
+              </a:spcAft>
+              <a:buNone/>
+            </a:pPr>
+            <a:r>
+              <a:rPr lang="es-ES" sz="1800">
+                <a:solidFill>
+                  <a:schemeClr val="dk1"/>
+                </a:solidFill>
+                <a:latin typeface="Open Sans Medium"/>
+                <a:ea typeface="Open Sans Medium"/>
+                <a:cs typeface="Open Sans Medium"/>
+                <a:sym typeface="Open Sans Medium"/>
+              </a:rPr>
+              <a:t>Set-point tracking problem (</a:t>
+            </a:r>
+            <a:r>
+              <a:rPr lang="es-ES" sz="1800" b="1">
+                <a:solidFill>
+                  <a:schemeClr val="dk1"/>
+                </a:solidFill>
+                <a:latin typeface="Open Sans"/>
+                <a:ea typeface="Open Sans"/>
+                <a:cs typeface="Open Sans"/>
+                <a:sym typeface="Open Sans"/>
+              </a:rPr>
+              <a:t>SPT)</a:t>
+            </a:r>
+            <a:endParaRPr sz="1800" b="1">
+              <a:solidFill>
+                <a:schemeClr val="dk1"/>
+              </a:solidFill>
+              <a:latin typeface="Open Sans"/>
+              <a:ea typeface="Open Sans"/>
+              <a:cs typeface="Open Sans"/>
+              <a:sym typeface="Open Sans"/>
+            </a:endParaRPr>
+          </a:p>
+        </p:txBody>
+      </p:sp>
+      <p:pic>
+        <p:nvPicPr>
+          <p:cNvPr id="3" name="Imagen 2" descr="Gráfico&#10;&#10;El contenido generado por IA puede ser incorrecto.">
+            <a:extLst>
+              <a:ext uri="{FF2B5EF4-FFF2-40B4-BE49-F238E27FC236}">
+                <a16:creationId xmlns:a16="http://schemas.microsoft.com/office/drawing/2014/main" id="{E36B5E95-C18D-ACC9-505E-48B18CB260A8}"/>
+              </a:ext>
+            </a:extLst>
+          </p:cNvPr>
+          <p:cNvPicPr>
+            <a:picLocks noChangeAspect="1"/>
+          </p:cNvPicPr>
+          <p:nvPr/>
+        </p:nvPicPr>
+        <p:blipFill>
+          <a:blip r:embed="rId4"/>
+          <a:stretch>
+            <a:fillRect/>
+          </a:stretch>
+        </p:blipFill>
+        <p:spPr>
+          <a:xfrm>
+            <a:off x="6096000" y="2062472"/>
+            <a:ext cx="5771516" cy="3780544"/>
+          </a:xfrm>
+          <a:prstGeom prst="rect">
+            <a:avLst/>
+          </a:prstGeom>
+        </p:spPr>
+      </p:pic>
+      <p:pic>
+        <p:nvPicPr>
+          <p:cNvPr id="5" name="Imagen 4" descr="Texto, Esquemático&#10;&#10;El contenido generado por IA puede ser incorrecto.">
+            <a:extLst>
+              <a:ext uri="{FF2B5EF4-FFF2-40B4-BE49-F238E27FC236}">
+                <a16:creationId xmlns:a16="http://schemas.microsoft.com/office/drawing/2014/main" id="{92850437-7776-D857-085A-A615DC455F4E}"/>
+              </a:ext>
+            </a:extLst>
+          </p:cNvPr>
+          <p:cNvPicPr>
+            <a:picLocks noChangeAspect="1"/>
+          </p:cNvPicPr>
+          <p:nvPr/>
+        </p:nvPicPr>
+        <p:blipFill>
+          <a:blip r:embed="rId5"/>
+          <a:stretch>
+            <a:fillRect/>
+          </a:stretch>
+        </p:blipFill>
+        <p:spPr>
+          <a:xfrm>
+            <a:off x="178984" y="2542894"/>
+            <a:ext cx="2730640" cy="768389"/>
+          </a:xfrm>
+          <a:prstGeom prst="rect">
+            <a:avLst/>
+          </a:prstGeom>
+        </p:spPr>
+      </p:pic>
+      <p:pic>
+        <p:nvPicPr>
+          <p:cNvPr id="7" name="Imagen 6">
+            <a:extLst>
+              <a:ext uri="{FF2B5EF4-FFF2-40B4-BE49-F238E27FC236}">
+                <a16:creationId xmlns:a16="http://schemas.microsoft.com/office/drawing/2014/main" id="{D3137643-90D2-1124-5FA8-C243FB3708AA}"/>
+              </a:ext>
+            </a:extLst>
+          </p:cNvPr>
+          <p:cNvPicPr>
+            <a:picLocks noChangeAspect="1"/>
+          </p:cNvPicPr>
+          <p:nvPr/>
+        </p:nvPicPr>
+        <p:blipFill>
+          <a:blip r:embed="rId6"/>
+          <a:stretch>
+            <a:fillRect/>
+          </a:stretch>
+        </p:blipFill>
+        <p:spPr>
+          <a:xfrm>
+            <a:off x="3040071" y="2715925"/>
+            <a:ext cx="1496480" cy="368480"/>
+          </a:xfrm>
+          <a:prstGeom prst="rect">
+            <a:avLst/>
+          </a:prstGeom>
+        </p:spPr>
+      </p:pic>
+      <p:pic>
+        <p:nvPicPr>
+          <p:cNvPr id="9" name="Imagen 8" descr="Texto&#10;&#10;El contenido generado por IA puede ser incorrecto.">
+            <a:extLst>
+              <a:ext uri="{FF2B5EF4-FFF2-40B4-BE49-F238E27FC236}">
+                <a16:creationId xmlns:a16="http://schemas.microsoft.com/office/drawing/2014/main" id="{182FA1E2-000A-BCA4-1FA6-6BCF08246765}"/>
+              </a:ext>
+            </a:extLst>
+          </p:cNvPr>
+          <p:cNvPicPr>
+            <a:picLocks noChangeAspect="1"/>
+          </p:cNvPicPr>
+          <p:nvPr/>
+        </p:nvPicPr>
+        <p:blipFill>
+          <a:blip r:embed="rId7"/>
+          <a:stretch>
+            <a:fillRect/>
+          </a:stretch>
+        </p:blipFill>
+        <p:spPr>
+          <a:xfrm>
+            <a:off x="4733950" y="2695962"/>
+            <a:ext cx="1072800" cy="454697"/>
+          </a:xfrm>
+          <a:prstGeom prst="rect">
+            <a:avLst/>
+          </a:prstGeom>
+        </p:spPr>
+      </p:pic>
+    </p:spTree>
+    <p:extLst>
+      <p:ext uri="{BB962C8B-B14F-4D97-AF65-F5344CB8AC3E}">
+        <p14:creationId xmlns:p14="http://schemas.microsoft.com/office/powerpoint/2010/main" val="465635945"/>
+      </p:ext>
+    </p:extLst>
+  </p:cSld>
+  <p:clrMapOvr>
+    <a:masterClrMapping/>
+  </p:clrMapOvr>
+</p:sld>
+</file>
+
+<file path=ppt/slides/slide11.xml><?xml version="1.0" encoding="utf-8"?>
+<p:sld xmlns:a="http://schemas.openxmlformats.org/drawingml/2006/main" xmlns:r="http://schemas.openxmlformats.org/officeDocument/2006/relationships" xmlns:p="http://schemas.openxmlformats.org/presentationml/2006/main">
+  <p:cSld>
+    <p:spTree>
+      <p:nvGrpSpPr>
+        <p:cNvPr id="1" name="Shape 117">
+          <a:extLst>
+            <a:ext uri="{FF2B5EF4-FFF2-40B4-BE49-F238E27FC236}">
+              <a16:creationId xmlns:a16="http://schemas.microsoft.com/office/drawing/2014/main" id="{8952FD53-4700-1147-B5BA-F3D9EBBF22C2}"/>
+            </a:ext>
+          </a:extLst>
+        </p:cNvPr>
+        <p:cNvGrpSpPr/>
+        <p:nvPr/>
+      </p:nvGrpSpPr>
+      <p:grpSpPr>
+        <a:xfrm>
+          <a:off x="0" y="0"/>
+          <a:ext cx="0" cy="0"/>
+          <a:chOff x="0" y="0"/>
+          <a:chExt cx="0" cy="0"/>
+        </a:xfrm>
+      </p:grpSpPr>
+      <p:sp>
+        <p:nvSpPr>
+          <p:cNvPr id="118" name="Google Shape;118;g3b05c13414c_0_0">
+            <a:extLst>
+              <a:ext uri="{FF2B5EF4-FFF2-40B4-BE49-F238E27FC236}">
+                <a16:creationId xmlns:a16="http://schemas.microsoft.com/office/drawing/2014/main" id="{E75C2CA1-69B7-2C1D-833E-15CD38E9F7C9}"/>
+              </a:ext>
+            </a:extLst>
+          </p:cNvPr>
+          <p:cNvSpPr txBox="1"/>
+          <p:nvPr/>
+        </p:nvSpPr>
+        <p:spPr>
+          <a:xfrm>
+            <a:off x="306887" y="-47785"/>
+            <a:ext cx="11966700" cy="1325700"/>
+          </a:xfrm>
+          <a:prstGeom prst="rect">
+            <a:avLst/>
+          </a:prstGeom>
+          <a:noFill/>
+          <a:ln>
+            <a:noFill/>
+          </a:ln>
+        </p:spPr>
+        <p:txBody>
+          <a:bodyPr spcFirstLastPara="1" wrap="square" lIns="91425" tIns="45700" rIns="91425" bIns="45700" anchor="ctr" anchorCtr="0">
+            <a:normAutofit/>
+          </a:bodyPr>
+          <a:lstStyle/>
+          <a:p>
+            <a:pPr marL="0" marR="0" lvl="0" indent="0" algn="l" rtl="0">
+              <a:lnSpc>
+                <a:spcPct val="90000"/>
+              </a:lnSpc>
+              <a:spcBef>
+                <a:spcPts val="0"/>
+              </a:spcBef>
+              <a:spcAft>
+                <a:spcPts val="0"/>
+              </a:spcAft>
+              <a:buNone/>
+            </a:pPr>
+            <a:r>
+              <a:rPr lang="es-ES" sz="4000" dirty="0" err="1">
+                <a:solidFill>
+                  <a:srgbClr val="BF4F14"/>
+                </a:solidFill>
+                <a:latin typeface="Open Sans"/>
+                <a:ea typeface="Open Sans"/>
+                <a:cs typeface="Open Sans"/>
+                <a:sym typeface="Open Sans"/>
+              </a:rPr>
+              <a:t>Conclusions</a:t>
+            </a:r>
+            <a:r>
+              <a:rPr lang="es-ES" sz="4000" dirty="0">
+                <a:solidFill>
+                  <a:srgbClr val="BF4F14"/>
+                </a:solidFill>
+                <a:latin typeface="Open Sans"/>
+                <a:ea typeface="Open Sans"/>
+                <a:cs typeface="Open Sans"/>
+                <a:sym typeface="Open Sans"/>
+              </a:rPr>
+              <a:t> and </a:t>
+            </a:r>
+            <a:r>
+              <a:rPr lang="es-ES" sz="4000" dirty="0" err="1">
+                <a:solidFill>
+                  <a:srgbClr val="BF4F14"/>
+                </a:solidFill>
+                <a:latin typeface="Open Sans"/>
+                <a:ea typeface="Open Sans"/>
+                <a:cs typeface="Open Sans"/>
+                <a:sym typeface="Open Sans"/>
+              </a:rPr>
+              <a:t>outlook</a:t>
+            </a:r>
+            <a:endParaRPr sz="3600" b="0" i="0" u="none" strike="noStrike" cap="none" dirty="0">
+              <a:solidFill>
+                <a:srgbClr val="BF4F14"/>
+              </a:solidFill>
+              <a:latin typeface="Open Sans"/>
+              <a:ea typeface="Open Sans"/>
+              <a:cs typeface="Open Sans"/>
+              <a:sym typeface="Open Sans"/>
+            </a:endParaRPr>
+          </a:p>
+        </p:txBody>
+      </p:sp>
+      <p:sp>
+        <p:nvSpPr>
+          <p:cNvPr id="121" name="Google Shape;121;g3b05c13414c_0_0">
+            <a:extLst>
+              <a:ext uri="{FF2B5EF4-FFF2-40B4-BE49-F238E27FC236}">
+                <a16:creationId xmlns:a16="http://schemas.microsoft.com/office/drawing/2014/main" id="{0358D1F5-FD2E-1DCC-DF39-4F5D4234E65D}"/>
+              </a:ext>
+            </a:extLst>
+          </p:cNvPr>
+          <p:cNvSpPr txBox="1"/>
+          <p:nvPr/>
+        </p:nvSpPr>
+        <p:spPr>
+          <a:xfrm>
+            <a:off x="0" y="1149050"/>
+            <a:ext cx="12192000" cy="5544564"/>
+          </a:xfrm>
+          <a:prstGeom prst="rect">
+            <a:avLst/>
+          </a:prstGeom>
+          <a:noFill/>
+          <a:ln>
+            <a:noFill/>
+          </a:ln>
+        </p:spPr>
+        <p:txBody>
+          <a:bodyPr spcFirstLastPara="1" wrap="square" lIns="91425" tIns="91425" rIns="91425" bIns="91425" anchor="t" anchorCtr="0">
+            <a:spAutoFit/>
+          </a:bodyPr>
+          <a:lstStyle/>
+          <a:p>
+            <a:pPr marL="342900" lvl="0" indent="-342900" algn="l" rtl="0">
+              <a:lnSpc>
+                <a:spcPct val="90000"/>
+              </a:lnSpc>
+              <a:spcBef>
+                <a:spcPts val="0"/>
+              </a:spcBef>
+              <a:spcAft>
+                <a:spcPts val="0"/>
+              </a:spcAft>
+              <a:buFont typeface="Arial" panose="020B0604020202020204" pitchFamily="34" charset="0"/>
+              <a:buChar char="•"/>
+            </a:pPr>
+            <a:r>
+              <a:rPr lang="es-ES" sz="2200" dirty="0" err="1">
+                <a:solidFill>
+                  <a:schemeClr val="dk1"/>
+                </a:solidFill>
+                <a:latin typeface="Open Sans Medium"/>
+                <a:ea typeface="Open Sans Medium"/>
+                <a:cs typeface="Open Sans Medium"/>
+                <a:sym typeface="Open Sans Medium"/>
+              </a:rPr>
+              <a:t>We</a:t>
+            </a:r>
+            <a:r>
+              <a:rPr lang="es-ES" sz="2200" dirty="0">
+                <a:solidFill>
+                  <a:schemeClr val="dk1"/>
+                </a:solidFill>
+                <a:latin typeface="Open Sans Medium"/>
+                <a:ea typeface="Open Sans Medium"/>
+                <a:cs typeface="Open Sans Medium"/>
+                <a:sym typeface="Open Sans Medium"/>
+              </a:rPr>
+              <a:t> introduce a </a:t>
+            </a:r>
+            <a:r>
+              <a:rPr lang="es-ES" sz="2200" dirty="0" err="1">
+                <a:solidFill>
+                  <a:schemeClr val="dk1"/>
+                </a:solidFill>
+                <a:effectLst>
+                  <a:outerShdw blurRad="38100" dist="38100" dir="2700000" algn="tl">
+                    <a:srgbClr val="000000">
+                      <a:alpha val="43137"/>
+                    </a:srgbClr>
+                  </a:outerShdw>
+                </a:effectLst>
+                <a:latin typeface="Open Sans Medium"/>
+                <a:ea typeface="Open Sans Medium"/>
+                <a:cs typeface="Open Sans Medium"/>
+                <a:sym typeface="Open Sans Medium"/>
+              </a:rPr>
+              <a:t>hybrid</a:t>
+            </a:r>
+            <a:r>
+              <a:rPr lang="es-ES" sz="2200" dirty="0">
+                <a:solidFill>
+                  <a:schemeClr val="dk1"/>
+                </a:solidFill>
+                <a:effectLst>
+                  <a:outerShdw blurRad="38100" dist="38100" dir="2700000" algn="tl">
+                    <a:srgbClr val="000000">
+                      <a:alpha val="43137"/>
+                    </a:srgbClr>
+                  </a:outerShdw>
+                </a:effectLst>
+                <a:latin typeface="Open Sans Medium"/>
+                <a:ea typeface="Open Sans Medium"/>
+                <a:cs typeface="Open Sans Medium"/>
+                <a:sym typeface="Open Sans Medium"/>
+              </a:rPr>
+              <a:t> </a:t>
+            </a:r>
+            <a:r>
+              <a:rPr lang="es-ES" sz="2200" dirty="0" err="1">
+                <a:solidFill>
+                  <a:schemeClr val="dk1"/>
+                </a:solidFill>
+                <a:effectLst>
+                  <a:outerShdw blurRad="38100" dist="38100" dir="2700000" algn="tl">
+                    <a:srgbClr val="000000">
+                      <a:alpha val="43137"/>
+                    </a:srgbClr>
+                  </a:outerShdw>
+                </a:effectLst>
+                <a:latin typeface="Open Sans Medium"/>
+                <a:ea typeface="Open Sans Medium"/>
+                <a:cs typeface="Open Sans Medium"/>
+                <a:sym typeface="Open Sans Medium"/>
+              </a:rPr>
+              <a:t>quantum+classical</a:t>
+            </a:r>
+            <a:r>
+              <a:rPr lang="es-ES" sz="2200" dirty="0">
+                <a:solidFill>
+                  <a:schemeClr val="dk1"/>
+                </a:solidFill>
+                <a:effectLst>
+                  <a:outerShdw blurRad="38100" dist="38100" dir="2700000" algn="tl">
+                    <a:srgbClr val="000000">
+                      <a:alpha val="43137"/>
+                    </a:srgbClr>
+                  </a:outerShdw>
+                </a:effectLst>
+                <a:latin typeface="Open Sans Medium"/>
+                <a:ea typeface="Open Sans Medium"/>
+                <a:cs typeface="Open Sans Medium"/>
+                <a:sym typeface="Open Sans Medium"/>
+              </a:rPr>
+              <a:t> </a:t>
+            </a:r>
+            <a:r>
+              <a:rPr lang="es-ES" sz="2200" dirty="0" err="1">
+                <a:solidFill>
+                  <a:schemeClr val="dk1"/>
+                </a:solidFill>
+                <a:effectLst>
+                  <a:outerShdw blurRad="38100" dist="38100" dir="2700000" algn="tl">
+                    <a:srgbClr val="000000">
+                      <a:alpha val="43137"/>
+                    </a:srgbClr>
+                  </a:outerShdw>
+                </a:effectLst>
+                <a:latin typeface="Open Sans Medium"/>
+                <a:ea typeface="Open Sans Medium"/>
+                <a:cs typeface="Open Sans Medium"/>
+                <a:sym typeface="Open Sans Medium"/>
+              </a:rPr>
+              <a:t>mixed</a:t>
+            </a:r>
+            <a:r>
+              <a:rPr lang="es-ES" sz="2200" dirty="0">
+                <a:solidFill>
+                  <a:schemeClr val="dk1"/>
+                </a:solidFill>
+                <a:effectLst>
+                  <a:outerShdw blurRad="38100" dist="38100" dir="2700000" algn="tl">
+                    <a:srgbClr val="000000">
+                      <a:alpha val="43137"/>
+                    </a:srgbClr>
+                  </a:outerShdw>
+                </a:effectLst>
+                <a:latin typeface="Open Sans Medium"/>
+                <a:ea typeface="Open Sans Medium"/>
+                <a:cs typeface="Open Sans Medium"/>
+                <a:sym typeface="Open Sans Medium"/>
+              </a:rPr>
+              <a:t> linear </a:t>
+            </a:r>
+            <a:r>
+              <a:rPr lang="es-ES" sz="2200" dirty="0" err="1">
+                <a:solidFill>
+                  <a:schemeClr val="dk1"/>
+                </a:solidFill>
+                <a:effectLst>
+                  <a:outerShdw blurRad="38100" dist="38100" dir="2700000" algn="tl">
+                    <a:srgbClr val="000000">
+                      <a:alpha val="43137"/>
+                    </a:srgbClr>
+                  </a:outerShdw>
+                </a:effectLst>
+                <a:latin typeface="Open Sans Medium"/>
+                <a:ea typeface="Open Sans Medium"/>
+                <a:cs typeface="Open Sans Medium"/>
+                <a:sym typeface="Open Sans Medium"/>
+              </a:rPr>
+              <a:t>integer</a:t>
+            </a:r>
+            <a:r>
+              <a:rPr lang="es-ES" sz="2200" dirty="0">
+                <a:solidFill>
+                  <a:schemeClr val="dk1"/>
+                </a:solidFill>
+                <a:effectLst>
+                  <a:outerShdw blurRad="38100" dist="38100" dir="2700000" algn="tl">
+                    <a:srgbClr val="000000">
+                      <a:alpha val="43137"/>
+                    </a:srgbClr>
+                  </a:outerShdw>
+                </a:effectLst>
+                <a:latin typeface="Open Sans Medium"/>
+                <a:ea typeface="Open Sans Medium"/>
+                <a:cs typeface="Open Sans Medium"/>
+                <a:sym typeface="Open Sans Medium"/>
+              </a:rPr>
+              <a:t> </a:t>
+            </a:r>
+            <a:r>
+              <a:rPr lang="es-ES" sz="2200" dirty="0" err="1">
+                <a:solidFill>
+                  <a:schemeClr val="dk1"/>
+                </a:solidFill>
+                <a:effectLst>
+                  <a:outerShdw blurRad="38100" dist="38100" dir="2700000" algn="tl">
+                    <a:srgbClr val="000000">
+                      <a:alpha val="43137"/>
+                    </a:srgbClr>
+                  </a:outerShdw>
+                </a:effectLst>
+                <a:latin typeface="Open Sans Medium"/>
+                <a:ea typeface="Open Sans Medium"/>
+                <a:cs typeface="Open Sans Medium"/>
+                <a:sym typeface="Open Sans Medium"/>
+              </a:rPr>
+              <a:t>programming</a:t>
+            </a:r>
+            <a:r>
+              <a:rPr lang="es-ES" sz="2200" dirty="0">
+                <a:solidFill>
+                  <a:schemeClr val="dk1"/>
+                </a:solidFill>
+                <a:effectLst>
+                  <a:outerShdw blurRad="38100" dist="38100" dir="2700000" algn="tl">
+                    <a:srgbClr val="000000">
+                      <a:alpha val="43137"/>
+                    </a:srgbClr>
+                  </a:outerShdw>
+                </a:effectLst>
+                <a:latin typeface="Open Sans Medium"/>
+                <a:ea typeface="Open Sans Medium"/>
+                <a:cs typeface="Open Sans Medium"/>
+                <a:sym typeface="Open Sans Medium"/>
+              </a:rPr>
+              <a:t> </a:t>
+            </a:r>
+            <a:r>
+              <a:rPr lang="es-ES" sz="2200" dirty="0" err="1">
+                <a:solidFill>
+                  <a:schemeClr val="dk1"/>
+                </a:solidFill>
+                <a:effectLst>
+                  <a:outerShdw blurRad="38100" dist="38100" dir="2700000" algn="tl">
+                    <a:srgbClr val="000000">
+                      <a:alpha val="43137"/>
+                    </a:srgbClr>
+                  </a:outerShdw>
+                </a:effectLst>
+                <a:latin typeface="Open Sans Medium"/>
+                <a:ea typeface="Open Sans Medium"/>
+                <a:cs typeface="Open Sans Medium"/>
+                <a:sym typeface="Open Sans Medium"/>
+              </a:rPr>
+              <a:t>algorithm</a:t>
+            </a:r>
+            <a:r>
+              <a:rPr lang="es-ES" sz="2200" dirty="0">
+                <a:solidFill>
+                  <a:schemeClr val="dk1"/>
+                </a:solidFill>
+                <a:effectLst>
+                  <a:outerShdw blurRad="38100" dist="38100" dir="2700000" algn="tl">
+                    <a:srgbClr val="000000">
+                      <a:alpha val="43137"/>
+                    </a:srgbClr>
+                  </a:outerShdw>
+                </a:effectLst>
+                <a:latin typeface="Open Sans Medium"/>
+                <a:ea typeface="Open Sans Medium"/>
+                <a:cs typeface="Open Sans Medium"/>
+                <a:sym typeface="Open Sans Medium"/>
+              </a:rPr>
+              <a:t> </a:t>
+            </a:r>
+            <a:r>
+              <a:rPr lang="es-ES" sz="2200" dirty="0" err="1">
+                <a:solidFill>
+                  <a:schemeClr val="dk1"/>
+                </a:solidFill>
+                <a:latin typeface="Open Sans Medium"/>
+                <a:ea typeface="Open Sans Medium"/>
+                <a:cs typeface="Open Sans Medium"/>
+                <a:sym typeface="Open Sans Medium"/>
+              </a:rPr>
+              <a:t>that</a:t>
+            </a:r>
+            <a:r>
+              <a:rPr lang="es-ES" sz="2200" dirty="0">
+                <a:solidFill>
+                  <a:schemeClr val="dk1"/>
+                </a:solidFill>
+                <a:latin typeface="Open Sans Medium"/>
+                <a:ea typeface="Open Sans Medium"/>
+                <a:cs typeface="Open Sans Medium"/>
+                <a:sym typeface="Open Sans Medium"/>
+              </a:rPr>
+              <a:t> </a:t>
+            </a:r>
+            <a:r>
+              <a:rPr lang="es-ES" sz="2200" dirty="0" err="1">
+                <a:solidFill>
+                  <a:schemeClr val="dk1"/>
+                </a:solidFill>
+                <a:effectLst>
+                  <a:outerShdw blurRad="38100" dist="38100" dir="2700000" algn="tl">
+                    <a:srgbClr val="000000">
+                      <a:alpha val="43137"/>
+                    </a:srgbClr>
+                  </a:outerShdw>
+                </a:effectLst>
+                <a:latin typeface="Open Sans Medium"/>
+                <a:ea typeface="Open Sans Medium"/>
+                <a:cs typeface="Open Sans Medium"/>
+                <a:sym typeface="Open Sans Medium"/>
+              </a:rPr>
+              <a:t>leverages</a:t>
+            </a:r>
+            <a:r>
+              <a:rPr lang="es-ES" sz="2200" dirty="0">
+                <a:solidFill>
+                  <a:schemeClr val="dk1"/>
+                </a:solidFill>
+                <a:effectLst>
+                  <a:outerShdw blurRad="38100" dist="38100" dir="2700000" algn="tl">
+                    <a:srgbClr val="000000">
+                      <a:alpha val="43137"/>
+                    </a:srgbClr>
+                  </a:outerShdw>
+                </a:effectLst>
+                <a:latin typeface="Open Sans Medium"/>
+                <a:ea typeface="Open Sans Medium"/>
+                <a:cs typeface="Open Sans Medium"/>
+                <a:sym typeface="Open Sans Medium"/>
+              </a:rPr>
+              <a:t> quantum </a:t>
+            </a:r>
+            <a:r>
+              <a:rPr lang="es-ES" sz="2200" dirty="0" err="1">
+                <a:solidFill>
+                  <a:schemeClr val="dk1"/>
+                </a:solidFill>
+                <a:effectLst>
+                  <a:outerShdw blurRad="38100" dist="38100" dir="2700000" algn="tl">
+                    <a:srgbClr val="000000">
+                      <a:alpha val="43137"/>
+                    </a:srgbClr>
+                  </a:outerShdw>
+                </a:effectLst>
+                <a:latin typeface="Open Sans Medium"/>
+                <a:ea typeface="Open Sans Medium"/>
+                <a:cs typeface="Open Sans Medium"/>
+                <a:sym typeface="Open Sans Medium"/>
+              </a:rPr>
+              <a:t>computers</a:t>
+            </a:r>
+            <a:r>
+              <a:rPr lang="es-ES" sz="2200" dirty="0">
+                <a:solidFill>
+                  <a:schemeClr val="dk1"/>
+                </a:solidFill>
+                <a:effectLst>
+                  <a:outerShdw blurRad="38100" dist="38100" dir="2700000" algn="tl">
+                    <a:srgbClr val="000000">
+                      <a:alpha val="43137"/>
+                    </a:srgbClr>
+                  </a:outerShdw>
+                </a:effectLst>
+                <a:latin typeface="Open Sans Medium"/>
+                <a:ea typeface="Open Sans Medium"/>
+                <a:cs typeface="Open Sans Medium"/>
+                <a:sym typeface="Open Sans Medium"/>
+              </a:rPr>
+              <a:t> </a:t>
+            </a:r>
+            <a:r>
+              <a:rPr lang="es-ES" sz="2200" dirty="0" err="1">
+                <a:solidFill>
+                  <a:schemeClr val="dk1"/>
+                </a:solidFill>
+                <a:effectLst>
+                  <a:outerShdw blurRad="38100" dist="38100" dir="2700000" algn="tl">
+                    <a:srgbClr val="000000">
+                      <a:alpha val="43137"/>
+                    </a:srgbClr>
+                  </a:outerShdw>
+                </a:effectLst>
+                <a:latin typeface="Open Sans Medium"/>
+                <a:ea typeface="Open Sans Medium"/>
+                <a:cs typeface="Open Sans Medium"/>
+                <a:sym typeface="Open Sans Medium"/>
+              </a:rPr>
+              <a:t>to</a:t>
+            </a:r>
+            <a:r>
+              <a:rPr lang="es-ES" sz="2200" dirty="0">
+                <a:solidFill>
+                  <a:schemeClr val="dk1"/>
+                </a:solidFill>
+                <a:effectLst>
+                  <a:outerShdw blurRad="38100" dist="38100" dir="2700000" algn="tl">
+                    <a:srgbClr val="000000">
+                      <a:alpha val="43137"/>
+                    </a:srgbClr>
+                  </a:outerShdw>
+                </a:effectLst>
+                <a:latin typeface="Open Sans Medium"/>
+                <a:ea typeface="Open Sans Medium"/>
+                <a:cs typeface="Open Sans Medium"/>
+                <a:sym typeface="Open Sans Medium"/>
+              </a:rPr>
+              <a:t> </a:t>
+            </a:r>
+            <a:r>
+              <a:rPr lang="es-ES" sz="2200" dirty="0" err="1">
+                <a:solidFill>
+                  <a:schemeClr val="dk1"/>
+                </a:solidFill>
+                <a:effectLst>
+                  <a:outerShdw blurRad="38100" dist="38100" dir="2700000" algn="tl">
+                    <a:srgbClr val="000000">
+                      <a:alpha val="43137"/>
+                    </a:srgbClr>
+                  </a:outerShdw>
+                </a:effectLst>
+                <a:latin typeface="Open Sans Medium"/>
+                <a:ea typeface="Open Sans Medium"/>
+                <a:cs typeface="Open Sans Medium"/>
+                <a:sym typeface="Open Sans Medium"/>
+              </a:rPr>
+              <a:t>generate</a:t>
+            </a:r>
+            <a:r>
+              <a:rPr lang="es-ES" sz="2200" dirty="0">
+                <a:solidFill>
+                  <a:schemeClr val="dk1"/>
+                </a:solidFill>
+                <a:effectLst>
+                  <a:outerShdw blurRad="38100" dist="38100" dir="2700000" algn="tl">
+                    <a:srgbClr val="000000">
+                      <a:alpha val="43137"/>
+                    </a:srgbClr>
+                  </a:outerShdw>
+                </a:effectLst>
+                <a:latin typeface="Open Sans Medium"/>
+                <a:ea typeface="Open Sans Medium"/>
+                <a:cs typeface="Open Sans Medium"/>
+                <a:sym typeface="Open Sans Medium"/>
+              </a:rPr>
+              <a:t> </a:t>
+            </a:r>
+            <a:r>
+              <a:rPr lang="es-ES" sz="2200" dirty="0" err="1">
+                <a:solidFill>
+                  <a:schemeClr val="dk1"/>
+                </a:solidFill>
+                <a:effectLst>
+                  <a:outerShdw blurRad="38100" dist="38100" dir="2700000" algn="tl">
+                    <a:srgbClr val="000000">
+                      <a:alpha val="43137"/>
+                    </a:srgbClr>
+                  </a:outerShdw>
+                </a:effectLst>
+                <a:latin typeface="Open Sans Medium"/>
+                <a:ea typeface="Open Sans Medium"/>
+                <a:cs typeface="Open Sans Medium"/>
+                <a:sym typeface="Open Sans Medium"/>
+              </a:rPr>
+              <a:t>initial</a:t>
+            </a:r>
+            <a:r>
+              <a:rPr lang="es-ES" sz="2200" dirty="0">
+                <a:solidFill>
+                  <a:schemeClr val="dk1"/>
+                </a:solidFill>
+                <a:effectLst>
+                  <a:outerShdw blurRad="38100" dist="38100" dir="2700000" algn="tl">
+                    <a:srgbClr val="000000">
+                      <a:alpha val="43137"/>
+                    </a:srgbClr>
+                  </a:outerShdw>
+                </a:effectLst>
+                <a:latin typeface="Open Sans Medium"/>
+                <a:ea typeface="Open Sans Medium"/>
+                <a:cs typeface="Open Sans Medium"/>
+                <a:sym typeface="Open Sans Medium"/>
+              </a:rPr>
+              <a:t> </a:t>
+            </a:r>
+            <a:r>
+              <a:rPr lang="es-ES" sz="2200" dirty="0" err="1">
+                <a:solidFill>
+                  <a:schemeClr val="dk1"/>
+                </a:solidFill>
+                <a:effectLst>
+                  <a:outerShdw blurRad="38100" dist="38100" dir="2700000" algn="tl">
+                    <a:srgbClr val="000000">
+                      <a:alpha val="43137"/>
+                    </a:srgbClr>
+                  </a:outerShdw>
+                </a:effectLst>
+                <a:latin typeface="Open Sans Medium"/>
+                <a:ea typeface="Open Sans Medium"/>
+                <a:cs typeface="Open Sans Medium"/>
+                <a:sym typeface="Open Sans Medium"/>
+              </a:rPr>
+              <a:t>guesses</a:t>
+            </a:r>
+            <a:r>
+              <a:rPr lang="es-ES" sz="2200" dirty="0">
+                <a:solidFill>
+                  <a:schemeClr val="dk1"/>
+                </a:solidFill>
+                <a:latin typeface="Open Sans Medium"/>
+                <a:ea typeface="Open Sans Medium"/>
+                <a:cs typeface="Open Sans Medium"/>
+                <a:sym typeface="Open Sans Medium"/>
+              </a:rPr>
+              <a:t> </a:t>
+            </a:r>
+            <a:r>
+              <a:rPr lang="es-ES" sz="2200" dirty="0" err="1">
+                <a:solidFill>
+                  <a:schemeClr val="dk1"/>
+                </a:solidFill>
+                <a:latin typeface="Open Sans Medium"/>
+                <a:ea typeface="Open Sans Medium"/>
+                <a:cs typeface="Open Sans Medium"/>
+                <a:sym typeface="Open Sans Medium"/>
+              </a:rPr>
+              <a:t>for</a:t>
+            </a:r>
+            <a:r>
+              <a:rPr lang="es-ES" sz="2200" dirty="0">
+                <a:solidFill>
+                  <a:schemeClr val="dk1"/>
+                </a:solidFill>
+                <a:latin typeface="Open Sans Medium"/>
+                <a:ea typeface="Open Sans Medium"/>
+                <a:cs typeface="Open Sans Medium"/>
+                <a:sym typeface="Open Sans Medium"/>
+              </a:rPr>
+              <a:t> </a:t>
+            </a:r>
+            <a:r>
+              <a:rPr lang="es-ES" sz="2200" dirty="0" err="1">
+                <a:solidFill>
+                  <a:schemeClr val="dk1"/>
+                </a:solidFill>
+                <a:latin typeface="Open Sans Medium"/>
+                <a:ea typeface="Open Sans Medium"/>
+                <a:cs typeface="Open Sans Medium"/>
+                <a:sym typeface="Open Sans Medium"/>
+              </a:rPr>
+              <a:t>the</a:t>
+            </a:r>
+            <a:r>
+              <a:rPr lang="es-ES" sz="2200" dirty="0">
+                <a:solidFill>
+                  <a:schemeClr val="dk1"/>
+                </a:solidFill>
+                <a:latin typeface="Open Sans Medium"/>
+                <a:ea typeface="Open Sans Medium"/>
+                <a:cs typeface="Open Sans Medium"/>
+                <a:sym typeface="Open Sans Medium"/>
+              </a:rPr>
+              <a:t> </a:t>
+            </a:r>
+            <a:r>
+              <a:rPr lang="es-ES" sz="2200" dirty="0" err="1">
+                <a:solidFill>
+                  <a:schemeClr val="dk1"/>
+                </a:solidFill>
+                <a:latin typeface="Open Sans Medium"/>
+                <a:ea typeface="Open Sans Medium"/>
+                <a:cs typeface="Open Sans Medium"/>
+                <a:sym typeface="Open Sans Medium"/>
+              </a:rPr>
+              <a:t>solution</a:t>
+            </a:r>
+            <a:r>
+              <a:rPr lang="es-ES" sz="2200" dirty="0">
+                <a:solidFill>
+                  <a:schemeClr val="dk1"/>
+                </a:solidFill>
+                <a:latin typeface="Open Sans Medium"/>
+                <a:ea typeface="Open Sans Medium"/>
+                <a:cs typeface="Open Sans Medium"/>
+                <a:sym typeface="Open Sans Medium"/>
+              </a:rPr>
+              <a:t>.</a:t>
+            </a:r>
+          </a:p>
+          <a:p>
+            <a:pPr marL="342900" lvl="0" indent="-342900" algn="l" rtl="0">
+              <a:lnSpc>
+                <a:spcPct val="90000"/>
+              </a:lnSpc>
+              <a:spcBef>
+                <a:spcPts val="0"/>
+              </a:spcBef>
+              <a:spcAft>
+                <a:spcPts val="0"/>
+              </a:spcAft>
+              <a:buFont typeface="Arial" panose="020B0604020202020204" pitchFamily="34" charset="0"/>
+              <a:buChar char="•"/>
+            </a:pPr>
+            <a:endParaRPr lang="es-ES" sz="2200" dirty="0">
+              <a:solidFill>
+                <a:schemeClr val="dk1"/>
+              </a:solidFill>
+              <a:latin typeface="Open Sans Medium"/>
+              <a:ea typeface="Open Sans Medium"/>
+              <a:cs typeface="Open Sans Medium"/>
+              <a:sym typeface="Open Sans Medium"/>
+            </a:endParaRPr>
+          </a:p>
+          <a:p>
+            <a:pPr marL="342900" lvl="0" indent="-342900" algn="l" rtl="0">
+              <a:lnSpc>
+                <a:spcPct val="90000"/>
+              </a:lnSpc>
+              <a:spcBef>
+                <a:spcPts val="0"/>
+              </a:spcBef>
+              <a:spcAft>
+                <a:spcPts val="0"/>
+              </a:spcAft>
+              <a:buFont typeface="Arial" panose="020B0604020202020204" pitchFamily="34" charset="0"/>
+              <a:buChar char="•"/>
+            </a:pPr>
+            <a:r>
+              <a:rPr lang="es-ES" sz="2200" dirty="0" err="1">
+                <a:solidFill>
+                  <a:schemeClr val="dk1"/>
+                </a:solidFill>
+                <a:latin typeface="Open Sans Medium"/>
+                <a:ea typeface="Open Sans Medium"/>
+                <a:cs typeface="Open Sans Medium"/>
+                <a:sym typeface="Open Sans Medium"/>
+              </a:rPr>
+              <a:t>The</a:t>
+            </a:r>
+            <a:r>
+              <a:rPr lang="es-ES" sz="2200" dirty="0">
+                <a:solidFill>
+                  <a:schemeClr val="dk1"/>
+                </a:solidFill>
+                <a:latin typeface="Open Sans Medium"/>
+                <a:ea typeface="Open Sans Medium"/>
+                <a:cs typeface="Open Sans Medium"/>
+                <a:sym typeface="Open Sans Medium"/>
+              </a:rPr>
+              <a:t> quantum </a:t>
+            </a:r>
+            <a:r>
+              <a:rPr lang="es-ES" sz="2200" dirty="0" err="1">
+                <a:solidFill>
+                  <a:schemeClr val="dk1"/>
+                </a:solidFill>
+                <a:latin typeface="Open Sans Medium"/>
+                <a:ea typeface="Open Sans Medium"/>
+                <a:cs typeface="Open Sans Medium"/>
+                <a:sym typeface="Open Sans Medium"/>
+              </a:rPr>
+              <a:t>part</a:t>
+            </a:r>
+            <a:r>
+              <a:rPr lang="es-ES" sz="2200" dirty="0">
+                <a:solidFill>
+                  <a:schemeClr val="dk1"/>
+                </a:solidFill>
+                <a:latin typeface="Open Sans Medium"/>
+                <a:ea typeface="Open Sans Medium"/>
+                <a:cs typeface="Open Sans Medium"/>
+                <a:sym typeface="Open Sans Medium"/>
+              </a:rPr>
+              <a:t> </a:t>
+            </a:r>
+            <a:r>
+              <a:rPr lang="es-ES" sz="2200" dirty="0" err="1">
+                <a:solidFill>
+                  <a:schemeClr val="dk1"/>
+                </a:solidFill>
+                <a:latin typeface="Open Sans Medium"/>
+                <a:ea typeface="Open Sans Medium"/>
+                <a:cs typeface="Open Sans Medium"/>
+                <a:sym typeface="Open Sans Medium"/>
+              </a:rPr>
+              <a:t>is</a:t>
+            </a:r>
+            <a:r>
+              <a:rPr lang="es-ES" sz="2200" dirty="0">
+                <a:solidFill>
+                  <a:schemeClr val="dk1"/>
+                </a:solidFill>
+                <a:latin typeface="Open Sans Medium"/>
+                <a:ea typeface="Open Sans Medium"/>
+                <a:cs typeface="Open Sans Medium"/>
+                <a:sym typeface="Open Sans Medium"/>
+              </a:rPr>
+              <a:t> </a:t>
+            </a:r>
+            <a:r>
+              <a:rPr lang="es-ES" sz="2200" dirty="0" err="1">
+                <a:solidFill>
+                  <a:schemeClr val="dk1"/>
+                </a:solidFill>
+                <a:latin typeface="Open Sans Medium"/>
+                <a:ea typeface="Open Sans Medium"/>
+                <a:cs typeface="Open Sans Medium"/>
+                <a:sym typeface="Open Sans Medium"/>
+              </a:rPr>
+              <a:t>implemented</a:t>
+            </a:r>
+            <a:r>
+              <a:rPr lang="es-ES" sz="2200" dirty="0">
+                <a:solidFill>
+                  <a:schemeClr val="dk1"/>
+                </a:solidFill>
+                <a:latin typeface="Open Sans Medium"/>
+                <a:ea typeface="Open Sans Medium"/>
+                <a:cs typeface="Open Sans Medium"/>
+                <a:sym typeface="Open Sans Medium"/>
+              </a:rPr>
+              <a:t> </a:t>
+            </a:r>
+            <a:r>
+              <a:rPr lang="es-ES" sz="2200" dirty="0" err="1">
+                <a:solidFill>
+                  <a:schemeClr val="dk1"/>
+                </a:solidFill>
+                <a:latin typeface="Open Sans Medium"/>
+                <a:ea typeface="Open Sans Medium"/>
+                <a:cs typeface="Open Sans Medium"/>
+                <a:sym typeface="Open Sans Medium"/>
+              </a:rPr>
+              <a:t>solving</a:t>
+            </a:r>
+            <a:r>
+              <a:rPr lang="es-ES" sz="2200" dirty="0">
+                <a:solidFill>
+                  <a:schemeClr val="dk1"/>
+                </a:solidFill>
+                <a:latin typeface="Open Sans Medium"/>
+                <a:ea typeface="Open Sans Medium"/>
+                <a:cs typeface="Open Sans Medium"/>
+                <a:sym typeface="Open Sans Medium"/>
+              </a:rPr>
+              <a:t> a QUBO </a:t>
+            </a:r>
+            <a:r>
+              <a:rPr lang="es-ES" sz="2200" dirty="0" err="1">
+                <a:solidFill>
+                  <a:schemeClr val="dk1"/>
+                </a:solidFill>
+                <a:latin typeface="Open Sans Medium"/>
+                <a:ea typeface="Open Sans Medium"/>
+                <a:cs typeface="Open Sans Medium"/>
+                <a:sym typeface="Open Sans Medium"/>
+              </a:rPr>
+              <a:t>problem</a:t>
+            </a:r>
+            <a:r>
+              <a:rPr lang="es-ES" sz="2200" dirty="0">
+                <a:solidFill>
+                  <a:schemeClr val="dk1"/>
+                </a:solidFill>
+                <a:latin typeface="Open Sans Medium"/>
+                <a:ea typeface="Open Sans Medium"/>
+                <a:cs typeface="Open Sans Medium"/>
+                <a:sym typeface="Open Sans Medium"/>
+              </a:rPr>
+              <a:t> </a:t>
+            </a:r>
+            <a:r>
+              <a:rPr lang="es-ES" sz="2200" dirty="0" err="1">
+                <a:solidFill>
+                  <a:schemeClr val="dk1"/>
+                </a:solidFill>
+                <a:latin typeface="Open Sans Medium"/>
+                <a:ea typeface="Open Sans Medium"/>
+                <a:cs typeface="Open Sans Medium"/>
+                <a:sym typeface="Open Sans Medium"/>
+              </a:rPr>
+              <a:t>with</a:t>
+            </a:r>
+            <a:r>
+              <a:rPr lang="es-ES" sz="2200" dirty="0">
+                <a:solidFill>
+                  <a:schemeClr val="dk1"/>
+                </a:solidFill>
+                <a:latin typeface="Open Sans Medium"/>
+                <a:ea typeface="Open Sans Medium"/>
+                <a:cs typeface="Open Sans Medium"/>
+                <a:sym typeface="Open Sans Medium"/>
+              </a:rPr>
+              <a:t> </a:t>
+            </a:r>
+            <a:r>
+              <a:rPr lang="es-ES" sz="2200" dirty="0" err="1">
+                <a:solidFill>
+                  <a:schemeClr val="dk1"/>
+                </a:solidFill>
+                <a:latin typeface="Open Sans Medium"/>
+                <a:ea typeface="Open Sans Medium"/>
+                <a:cs typeface="Open Sans Medium"/>
+                <a:sym typeface="Open Sans Medium"/>
+              </a:rPr>
+              <a:t>the</a:t>
+            </a:r>
+            <a:r>
+              <a:rPr lang="es-ES" sz="2200" dirty="0">
+                <a:solidFill>
+                  <a:schemeClr val="dk1"/>
+                </a:solidFill>
+                <a:latin typeface="Open Sans Medium"/>
+                <a:ea typeface="Open Sans Medium"/>
+                <a:cs typeface="Open Sans Medium"/>
+                <a:sym typeface="Open Sans Medium"/>
+              </a:rPr>
+              <a:t> QAOA. </a:t>
+            </a:r>
+            <a:r>
+              <a:rPr lang="es-ES" sz="2200" dirty="0" err="1">
+                <a:solidFill>
+                  <a:schemeClr val="dk1"/>
+                </a:solidFill>
+                <a:latin typeface="Open Sans Medium"/>
+                <a:ea typeface="Open Sans Medium"/>
+                <a:cs typeface="Open Sans Medium"/>
+                <a:sym typeface="Open Sans Medium"/>
+              </a:rPr>
+              <a:t>The</a:t>
+            </a:r>
+            <a:r>
+              <a:rPr lang="es-ES" sz="2200" dirty="0">
+                <a:solidFill>
+                  <a:schemeClr val="dk1"/>
+                </a:solidFill>
+                <a:latin typeface="Open Sans Medium"/>
+                <a:ea typeface="Open Sans Medium"/>
+                <a:cs typeface="Open Sans Medium"/>
+                <a:sym typeface="Open Sans Medium"/>
+              </a:rPr>
+              <a:t> </a:t>
+            </a:r>
+            <a:r>
+              <a:rPr lang="es-ES" sz="2200" dirty="0" err="1">
+                <a:solidFill>
+                  <a:schemeClr val="dk1"/>
+                </a:solidFill>
+                <a:latin typeface="Open Sans Medium"/>
+                <a:ea typeface="Open Sans Medium"/>
+                <a:cs typeface="Open Sans Medium"/>
+                <a:sym typeface="Open Sans Medium"/>
+              </a:rPr>
+              <a:t>classical</a:t>
+            </a:r>
+            <a:r>
+              <a:rPr lang="es-ES" sz="2200" dirty="0">
+                <a:solidFill>
+                  <a:schemeClr val="dk1"/>
+                </a:solidFill>
+                <a:latin typeface="Open Sans Medium"/>
+                <a:ea typeface="Open Sans Medium"/>
+                <a:cs typeface="Open Sans Medium"/>
+                <a:sym typeface="Open Sans Medium"/>
+              </a:rPr>
+              <a:t> </a:t>
+            </a:r>
+            <a:r>
+              <a:rPr lang="es-ES" sz="2200" dirty="0" err="1">
+                <a:solidFill>
+                  <a:schemeClr val="dk1"/>
+                </a:solidFill>
+                <a:latin typeface="Open Sans Medium"/>
+                <a:ea typeface="Open Sans Medium"/>
+                <a:cs typeface="Open Sans Medium"/>
+                <a:sym typeface="Open Sans Medium"/>
+              </a:rPr>
+              <a:t>part</a:t>
+            </a:r>
+            <a:r>
+              <a:rPr lang="es-ES" sz="2200" dirty="0">
+                <a:solidFill>
+                  <a:schemeClr val="dk1"/>
+                </a:solidFill>
+                <a:latin typeface="Open Sans Medium"/>
+                <a:ea typeface="Open Sans Medium"/>
+                <a:cs typeface="Open Sans Medium"/>
+                <a:sym typeface="Open Sans Medium"/>
+              </a:rPr>
+              <a:t> </a:t>
+            </a:r>
+            <a:r>
+              <a:rPr lang="es-ES" sz="2200" dirty="0" err="1">
+                <a:solidFill>
+                  <a:schemeClr val="dk1"/>
+                </a:solidFill>
+                <a:latin typeface="Open Sans Medium"/>
+                <a:ea typeface="Open Sans Medium"/>
+                <a:cs typeface="Open Sans Medium"/>
+                <a:sym typeface="Open Sans Medium"/>
+              </a:rPr>
+              <a:t>is</a:t>
+            </a:r>
+            <a:r>
+              <a:rPr lang="es-ES" sz="2200" dirty="0">
+                <a:solidFill>
+                  <a:schemeClr val="dk1"/>
+                </a:solidFill>
+                <a:latin typeface="Open Sans Medium"/>
+                <a:ea typeface="Open Sans Medium"/>
+                <a:cs typeface="Open Sans Medium"/>
+                <a:sym typeface="Open Sans Medium"/>
+              </a:rPr>
+              <a:t> a standard MILP </a:t>
+            </a:r>
+            <a:r>
+              <a:rPr lang="es-ES" sz="2200" dirty="0" err="1">
+                <a:solidFill>
+                  <a:schemeClr val="dk1"/>
+                </a:solidFill>
+                <a:latin typeface="Open Sans Medium"/>
+                <a:ea typeface="Open Sans Medium"/>
+                <a:cs typeface="Open Sans Medium"/>
+                <a:sym typeface="Open Sans Medium"/>
+              </a:rPr>
+              <a:t>routine</a:t>
+            </a:r>
+            <a:r>
+              <a:rPr lang="es-ES" sz="2200" dirty="0">
+                <a:solidFill>
+                  <a:schemeClr val="dk1"/>
+                </a:solidFill>
+                <a:latin typeface="Open Sans Medium"/>
+                <a:ea typeface="Open Sans Medium"/>
+                <a:cs typeface="Open Sans Medium"/>
+                <a:sym typeface="Open Sans Medium"/>
+              </a:rPr>
+              <a:t>.</a:t>
+            </a:r>
+          </a:p>
+          <a:p>
+            <a:pPr marL="342900" lvl="0" indent="-342900" algn="l" rtl="0">
+              <a:lnSpc>
+                <a:spcPct val="90000"/>
+              </a:lnSpc>
+              <a:spcBef>
+                <a:spcPts val="0"/>
+              </a:spcBef>
+              <a:spcAft>
+                <a:spcPts val="0"/>
+              </a:spcAft>
+              <a:buFont typeface="Arial" panose="020B0604020202020204" pitchFamily="34" charset="0"/>
+              <a:buChar char="•"/>
+            </a:pPr>
+            <a:endParaRPr lang="es-ES" sz="2200" dirty="0">
+              <a:solidFill>
+                <a:schemeClr val="dk1"/>
+              </a:solidFill>
+              <a:latin typeface="Open Sans Medium"/>
+              <a:ea typeface="Open Sans Medium"/>
+              <a:cs typeface="Open Sans Medium"/>
+              <a:sym typeface="Open Sans Medium"/>
+            </a:endParaRPr>
+          </a:p>
+          <a:p>
+            <a:pPr marL="342900" lvl="0" indent="-342900" algn="l" rtl="0">
+              <a:lnSpc>
+                <a:spcPct val="90000"/>
+              </a:lnSpc>
+              <a:spcBef>
+                <a:spcPts val="0"/>
+              </a:spcBef>
+              <a:spcAft>
+                <a:spcPts val="0"/>
+              </a:spcAft>
+              <a:buFont typeface="Arial" panose="020B0604020202020204" pitchFamily="34" charset="0"/>
+              <a:buChar char="•"/>
+            </a:pPr>
+            <a:r>
+              <a:rPr lang="es-ES" sz="2200" dirty="0" err="1">
+                <a:solidFill>
+                  <a:schemeClr val="dk1"/>
+                </a:solidFill>
+                <a:latin typeface="Open Sans Medium"/>
+                <a:ea typeface="Open Sans Medium"/>
+                <a:cs typeface="Open Sans Medium"/>
+                <a:sym typeface="Open Sans Medium"/>
+              </a:rPr>
+              <a:t>We</a:t>
+            </a:r>
+            <a:r>
+              <a:rPr lang="es-ES" sz="2200" dirty="0">
+                <a:solidFill>
+                  <a:schemeClr val="dk1"/>
+                </a:solidFill>
+                <a:latin typeface="Open Sans Medium"/>
+                <a:ea typeface="Open Sans Medium"/>
+                <a:cs typeface="Open Sans Medium"/>
+                <a:sym typeface="Open Sans Medium"/>
+              </a:rPr>
+              <a:t> </a:t>
+            </a:r>
+            <a:r>
+              <a:rPr lang="es-ES" sz="2200" dirty="0" err="1">
+                <a:solidFill>
+                  <a:schemeClr val="dk1"/>
+                </a:solidFill>
+                <a:latin typeface="Open Sans Medium"/>
+                <a:ea typeface="Open Sans Medium"/>
+                <a:cs typeface="Open Sans Medium"/>
+                <a:sym typeface="Open Sans Medium"/>
+              </a:rPr>
+              <a:t>apply</a:t>
+            </a:r>
+            <a:r>
+              <a:rPr lang="es-ES" sz="2200" dirty="0">
+                <a:solidFill>
+                  <a:schemeClr val="dk1"/>
+                </a:solidFill>
+                <a:latin typeface="Open Sans Medium"/>
+                <a:ea typeface="Open Sans Medium"/>
+                <a:cs typeface="Open Sans Medium"/>
+                <a:sym typeface="Open Sans Medium"/>
+              </a:rPr>
+              <a:t> </a:t>
+            </a:r>
+            <a:r>
+              <a:rPr lang="es-ES" sz="2200" dirty="0" err="1">
+                <a:solidFill>
+                  <a:schemeClr val="dk1"/>
+                </a:solidFill>
+                <a:latin typeface="Open Sans Medium"/>
+                <a:ea typeface="Open Sans Medium"/>
+                <a:cs typeface="Open Sans Medium"/>
+                <a:sym typeface="Open Sans Medium"/>
+              </a:rPr>
+              <a:t>the</a:t>
+            </a:r>
+            <a:r>
+              <a:rPr lang="es-ES" sz="2200" dirty="0">
+                <a:solidFill>
+                  <a:schemeClr val="dk1"/>
+                </a:solidFill>
+                <a:latin typeface="Open Sans Medium"/>
+                <a:ea typeface="Open Sans Medium"/>
+                <a:cs typeface="Open Sans Medium"/>
+                <a:sym typeface="Open Sans Medium"/>
+              </a:rPr>
+              <a:t> </a:t>
+            </a:r>
+            <a:r>
+              <a:rPr lang="es-ES" sz="2200" dirty="0" err="1">
+                <a:solidFill>
+                  <a:schemeClr val="dk1"/>
+                </a:solidFill>
+                <a:latin typeface="Open Sans Medium"/>
+                <a:ea typeface="Open Sans Medium"/>
+                <a:cs typeface="Open Sans Medium"/>
+                <a:sym typeface="Open Sans Medium"/>
+              </a:rPr>
+              <a:t>algorithm</a:t>
+            </a:r>
+            <a:r>
+              <a:rPr lang="es-ES" sz="2200" dirty="0">
+                <a:solidFill>
+                  <a:schemeClr val="dk1"/>
+                </a:solidFill>
+                <a:latin typeface="Open Sans Medium"/>
+                <a:ea typeface="Open Sans Medium"/>
+                <a:cs typeface="Open Sans Medium"/>
+                <a:sym typeface="Open Sans Medium"/>
+              </a:rPr>
+              <a:t> </a:t>
+            </a:r>
+            <a:r>
+              <a:rPr lang="es-ES" sz="2200" dirty="0" err="1">
+                <a:solidFill>
+                  <a:schemeClr val="dk1"/>
+                </a:solidFill>
+                <a:latin typeface="Open Sans Medium"/>
+                <a:ea typeface="Open Sans Medium"/>
+                <a:cs typeface="Open Sans Medium"/>
+                <a:sym typeface="Open Sans Medium"/>
+              </a:rPr>
+              <a:t>to</a:t>
+            </a:r>
+            <a:r>
+              <a:rPr lang="es-ES" sz="2200" dirty="0">
+                <a:solidFill>
+                  <a:schemeClr val="dk1"/>
+                </a:solidFill>
+                <a:latin typeface="Open Sans Medium"/>
+                <a:ea typeface="Open Sans Medium"/>
+                <a:cs typeface="Open Sans Medium"/>
+                <a:sym typeface="Open Sans Medium"/>
+              </a:rPr>
+              <a:t> </a:t>
+            </a:r>
+            <a:r>
+              <a:rPr lang="es-ES" sz="2200" dirty="0" err="1">
+                <a:solidFill>
+                  <a:schemeClr val="dk1"/>
+                </a:solidFill>
+                <a:effectLst>
+                  <a:outerShdw blurRad="38100" dist="38100" dir="2700000" algn="tl">
+                    <a:srgbClr val="000000">
+                      <a:alpha val="43137"/>
+                    </a:srgbClr>
+                  </a:outerShdw>
+                </a:effectLst>
+                <a:latin typeface="Open Sans Medium"/>
+                <a:ea typeface="Open Sans Medium"/>
+                <a:cs typeface="Open Sans Medium"/>
+                <a:sym typeface="Open Sans Medium"/>
+              </a:rPr>
+              <a:t>jointly</a:t>
+            </a:r>
+            <a:r>
+              <a:rPr lang="es-ES" sz="2200" dirty="0">
+                <a:solidFill>
+                  <a:schemeClr val="dk1"/>
+                </a:solidFill>
+                <a:effectLst>
+                  <a:outerShdw blurRad="38100" dist="38100" dir="2700000" algn="tl">
+                    <a:srgbClr val="000000">
+                      <a:alpha val="43137"/>
+                    </a:srgbClr>
+                  </a:outerShdw>
+                </a:effectLst>
+                <a:latin typeface="Open Sans Medium"/>
+                <a:ea typeface="Open Sans Medium"/>
+                <a:cs typeface="Open Sans Medium"/>
+                <a:sym typeface="Open Sans Medium"/>
+              </a:rPr>
+              <a:t> </a:t>
+            </a:r>
+            <a:r>
+              <a:rPr lang="es-ES" sz="2200" dirty="0" err="1">
+                <a:solidFill>
+                  <a:schemeClr val="dk1"/>
+                </a:solidFill>
+                <a:effectLst>
+                  <a:outerShdw blurRad="38100" dist="38100" dir="2700000" algn="tl">
+                    <a:srgbClr val="000000">
+                      <a:alpha val="43137"/>
+                    </a:srgbClr>
+                  </a:outerShdw>
+                </a:effectLst>
+                <a:latin typeface="Open Sans Medium"/>
+                <a:ea typeface="Open Sans Medium"/>
+                <a:cs typeface="Open Sans Medium"/>
+                <a:sym typeface="Open Sans Medium"/>
+              </a:rPr>
+              <a:t>optimize</a:t>
+            </a:r>
+            <a:r>
+              <a:rPr lang="es-ES" sz="2200" dirty="0">
+                <a:solidFill>
+                  <a:schemeClr val="dk1"/>
+                </a:solidFill>
+                <a:effectLst>
+                  <a:outerShdw blurRad="38100" dist="38100" dir="2700000" algn="tl">
+                    <a:srgbClr val="000000">
+                      <a:alpha val="43137"/>
+                    </a:srgbClr>
+                  </a:outerShdw>
+                </a:effectLst>
+                <a:latin typeface="Open Sans Medium"/>
+                <a:ea typeface="Open Sans Medium"/>
+                <a:cs typeface="Open Sans Medium"/>
+                <a:sym typeface="Open Sans Medium"/>
+              </a:rPr>
+              <a:t> a </a:t>
+            </a:r>
+            <a:r>
+              <a:rPr lang="es-ES" sz="2200" dirty="0" err="1">
+                <a:solidFill>
+                  <a:schemeClr val="dk1"/>
+                </a:solidFill>
+                <a:effectLst>
+                  <a:outerShdw blurRad="38100" dist="38100" dir="2700000" algn="tl">
+                    <a:srgbClr val="000000">
+                      <a:alpha val="43137"/>
+                    </a:srgbClr>
+                  </a:outerShdw>
+                </a:effectLst>
+                <a:latin typeface="Open Sans Medium"/>
+                <a:ea typeface="Open Sans Medium"/>
+                <a:cs typeface="Open Sans Medium"/>
+                <a:sym typeface="Open Sans Medium"/>
+              </a:rPr>
+              <a:t>battery</a:t>
+            </a:r>
+            <a:r>
+              <a:rPr lang="es-ES" sz="2200" dirty="0">
+                <a:solidFill>
+                  <a:schemeClr val="dk1"/>
+                </a:solidFill>
+                <a:effectLst>
+                  <a:outerShdw blurRad="38100" dist="38100" dir="2700000" algn="tl">
+                    <a:srgbClr val="000000">
+                      <a:alpha val="43137"/>
+                    </a:srgbClr>
+                  </a:outerShdw>
+                </a:effectLst>
+                <a:latin typeface="Open Sans Medium"/>
+                <a:ea typeface="Open Sans Medium"/>
+                <a:cs typeface="Open Sans Medium"/>
+                <a:sym typeface="Open Sans Medium"/>
+              </a:rPr>
+              <a:t> and a </a:t>
+            </a:r>
+            <a:r>
+              <a:rPr lang="es-ES" sz="2200" dirty="0" err="1">
+                <a:solidFill>
+                  <a:schemeClr val="dk1"/>
+                </a:solidFill>
+                <a:effectLst>
+                  <a:outerShdw blurRad="38100" dist="38100" dir="2700000" algn="tl">
+                    <a:srgbClr val="000000">
+                      <a:alpha val="43137"/>
+                    </a:srgbClr>
+                  </a:outerShdw>
+                </a:effectLst>
+                <a:latin typeface="Open Sans Medium"/>
+                <a:ea typeface="Open Sans Medium"/>
+                <a:cs typeface="Open Sans Medium"/>
+                <a:sym typeface="Open Sans Medium"/>
+              </a:rPr>
+              <a:t>wind</a:t>
+            </a:r>
+            <a:r>
+              <a:rPr lang="es-ES" sz="2200" dirty="0">
+                <a:solidFill>
+                  <a:schemeClr val="dk1"/>
+                </a:solidFill>
+                <a:effectLst>
+                  <a:outerShdw blurRad="38100" dist="38100" dir="2700000" algn="tl">
+                    <a:srgbClr val="000000">
+                      <a:alpha val="43137"/>
+                    </a:srgbClr>
+                  </a:outerShdw>
+                </a:effectLst>
+                <a:latin typeface="Open Sans Medium"/>
+                <a:ea typeface="Open Sans Medium"/>
+                <a:cs typeface="Open Sans Medium"/>
+                <a:sym typeface="Open Sans Medium"/>
+              </a:rPr>
+              <a:t> </a:t>
+            </a:r>
+            <a:r>
+              <a:rPr lang="es-ES" sz="2200" dirty="0" err="1">
+                <a:solidFill>
+                  <a:schemeClr val="dk1"/>
+                </a:solidFill>
+                <a:effectLst>
+                  <a:outerShdw blurRad="38100" dist="38100" dir="2700000" algn="tl">
+                    <a:srgbClr val="000000">
+                      <a:alpha val="43137"/>
+                    </a:srgbClr>
+                  </a:outerShdw>
+                </a:effectLst>
+                <a:latin typeface="Open Sans Medium"/>
+                <a:ea typeface="Open Sans Medium"/>
+                <a:cs typeface="Open Sans Medium"/>
+                <a:sym typeface="Open Sans Medium"/>
+              </a:rPr>
+              <a:t>farm</a:t>
+            </a:r>
+            <a:r>
+              <a:rPr lang="es-ES" sz="2200" dirty="0">
+                <a:solidFill>
+                  <a:schemeClr val="dk1"/>
+                </a:solidFill>
+                <a:latin typeface="Open Sans Medium"/>
+                <a:ea typeface="Open Sans Medium"/>
+                <a:cs typeface="Open Sans Medium"/>
+                <a:sym typeface="Open Sans Medium"/>
+              </a:rPr>
+              <a:t>, </a:t>
+            </a:r>
+            <a:r>
+              <a:rPr lang="es-ES" sz="2200" dirty="0" err="1">
+                <a:solidFill>
+                  <a:schemeClr val="dk1"/>
+                </a:solidFill>
+                <a:latin typeface="Open Sans Medium"/>
+                <a:ea typeface="Open Sans Medium"/>
+                <a:cs typeface="Open Sans Medium"/>
+                <a:sym typeface="Open Sans Medium"/>
+              </a:rPr>
+              <a:t>demonstrating</a:t>
+            </a:r>
+            <a:r>
+              <a:rPr lang="es-ES" sz="2200" dirty="0">
+                <a:solidFill>
+                  <a:schemeClr val="dk1"/>
+                </a:solidFill>
+                <a:latin typeface="Open Sans Medium"/>
+                <a:ea typeface="Open Sans Medium"/>
+                <a:cs typeface="Open Sans Medium"/>
+                <a:sym typeface="Open Sans Medium"/>
+              </a:rPr>
+              <a:t> </a:t>
+            </a:r>
+            <a:r>
+              <a:rPr lang="es-ES" sz="2200" dirty="0" err="1">
+                <a:solidFill>
+                  <a:schemeClr val="dk1"/>
+                </a:solidFill>
+                <a:latin typeface="Open Sans Medium"/>
+                <a:ea typeface="Open Sans Medium"/>
+                <a:cs typeface="Open Sans Medium"/>
+                <a:sym typeface="Open Sans Medium"/>
+              </a:rPr>
+              <a:t>its</a:t>
+            </a:r>
+            <a:r>
+              <a:rPr lang="es-ES" sz="2200" dirty="0">
+                <a:solidFill>
+                  <a:schemeClr val="dk1"/>
+                </a:solidFill>
+                <a:latin typeface="Open Sans Medium"/>
+                <a:ea typeface="Open Sans Medium"/>
+                <a:cs typeface="Open Sans Medium"/>
+                <a:sym typeface="Open Sans Medium"/>
+              </a:rPr>
+              <a:t> </a:t>
+            </a:r>
+            <a:r>
+              <a:rPr lang="es-ES" sz="2200" dirty="0" err="1">
+                <a:solidFill>
+                  <a:schemeClr val="dk1"/>
+                </a:solidFill>
+                <a:effectLst>
+                  <a:outerShdw blurRad="38100" dist="38100" dir="2700000" algn="tl">
+                    <a:srgbClr val="000000">
+                      <a:alpha val="43137"/>
+                    </a:srgbClr>
+                  </a:outerShdw>
+                </a:effectLst>
+                <a:latin typeface="Open Sans Medium"/>
+                <a:ea typeface="Open Sans Medium"/>
+                <a:cs typeface="Open Sans Medium"/>
+                <a:sym typeface="Open Sans Medium"/>
+              </a:rPr>
+              <a:t>advantage</a:t>
+            </a:r>
+            <a:r>
+              <a:rPr lang="es-ES" sz="2200" dirty="0">
+                <a:solidFill>
+                  <a:schemeClr val="dk1"/>
+                </a:solidFill>
+                <a:latin typeface="Open Sans Medium"/>
+                <a:ea typeface="Open Sans Medium"/>
+                <a:cs typeface="Open Sans Medium"/>
+                <a:sym typeface="Open Sans Medium"/>
+              </a:rPr>
+              <a:t> </a:t>
+            </a:r>
+            <a:r>
+              <a:rPr lang="es-ES" sz="2200" dirty="0" err="1">
+                <a:solidFill>
+                  <a:schemeClr val="dk1"/>
+                </a:solidFill>
+                <a:effectLst>
+                  <a:outerShdw blurRad="38100" dist="38100" dir="2700000" algn="tl">
+                    <a:srgbClr val="000000">
+                      <a:alpha val="43137"/>
+                    </a:srgbClr>
+                  </a:outerShdw>
+                </a:effectLst>
+                <a:latin typeface="Open Sans Medium"/>
+                <a:ea typeface="Open Sans Medium"/>
+                <a:cs typeface="Open Sans Medium"/>
+                <a:sym typeface="Open Sans Medium"/>
+              </a:rPr>
+              <a:t>when</a:t>
+            </a:r>
+            <a:r>
+              <a:rPr lang="es-ES" sz="2200" dirty="0">
+                <a:solidFill>
+                  <a:schemeClr val="dk1"/>
+                </a:solidFill>
+                <a:effectLst>
+                  <a:outerShdw blurRad="38100" dist="38100" dir="2700000" algn="tl">
+                    <a:srgbClr val="000000">
+                      <a:alpha val="43137"/>
+                    </a:srgbClr>
+                  </a:outerShdw>
+                </a:effectLst>
+                <a:latin typeface="Open Sans Medium"/>
+                <a:ea typeface="Open Sans Medium"/>
+                <a:cs typeface="Open Sans Medium"/>
+                <a:sym typeface="Open Sans Medium"/>
+              </a:rPr>
+              <a:t> </a:t>
+            </a:r>
+            <a:r>
+              <a:rPr lang="es-ES" sz="2200" dirty="0" err="1">
+                <a:solidFill>
+                  <a:schemeClr val="dk1"/>
+                </a:solidFill>
+                <a:effectLst>
+                  <a:outerShdw blurRad="38100" dist="38100" dir="2700000" algn="tl">
+                    <a:srgbClr val="000000">
+                      <a:alpha val="43137"/>
+                    </a:srgbClr>
+                  </a:outerShdw>
+                </a:effectLst>
+                <a:latin typeface="Open Sans Medium"/>
+                <a:ea typeface="Open Sans Medium"/>
+                <a:cs typeface="Open Sans Medium"/>
+                <a:sym typeface="Open Sans Medium"/>
+              </a:rPr>
+              <a:t>the</a:t>
+            </a:r>
+            <a:r>
+              <a:rPr lang="es-ES" sz="2200" dirty="0">
+                <a:solidFill>
+                  <a:schemeClr val="dk1"/>
+                </a:solidFill>
+                <a:effectLst>
+                  <a:outerShdw blurRad="38100" dist="38100" dir="2700000" algn="tl">
+                    <a:srgbClr val="000000">
+                      <a:alpha val="43137"/>
+                    </a:srgbClr>
+                  </a:outerShdw>
+                </a:effectLst>
+                <a:latin typeface="Open Sans Medium"/>
+                <a:ea typeface="Open Sans Medium"/>
+                <a:cs typeface="Open Sans Medium"/>
+                <a:sym typeface="Open Sans Medium"/>
+              </a:rPr>
+              <a:t> </a:t>
+            </a:r>
+            <a:r>
+              <a:rPr lang="es-ES" sz="2200" dirty="0" err="1">
+                <a:solidFill>
+                  <a:schemeClr val="dk1"/>
+                </a:solidFill>
+                <a:effectLst>
+                  <a:outerShdw blurRad="38100" dist="38100" dir="2700000" algn="tl">
+                    <a:srgbClr val="000000">
+                      <a:alpha val="43137"/>
+                    </a:srgbClr>
+                  </a:outerShdw>
+                </a:effectLst>
+                <a:latin typeface="Open Sans Medium"/>
+                <a:ea typeface="Open Sans Medium"/>
+                <a:cs typeface="Open Sans Medium"/>
+                <a:sym typeface="Open Sans Medium"/>
+              </a:rPr>
+              <a:t>systems</a:t>
+            </a:r>
+            <a:r>
+              <a:rPr lang="es-ES" sz="2200" dirty="0">
+                <a:solidFill>
+                  <a:schemeClr val="dk1"/>
+                </a:solidFill>
+                <a:effectLst>
+                  <a:outerShdw blurRad="38100" dist="38100" dir="2700000" algn="tl">
+                    <a:srgbClr val="000000">
+                      <a:alpha val="43137"/>
+                    </a:srgbClr>
+                  </a:outerShdw>
+                </a:effectLst>
+                <a:latin typeface="Open Sans Medium"/>
+                <a:ea typeface="Open Sans Medium"/>
+                <a:cs typeface="Open Sans Medium"/>
+                <a:sym typeface="Open Sans Medium"/>
+              </a:rPr>
+              <a:t> are </a:t>
+            </a:r>
+            <a:r>
+              <a:rPr lang="es-ES" sz="2200" dirty="0" err="1">
+                <a:solidFill>
+                  <a:schemeClr val="dk1"/>
+                </a:solidFill>
+                <a:effectLst>
+                  <a:outerShdw blurRad="38100" dist="38100" dir="2700000" algn="tl">
+                    <a:srgbClr val="000000">
+                      <a:alpha val="43137"/>
+                    </a:srgbClr>
+                  </a:outerShdw>
+                </a:effectLst>
+                <a:latin typeface="Open Sans Medium"/>
+                <a:ea typeface="Open Sans Medium"/>
+                <a:cs typeface="Open Sans Medium"/>
+                <a:sym typeface="Open Sans Medium"/>
+              </a:rPr>
+              <a:t>both</a:t>
+            </a:r>
+            <a:r>
+              <a:rPr lang="es-ES" sz="2200" dirty="0">
+                <a:solidFill>
+                  <a:schemeClr val="dk1"/>
+                </a:solidFill>
+                <a:effectLst>
+                  <a:outerShdw blurRad="38100" dist="38100" dir="2700000" algn="tl">
+                    <a:srgbClr val="000000">
+                      <a:alpha val="43137"/>
+                    </a:srgbClr>
+                  </a:outerShdw>
+                </a:effectLst>
+                <a:latin typeface="Open Sans Medium"/>
+                <a:ea typeface="Open Sans Medium"/>
+                <a:cs typeface="Open Sans Medium"/>
+                <a:sym typeface="Open Sans Medium"/>
+              </a:rPr>
+              <a:t> </a:t>
+            </a:r>
+            <a:r>
+              <a:rPr lang="es-ES" sz="2200" dirty="0" err="1">
+                <a:solidFill>
+                  <a:schemeClr val="dk1"/>
+                </a:solidFill>
+                <a:effectLst>
+                  <a:outerShdw blurRad="38100" dist="38100" dir="2700000" algn="tl">
+                    <a:srgbClr val="000000">
+                      <a:alpha val="43137"/>
+                    </a:srgbClr>
+                  </a:outerShdw>
+                </a:effectLst>
+                <a:latin typeface="Open Sans Medium"/>
+                <a:ea typeface="Open Sans Medium"/>
+                <a:cs typeface="Open Sans Medium"/>
+                <a:sym typeface="Open Sans Medium"/>
+              </a:rPr>
+              <a:t>coupled</a:t>
+            </a:r>
+            <a:r>
+              <a:rPr lang="es-ES" sz="2200" dirty="0">
+                <a:solidFill>
+                  <a:schemeClr val="dk1"/>
+                </a:solidFill>
+                <a:effectLst>
+                  <a:outerShdw blurRad="38100" dist="38100" dir="2700000" algn="tl">
+                    <a:srgbClr val="000000">
+                      <a:alpha val="43137"/>
+                    </a:srgbClr>
+                  </a:outerShdw>
+                </a:effectLst>
+                <a:latin typeface="Open Sans Medium"/>
+                <a:ea typeface="Open Sans Medium"/>
+                <a:cs typeface="Open Sans Medium"/>
+                <a:sym typeface="Open Sans Medium"/>
+              </a:rPr>
+              <a:t> and </a:t>
+            </a:r>
+            <a:r>
+              <a:rPr lang="es-ES" sz="2200" dirty="0" err="1">
+                <a:solidFill>
+                  <a:schemeClr val="dk1"/>
+                </a:solidFill>
+                <a:effectLst>
+                  <a:outerShdw blurRad="38100" dist="38100" dir="2700000" algn="tl">
+                    <a:srgbClr val="000000">
+                      <a:alpha val="43137"/>
+                    </a:srgbClr>
+                  </a:outerShdw>
+                </a:effectLst>
+                <a:latin typeface="Open Sans Medium"/>
+                <a:ea typeface="Open Sans Medium"/>
+                <a:cs typeface="Open Sans Medium"/>
+                <a:sym typeface="Open Sans Medium"/>
+              </a:rPr>
+              <a:t>uncoupled</a:t>
+            </a:r>
+            <a:r>
+              <a:rPr lang="es-ES" sz="2200" dirty="0">
+                <a:solidFill>
+                  <a:schemeClr val="dk1"/>
+                </a:solidFill>
+                <a:latin typeface="Open Sans Medium"/>
+                <a:ea typeface="Open Sans Medium"/>
+                <a:cs typeface="Open Sans Medium"/>
+                <a:sym typeface="Open Sans Medium"/>
+              </a:rPr>
+              <a:t>.</a:t>
+            </a:r>
+          </a:p>
+          <a:p>
+            <a:pPr marL="342900" lvl="0" indent="-342900" algn="l" rtl="0">
+              <a:lnSpc>
+                <a:spcPct val="90000"/>
+              </a:lnSpc>
+              <a:spcBef>
+                <a:spcPts val="0"/>
+              </a:spcBef>
+              <a:spcAft>
+                <a:spcPts val="0"/>
+              </a:spcAft>
+              <a:buFont typeface="Arial" panose="020B0604020202020204" pitchFamily="34" charset="0"/>
+              <a:buChar char="•"/>
+            </a:pPr>
+            <a:endParaRPr lang="es-ES" sz="2200" dirty="0">
+              <a:solidFill>
+                <a:schemeClr val="dk1"/>
+              </a:solidFill>
+              <a:latin typeface="Open Sans Medium"/>
+              <a:ea typeface="Open Sans Medium"/>
+              <a:cs typeface="Open Sans Medium"/>
+              <a:sym typeface="Open Sans Medium"/>
+            </a:endParaRPr>
+          </a:p>
+          <a:p>
+            <a:pPr marL="342900" lvl="0" indent="-342900" algn="l" rtl="0">
+              <a:lnSpc>
+                <a:spcPct val="90000"/>
+              </a:lnSpc>
+              <a:spcBef>
+                <a:spcPts val="0"/>
+              </a:spcBef>
+              <a:spcAft>
+                <a:spcPts val="0"/>
+              </a:spcAft>
+              <a:buFont typeface="Arial" panose="020B0604020202020204" pitchFamily="34" charset="0"/>
+              <a:buChar char="•"/>
+            </a:pPr>
+            <a:r>
+              <a:rPr lang="es-ES" sz="2200" dirty="0">
+                <a:solidFill>
+                  <a:schemeClr val="dk1"/>
+                </a:solidFill>
+                <a:latin typeface="Open Sans Medium"/>
+                <a:ea typeface="Open Sans Medium"/>
+                <a:cs typeface="Open Sans Medium"/>
+                <a:sym typeface="Open Sans Medium"/>
+              </a:rPr>
+              <a:t>QAOA </a:t>
+            </a:r>
+            <a:r>
+              <a:rPr lang="es-ES" sz="2200" dirty="0" err="1">
+                <a:solidFill>
+                  <a:schemeClr val="dk1"/>
+                </a:solidFill>
+                <a:latin typeface="Open Sans Medium"/>
+                <a:ea typeface="Open Sans Medium"/>
+                <a:cs typeface="Open Sans Medium"/>
+                <a:sym typeface="Open Sans Medium"/>
+              </a:rPr>
+              <a:t>is</a:t>
+            </a:r>
+            <a:r>
+              <a:rPr lang="es-ES" sz="2200" dirty="0">
+                <a:solidFill>
+                  <a:schemeClr val="dk1"/>
+                </a:solidFill>
+                <a:latin typeface="Open Sans Medium"/>
+                <a:ea typeface="Open Sans Medium"/>
+                <a:cs typeface="Open Sans Medium"/>
+                <a:sym typeface="Open Sans Medium"/>
+              </a:rPr>
+              <a:t> </a:t>
+            </a:r>
+            <a:r>
+              <a:rPr lang="es-ES" sz="2200" dirty="0" err="1">
+                <a:solidFill>
+                  <a:schemeClr val="dk1"/>
+                </a:solidFill>
+                <a:latin typeface="Open Sans Medium"/>
+                <a:ea typeface="Open Sans Medium"/>
+                <a:cs typeface="Open Sans Medium"/>
+                <a:sym typeface="Open Sans Medium"/>
+              </a:rPr>
+              <a:t>expected</a:t>
+            </a:r>
+            <a:r>
+              <a:rPr lang="es-ES" sz="2200" dirty="0">
+                <a:solidFill>
+                  <a:schemeClr val="dk1"/>
+                </a:solidFill>
+                <a:latin typeface="Open Sans Medium"/>
+                <a:ea typeface="Open Sans Medium"/>
+                <a:cs typeface="Open Sans Medium"/>
+                <a:sym typeface="Open Sans Medium"/>
+              </a:rPr>
+              <a:t> </a:t>
+            </a:r>
+            <a:r>
+              <a:rPr lang="es-ES" sz="2200" dirty="0" err="1">
+                <a:solidFill>
+                  <a:schemeClr val="dk1"/>
+                </a:solidFill>
+                <a:latin typeface="Open Sans Medium"/>
+                <a:ea typeface="Open Sans Medium"/>
+                <a:cs typeface="Open Sans Medium"/>
+                <a:sym typeface="Open Sans Medium"/>
+              </a:rPr>
+              <a:t>to</a:t>
+            </a:r>
+            <a:r>
+              <a:rPr lang="es-ES" sz="2200" dirty="0">
+                <a:solidFill>
+                  <a:schemeClr val="dk1"/>
+                </a:solidFill>
+                <a:latin typeface="Open Sans Medium"/>
+                <a:ea typeface="Open Sans Medium"/>
+                <a:cs typeface="Open Sans Medium"/>
+                <a:sym typeface="Open Sans Medium"/>
+              </a:rPr>
+              <a:t> </a:t>
+            </a:r>
+            <a:r>
+              <a:rPr lang="es-ES" sz="2200" dirty="0" err="1">
+                <a:solidFill>
+                  <a:schemeClr val="dk1"/>
+                </a:solidFill>
+                <a:latin typeface="Open Sans Medium"/>
+                <a:ea typeface="Open Sans Medium"/>
+                <a:cs typeface="Open Sans Medium"/>
+                <a:sym typeface="Open Sans Medium"/>
+              </a:rPr>
+              <a:t>give</a:t>
+            </a:r>
+            <a:r>
+              <a:rPr lang="es-ES" sz="2200" dirty="0">
+                <a:solidFill>
+                  <a:schemeClr val="dk1"/>
+                </a:solidFill>
+                <a:latin typeface="Open Sans Medium"/>
+                <a:ea typeface="Open Sans Medium"/>
+                <a:cs typeface="Open Sans Medium"/>
+                <a:sym typeface="Open Sans Medium"/>
+              </a:rPr>
+              <a:t> </a:t>
+            </a:r>
+            <a:r>
+              <a:rPr lang="es-ES" sz="2200" dirty="0" err="1">
+                <a:solidFill>
+                  <a:schemeClr val="dk1"/>
+                </a:solidFill>
+                <a:latin typeface="Open Sans Medium"/>
+                <a:ea typeface="Open Sans Medium"/>
+                <a:cs typeface="Open Sans Medium"/>
+                <a:sym typeface="Open Sans Medium"/>
+              </a:rPr>
+              <a:t>superpolynomial</a:t>
+            </a:r>
+            <a:r>
+              <a:rPr lang="es-ES" sz="2200" dirty="0">
+                <a:solidFill>
+                  <a:schemeClr val="dk1"/>
+                </a:solidFill>
+                <a:latin typeface="Open Sans Medium"/>
+                <a:ea typeface="Open Sans Medium"/>
+                <a:cs typeface="Open Sans Medium"/>
+                <a:sym typeface="Open Sans Medium"/>
+              </a:rPr>
+              <a:t> </a:t>
+            </a:r>
+            <a:r>
+              <a:rPr lang="es-ES" sz="2200" dirty="0" err="1">
+                <a:solidFill>
+                  <a:schemeClr val="dk1"/>
+                </a:solidFill>
+                <a:latin typeface="Open Sans Medium"/>
+                <a:ea typeface="Open Sans Medium"/>
+                <a:cs typeface="Open Sans Medium"/>
+                <a:sym typeface="Open Sans Medium"/>
+              </a:rPr>
+              <a:t>advantage</a:t>
+            </a:r>
+            <a:r>
+              <a:rPr lang="es-ES" sz="2200" dirty="0">
+                <a:solidFill>
+                  <a:schemeClr val="dk1"/>
+                </a:solidFill>
+                <a:latin typeface="Open Sans Medium"/>
+                <a:ea typeface="Open Sans Medium"/>
+                <a:cs typeface="Open Sans Medium"/>
+                <a:sym typeface="Open Sans Medium"/>
+              </a:rPr>
+              <a:t> in </a:t>
+            </a:r>
+            <a:r>
+              <a:rPr lang="es-ES" sz="2200" dirty="0" err="1">
+                <a:solidFill>
+                  <a:schemeClr val="dk1"/>
+                </a:solidFill>
+                <a:latin typeface="Open Sans Medium"/>
+                <a:ea typeface="Open Sans Medium"/>
+                <a:cs typeface="Open Sans Medium"/>
+                <a:sym typeface="Open Sans Medium"/>
+              </a:rPr>
+              <a:t>optimization</a:t>
+            </a:r>
+            <a:r>
+              <a:rPr lang="es-ES" sz="2200" dirty="0">
+                <a:solidFill>
+                  <a:schemeClr val="dk1"/>
+                </a:solidFill>
+                <a:latin typeface="Open Sans Medium"/>
+                <a:ea typeface="Open Sans Medium"/>
+                <a:cs typeface="Open Sans Medium"/>
+                <a:sym typeface="Open Sans Medium"/>
+              </a:rPr>
+              <a:t> </a:t>
+            </a:r>
+            <a:r>
+              <a:rPr lang="es-ES" sz="2200" dirty="0" err="1">
+                <a:solidFill>
+                  <a:schemeClr val="dk1"/>
+                </a:solidFill>
+                <a:latin typeface="Open Sans Medium"/>
+                <a:ea typeface="Open Sans Medium"/>
+                <a:cs typeface="Open Sans Medium"/>
+                <a:sym typeface="Open Sans Medium"/>
+              </a:rPr>
+              <a:t>problems</a:t>
+            </a:r>
+            <a:r>
+              <a:rPr lang="es-ES" sz="2200" dirty="0">
+                <a:solidFill>
+                  <a:schemeClr val="dk1"/>
+                </a:solidFill>
+                <a:latin typeface="Open Sans Medium"/>
+                <a:ea typeface="Open Sans Medium"/>
+                <a:cs typeface="Open Sans Medium"/>
+                <a:sym typeface="Open Sans Medium"/>
+              </a:rPr>
+              <a:t> [S. </a:t>
+            </a:r>
+            <a:r>
+              <a:rPr lang="es-ES" sz="2200" dirty="0" err="1">
+                <a:solidFill>
+                  <a:schemeClr val="dk1"/>
+                </a:solidFill>
+                <a:latin typeface="Open Sans Medium"/>
+                <a:ea typeface="Open Sans Medium"/>
+                <a:cs typeface="Open Sans Medium"/>
+                <a:sym typeface="Open Sans Medium"/>
+              </a:rPr>
+              <a:t>Boulebnane</a:t>
+            </a:r>
+            <a:r>
+              <a:rPr lang="es-ES" sz="2200" dirty="0">
+                <a:solidFill>
+                  <a:schemeClr val="dk1"/>
+                </a:solidFill>
+                <a:latin typeface="Open Sans Medium"/>
+                <a:ea typeface="Open Sans Medium"/>
+                <a:cs typeface="Open Sans Medium"/>
+                <a:sym typeface="Open Sans Medium"/>
+              </a:rPr>
+              <a:t> and A. Montanaro, PRX Quantum </a:t>
+            </a:r>
+            <a:r>
+              <a:rPr lang="es-ES" sz="2200" b="1" dirty="0">
+                <a:solidFill>
+                  <a:schemeClr val="dk1"/>
+                </a:solidFill>
+                <a:latin typeface="Open Sans Medium"/>
+                <a:ea typeface="Open Sans Medium"/>
+                <a:cs typeface="Open Sans Medium"/>
+                <a:sym typeface="Open Sans Medium"/>
+              </a:rPr>
+              <a:t>5</a:t>
+            </a:r>
+            <a:r>
+              <a:rPr lang="es-ES" sz="2200" dirty="0">
+                <a:solidFill>
+                  <a:schemeClr val="dk1"/>
+                </a:solidFill>
+                <a:latin typeface="Open Sans Medium"/>
+                <a:ea typeface="Open Sans Medium"/>
+                <a:cs typeface="Open Sans Medium"/>
+                <a:sym typeface="Open Sans Medium"/>
+              </a:rPr>
+              <a:t>, 030348 (2024)]. </a:t>
+            </a:r>
+            <a:r>
+              <a:rPr lang="es-ES" sz="2200" dirty="0" err="1">
+                <a:solidFill>
+                  <a:schemeClr val="dk1"/>
+                </a:solidFill>
+                <a:latin typeface="Open Sans Medium"/>
+                <a:ea typeface="Open Sans Medium"/>
+                <a:cs typeface="Open Sans Medium"/>
+                <a:sym typeface="Open Sans Medium"/>
+              </a:rPr>
+              <a:t>This</a:t>
+            </a:r>
+            <a:r>
+              <a:rPr lang="es-ES" sz="2200" dirty="0">
+                <a:solidFill>
+                  <a:schemeClr val="dk1"/>
+                </a:solidFill>
+                <a:latin typeface="Open Sans Medium"/>
+                <a:ea typeface="Open Sans Medium"/>
+                <a:cs typeface="Open Sans Medium"/>
+                <a:sym typeface="Open Sans Medium"/>
+              </a:rPr>
+              <a:t> </a:t>
+            </a:r>
+            <a:r>
+              <a:rPr lang="es-ES" sz="2200" dirty="0" err="1">
+                <a:solidFill>
+                  <a:schemeClr val="dk1"/>
+                </a:solidFill>
+                <a:latin typeface="Open Sans Medium"/>
+                <a:ea typeface="Open Sans Medium"/>
+                <a:cs typeface="Open Sans Medium"/>
+                <a:sym typeface="Open Sans Medium"/>
+              </a:rPr>
+              <a:t>makes</a:t>
+            </a:r>
+            <a:r>
+              <a:rPr lang="es-ES" sz="2200" dirty="0">
+                <a:solidFill>
+                  <a:schemeClr val="dk1"/>
+                </a:solidFill>
+                <a:latin typeface="Open Sans Medium"/>
+                <a:ea typeface="Open Sans Medium"/>
+                <a:cs typeface="Open Sans Medium"/>
+                <a:sym typeface="Open Sans Medium"/>
+              </a:rPr>
+              <a:t> </a:t>
+            </a:r>
+            <a:r>
+              <a:rPr lang="es-ES" sz="2200" dirty="0" err="1">
+                <a:solidFill>
+                  <a:schemeClr val="dk1"/>
+                </a:solidFill>
+                <a:latin typeface="Open Sans Medium"/>
+                <a:ea typeface="Open Sans Medium"/>
+                <a:cs typeface="Open Sans Medium"/>
+                <a:sym typeface="Open Sans Medium"/>
+              </a:rPr>
+              <a:t>the</a:t>
+            </a:r>
+            <a:r>
+              <a:rPr lang="es-ES" sz="2200" dirty="0">
+                <a:solidFill>
+                  <a:schemeClr val="dk1"/>
+                </a:solidFill>
+                <a:latin typeface="Open Sans Medium"/>
+                <a:ea typeface="Open Sans Medium"/>
+                <a:cs typeface="Open Sans Medium"/>
+                <a:sym typeface="Open Sans Medium"/>
+              </a:rPr>
+              <a:t> </a:t>
+            </a:r>
+            <a:r>
+              <a:rPr lang="es-ES" sz="2200" dirty="0" err="1">
+                <a:solidFill>
+                  <a:schemeClr val="dk1"/>
+                </a:solidFill>
+                <a:latin typeface="Open Sans Medium"/>
+                <a:ea typeface="Open Sans Medium"/>
+                <a:cs typeface="Open Sans Medium"/>
+                <a:sym typeface="Open Sans Medium"/>
+              </a:rPr>
+              <a:t>approach</a:t>
+            </a:r>
+            <a:r>
+              <a:rPr lang="es-ES" sz="2200" dirty="0">
+                <a:solidFill>
+                  <a:schemeClr val="dk1"/>
+                </a:solidFill>
+                <a:latin typeface="Open Sans Medium"/>
+                <a:ea typeface="Open Sans Medium"/>
+                <a:cs typeface="Open Sans Medium"/>
+                <a:sym typeface="Open Sans Medium"/>
+              </a:rPr>
+              <a:t> </a:t>
+            </a:r>
+            <a:r>
+              <a:rPr lang="es-ES" sz="2200" dirty="0" err="1">
+                <a:solidFill>
+                  <a:schemeClr val="dk1"/>
+                </a:solidFill>
+                <a:latin typeface="Open Sans Medium"/>
+                <a:ea typeface="Open Sans Medium"/>
+                <a:cs typeface="Open Sans Medium"/>
+                <a:sym typeface="Open Sans Medium"/>
+              </a:rPr>
+              <a:t>promising</a:t>
+            </a:r>
+            <a:r>
+              <a:rPr lang="es-ES" sz="2200" dirty="0">
+                <a:solidFill>
+                  <a:schemeClr val="dk1"/>
+                </a:solidFill>
+                <a:latin typeface="Open Sans Medium"/>
+                <a:ea typeface="Open Sans Medium"/>
+                <a:cs typeface="Open Sans Medium"/>
+                <a:sym typeface="Open Sans Medium"/>
+              </a:rPr>
+              <a:t> </a:t>
+            </a:r>
+            <a:r>
+              <a:rPr lang="es-ES" sz="2200" dirty="0" err="1">
+                <a:solidFill>
+                  <a:schemeClr val="dk1"/>
+                </a:solidFill>
+                <a:latin typeface="Open Sans Medium"/>
+                <a:ea typeface="Open Sans Medium"/>
+                <a:cs typeface="Open Sans Medium"/>
+                <a:sym typeface="Open Sans Medium"/>
+              </a:rPr>
+              <a:t>when</a:t>
+            </a:r>
+            <a:r>
+              <a:rPr lang="es-ES" sz="2200" dirty="0">
+                <a:solidFill>
+                  <a:schemeClr val="dk1"/>
+                </a:solidFill>
+                <a:latin typeface="Open Sans Medium"/>
+                <a:ea typeface="Open Sans Medium"/>
+                <a:cs typeface="Open Sans Medium"/>
+                <a:sym typeface="Open Sans Medium"/>
+              </a:rPr>
+              <a:t> </a:t>
+            </a:r>
+            <a:r>
+              <a:rPr lang="es-ES" sz="2200" dirty="0" err="1">
+                <a:solidFill>
+                  <a:schemeClr val="dk1"/>
+                </a:solidFill>
+                <a:latin typeface="Open Sans Medium"/>
+                <a:ea typeface="Open Sans Medium"/>
+                <a:cs typeface="Open Sans Medium"/>
+                <a:sym typeface="Open Sans Medium"/>
+              </a:rPr>
+              <a:t>scaling</a:t>
+            </a:r>
+            <a:r>
+              <a:rPr lang="es-ES" sz="2200" dirty="0">
+                <a:solidFill>
+                  <a:schemeClr val="dk1"/>
+                </a:solidFill>
+                <a:latin typeface="Open Sans Medium"/>
+                <a:ea typeface="Open Sans Medium"/>
+                <a:cs typeface="Open Sans Medium"/>
+                <a:sym typeface="Open Sans Medium"/>
+              </a:rPr>
+              <a:t> </a:t>
+            </a:r>
+            <a:r>
+              <a:rPr lang="es-ES" sz="2200" dirty="0" err="1">
+                <a:solidFill>
+                  <a:schemeClr val="dk1"/>
+                </a:solidFill>
+                <a:latin typeface="Open Sans Medium"/>
+                <a:ea typeface="Open Sans Medium"/>
+                <a:cs typeface="Open Sans Medium"/>
+                <a:sym typeface="Open Sans Medium"/>
+              </a:rPr>
+              <a:t>to</a:t>
+            </a:r>
+            <a:r>
+              <a:rPr lang="es-ES" sz="2200" dirty="0">
+                <a:solidFill>
+                  <a:schemeClr val="dk1"/>
+                </a:solidFill>
+                <a:latin typeface="Open Sans Medium"/>
+                <a:ea typeface="Open Sans Medium"/>
+                <a:cs typeface="Open Sans Medium"/>
+                <a:sym typeface="Open Sans Medium"/>
+              </a:rPr>
+              <a:t> </a:t>
+            </a:r>
+            <a:r>
+              <a:rPr lang="es-ES" sz="2200" dirty="0" err="1">
+                <a:solidFill>
+                  <a:schemeClr val="dk1"/>
+                </a:solidFill>
+                <a:latin typeface="Open Sans Medium"/>
+                <a:ea typeface="Open Sans Medium"/>
+                <a:cs typeface="Open Sans Medium"/>
+                <a:sym typeface="Open Sans Medium"/>
+              </a:rPr>
+              <a:t>bigger</a:t>
+            </a:r>
+            <a:r>
+              <a:rPr lang="es-ES" sz="2200" dirty="0">
+                <a:solidFill>
+                  <a:schemeClr val="dk1"/>
+                </a:solidFill>
+                <a:latin typeface="Open Sans Medium"/>
+                <a:ea typeface="Open Sans Medium"/>
+                <a:cs typeface="Open Sans Medium"/>
+                <a:sym typeface="Open Sans Medium"/>
+              </a:rPr>
+              <a:t> </a:t>
+            </a:r>
+            <a:r>
+              <a:rPr lang="es-ES" sz="2200" dirty="0" err="1">
+                <a:solidFill>
+                  <a:schemeClr val="dk1"/>
+                </a:solidFill>
+                <a:latin typeface="Open Sans Medium"/>
+                <a:ea typeface="Open Sans Medium"/>
+                <a:cs typeface="Open Sans Medium"/>
+                <a:sym typeface="Open Sans Medium"/>
+              </a:rPr>
+              <a:t>systems</a:t>
+            </a:r>
+            <a:r>
+              <a:rPr lang="es-ES" sz="2200" dirty="0">
+                <a:solidFill>
+                  <a:schemeClr val="dk1"/>
+                </a:solidFill>
+                <a:latin typeface="Open Sans Medium"/>
+                <a:ea typeface="Open Sans Medium"/>
+                <a:cs typeface="Open Sans Medium"/>
+                <a:sym typeface="Open Sans Medium"/>
+              </a:rPr>
+              <a:t>.</a:t>
+            </a:r>
+          </a:p>
+          <a:p>
+            <a:pPr marL="342900" lvl="0" indent="-342900" algn="l" rtl="0">
+              <a:lnSpc>
+                <a:spcPct val="90000"/>
+              </a:lnSpc>
+              <a:spcBef>
+                <a:spcPts val="0"/>
+              </a:spcBef>
+              <a:spcAft>
+                <a:spcPts val="0"/>
+              </a:spcAft>
+              <a:buFont typeface="Arial" panose="020B0604020202020204" pitchFamily="34" charset="0"/>
+              <a:buChar char="•"/>
+            </a:pPr>
+            <a:endParaRPr lang="es-ES" sz="2200" dirty="0">
+              <a:solidFill>
+                <a:schemeClr val="dk1"/>
+              </a:solidFill>
+              <a:latin typeface="Open Sans Medium"/>
+              <a:ea typeface="Open Sans Medium"/>
+              <a:cs typeface="Open Sans Medium"/>
+              <a:sym typeface="Open Sans Medium"/>
+            </a:endParaRPr>
+          </a:p>
+          <a:p>
+            <a:pPr marL="342900" lvl="0" indent="-342900" algn="l" rtl="0">
+              <a:lnSpc>
+                <a:spcPct val="90000"/>
+              </a:lnSpc>
+              <a:spcBef>
+                <a:spcPts val="0"/>
+              </a:spcBef>
+              <a:spcAft>
+                <a:spcPts val="0"/>
+              </a:spcAft>
+              <a:buFont typeface="Arial" panose="020B0604020202020204" pitchFamily="34" charset="0"/>
+              <a:buChar char="•"/>
+            </a:pPr>
+            <a:r>
+              <a:rPr lang="es-ES" sz="2200" dirty="0">
+                <a:solidFill>
+                  <a:schemeClr val="dk1"/>
+                </a:solidFill>
+                <a:latin typeface="Open Sans Medium"/>
+                <a:ea typeface="Open Sans Medium"/>
+                <a:cs typeface="Open Sans Medium"/>
+                <a:sym typeface="Open Sans Medium"/>
+              </a:rPr>
+              <a:t>Quantum error </a:t>
+            </a:r>
+            <a:r>
+              <a:rPr lang="es-ES" sz="2200" dirty="0" err="1">
+                <a:solidFill>
+                  <a:schemeClr val="dk1"/>
+                </a:solidFill>
+                <a:latin typeface="Open Sans Medium"/>
+                <a:ea typeface="Open Sans Medium"/>
+                <a:cs typeface="Open Sans Medium"/>
+                <a:sym typeface="Open Sans Medium"/>
+              </a:rPr>
+              <a:t>mitigation</a:t>
+            </a:r>
+            <a:r>
+              <a:rPr lang="es-ES" sz="2200" dirty="0">
+                <a:solidFill>
+                  <a:schemeClr val="dk1"/>
+                </a:solidFill>
+                <a:latin typeface="Open Sans Medium"/>
+                <a:ea typeface="Open Sans Medium"/>
+                <a:cs typeface="Open Sans Medium"/>
+                <a:sym typeface="Open Sans Medium"/>
+              </a:rPr>
+              <a:t> (QEM) and </a:t>
+            </a:r>
+            <a:r>
+              <a:rPr lang="es-ES" sz="2200" dirty="0" err="1">
+                <a:solidFill>
+                  <a:schemeClr val="dk1"/>
+                </a:solidFill>
+                <a:latin typeface="Open Sans Medium"/>
+                <a:ea typeface="Open Sans Medium"/>
+                <a:cs typeface="Open Sans Medium"/>
+                <a:sym typeface="Open Sans Medium"/>
+              </a:rPr>
+              <a:t>correction</a:t>
+            </a:r>
+            <a:r>
+              <a:rPr lang="es-ES" sz="2200" dirty="0">
+                <a:solidFill>
+                  <a:schemeClr val="dk1"/>
+                </a:solidFill>
+                <a:latin typeface="Open Sans Medium"/>
+                <a:ea typeface="Open Sans Medium"/>
+                <a:cs typeface="Open Sans Medium"/>
+                <a:sym typeface="Open Sans Medium"/>
+              </a:rPr>
+              <a:t> (QEC) </a:t>
+            </a:r>
+            <a:r>
+              <a:rPr lang="es-ES" sz="2200" dirty="0" err="1">
+                <a:solidFill>
+                  <a:schemeClr val="dk1"/>
+                </a:solidFill>
+                <a:latin typeface="Open Sans Medium"/>
+                <a:ea typeface="Open Sans Medium"/>
+                <a:cs typeface="Open Sans Medium"/>
+                <a:sym typeface="Open Sans Medium"/>
+              </a:rPr>
+              <a:t>techniques</a:t>
+            </a:r>
+            <a:r>
+              <a:rPr lang="es-ES" sz="2200" dirty="0">
+                <a:solidFill>
+                  <a:schemeClr val="dk1"/>
+                </a:solidFill>
+                <a:latin typeface="Open Sans Medium"/>
+                <a:ea typeface="Open Sans Medium"/>
+                <a:cs typeface="Open Sans Medium"/>
+                <a:sym typeface="Open Sans Medium"/>
+              </a:rPr>
+              <a:t> </a:t>
+            </a:r>
+            <a:r>
+              <a:rPr lang="es-ES" sz="2200" dirty="0" err="1">
+                <a:solidFill>
+                  <a:schemeClr val="dk1"/>
+                </a:solidFill>
+                <a:latin typeface="Open Sans Medium"/>
+                <a:ea typeface="Open Sans Medium"/>
+                <a:cs typeface="Open Sans Medium"/>
+                <a:sym typeface="Open Sans Medium"/>
+              </a:rPr>
+              <a:t>could</a:t>
+            </a:r>
+            <a:r>
+              <a:rPr lang="es-ES" sz="2200" dirty="0">
+                <a:solidFill>
+                  <a:schemeClr val="dk1"/>
+                </a:solidFill>
+                <a:latin typeface="Open Sans Medium"/>
+                <a:ea typeface="Open Sans Medium"/>
+                <a:cs typeface="Open Sans Medium"/>
+                <a:sym typeface="Open Sans Medium"/>
+              </a:rPr>
+              <a:t> be </a:t>
+            </a:r>
+            <a:r>
+              <a:rPr lang="es-ES" sz="2200" dirty="0" err="1">
+                <a:solidFill>
+                  <a:schemeClr val="dk1"/>
+                </a:solidFill>
+                <a:latin typeface="Open Sans Medium"/>
+                <a:ea typeface="Open Sans Medium"/>
+                <a:cs typeface="Open Sans Medium"/>
+                <a:sym typeface="Open Sans Medium"/>
+              </a:rPr>
+              <a:t>included</a:t>
+            </a:r>
+            <a:r>
+              <a:rPr lang="es-ES" sz="2200" dirty="0">
+                <a:solidFill>
+                  <a:schemeClr val="dk1"/>
+                </a:solidFill>
+                <a:latin typeface="Open Sans Medium"/>
+                <a:ea typeface="Open Sans Medium"/>
+                <a:cs typeface="Open Sans Medium"/>
+                <a:sym typeface="Open Sans Medium"/>
+              </a:rPr>
+              <a:t> </a:t>
+            </a:r>
+            <a:r>
+              <a:rPr lang="es-ES" sz="2200" dirty="0" err="1">
+                <a:solidFill>
+                  <a:schemeClr val="dk1"/>
+                </a:solidFill>
+                <a:latin typeface="Open Sans Medium"/>
+                <a:ea typeface="Open Sans Medium"/>
+                <a:cs typeface="Open Sans Medium"/>
+                <a:sym typeface="Open Sans Medium"/>
+              </a:rPr>
+              <a:t>to</a:t>
+            </a:r>
+            <a:r>
+              <a:rPr lang="es-ES" sz="2200" dirty="0">
+                <a:solidFill>
+                  <a:schemeClr val="dk1"/>
+                </a:solidFill>
+                <a:latin typeface="Open Sans Medium"/>
+                <a:ea typeface="Open Sans Medium"/>
+                <a:cs typeface="Open Sans Medium"/>
+                <a:sym typeface="Open Sans Medium"/>
+              </a:rPr>
+              <a:t> </a:t>
+            </a:r>
+            <a:r>
+              <a:rPr lang="es-ES" sz="2200" dirty="0" err="1">
+                <a:solidFill>
+                  <a:schemeClr val="dk1"/>
+                </a:solidFill>
+                <a:latin typeface="Open Sans Medium"/>
+                <a:ea typeface="Open Sans Medium"/>
+                <a:cs typeface="Open Sans Medium"/>
+                <a:sym typeface="Open Sans Medium"/>
+              </a:rPr>
+              <a:t>mitigate</a:t>
+            </a:r>
+            <a:r>
+              <a:rPr lang="es-ES" sz="2200" dirty="0">
+                <a:solidFill>
+                  <a:schemeClr val="dk1"/>
+                </a:solidFill>
+                <a:latin typeface="Open Sans Medium"/>
+                <a:ea typeface="Open Sans Medium"/>
+                <a:cs typeface="Open Sans Medium"/>
+                <a:sym typeface="Open Sans Medium"/>
+              </a:rPr>
+              <a:t> </a:t>
+            </a:r>
+            <a:r>
+              <a:rPr lang="es-ES" sz="2200" dirty="0" err="1">
+                <a:solidFill>
+                  <a:schemeClr val="dk1"/>
+                </a:solidFill>
+                <a:latin typeface="Open Sans Medium"/>
+                <a:ea typeface="Open Sans Medium"/>
+                <a:cs typeface="Open Sans Medium"/>
+                <a:sym typeface="Open Sans Medium"/>
+              </a:rPr>
+              <a:t>current</a:t>
+            </a:r>
+            <a:r>
+              <a:rPr lang="es-ES" sz="2200" dirty="0">
+                <a:solidFill>
+                  <a:schemeClr val="dk1"/>
+                </a:solidFill>
+                <a:latin typeface="Open Sans Medium"/>
+                <a:ea typeface="Open Sans Medium"/>
+                <a:cs typeface="Open Sans Medium"/>
+                <a:sym typeface="Open Sans Medium"/>
+              </a:rPr>
+              <a:t> hardware </a:t>
+            </a:r>
+            <a:r>
+              <a:rPr lang="es-ES" sz="2200" dirty="0" err="1">
+                <a:solidFill>
+                  <a:schemeClr val="dk1"/>
+                </a:solidFill>
+                <a:latin typeface="Open Sans Medium"/>
+                <a:ea typeface="Open Sans Medium"/>
+                <a:cs typeface="Open Sans Medium"/>
+                <a:sym typeface="Open Sans Medium"/>
+              </a:rPr>
+              <a:t>noise</a:t>
+            </a:r>
+            <a:r>
+              <a:rPr lang="es-ES" sz="2200" dirty="0">
+                <a:solidFill>
+                  <a:schemeClr val="dk1"/>
+                </a:solidFill>
+                <a:latin typeface="Open Sans Medium"/>
+                <a:ea typeface="Open Sans Medium"/>
+                <a:cs typeface="Open Sans Medium"/>
+                <a:sym typeface="Open Sans Medium"/>
+              </a:rPr>
+              <a:t> </a:t>
+            </a:r>
+            <a:r>
+              <a:rPr lang="es-ES" sz="2200" dirty="0" err="1">
+                <a:solidFill>
+                  <a:schemeClr val="dk1"/>
+                </a:solidFill>
+                <a:latin typeface="Open Sans Medium"/>
+                <a:ea typeface="Open Sans Medium"/>
+                <a:cs typeface="Open Sans Medium"/>
+                <a:sym typeface="Open Sans Medium"/>
+              </a:rPr>
+              <a:t>rates</a:t>
+            </a:r>
+            <a:r>
+              <a:rPr lang="es-ES" sz="2200" dirty="0">
+                <a:solidFill>
+                  <a:schemeClr val="dk1"/>
+                </a:solidFill>
+                <a:latin typeface="Open Sans Medium"/>
+                <a:ea typeface="Open Sans Medium"/>
+                <a:cs typeface="Open Sans Medium"/>
+                <a:sym typeface="Open Sans Medium"/>
+              </a:rPr>
+              <a:t>.</a:t>
+            </a:r>
+          </a:p>
+          <a:p>
+            <a:pPr marL="342900" lvl="0" indent="-342900" algn="l" rtl="0">
+              <a:lnSpc>
+                <a:spcPct val="90000"/>
+              </a:lnSpc>
+              <a:spcBef>
+                <a:spcPts val="0"/>
+              </a:spcBef>
+              <a:spcAft>
+                <a:spcPts val="0"/>
+              </a:spcAft>
+              <a:buFont typeface="Arial" panose="020B0604020202020204" pitchFamily="34" charset="0"/>
+              <a:buChar char="•"/>
+            </a:pPr>
+            <a:endParaRPr lang="es-ES" sz="2200" dirty="0">
+              <a:solidFill>
+                <a:schemeClr val="dk1"/>
+              </a:solidFill>
+              <a:latin typeface="Open Sans Medium"/>
+              <a:ea typeface="Open Sans Medium"/>
+              <a:cs typeface="Open Sans Medium"/>
+              <a:sym typeface="Open Sans Medium"/>
+            </a:endParaRPr>
+          </a:p>
+          <a:p>
+            <a:pPr marL="342900" lvl="0" indent="-342900" algn="l" rtl="0">
+              <a:lnSpc>
+                <a:spcPct val="90000"/>
+              </a:lnSpc>
+              <a:spcBef>
+                <a:spcPts val="0"/>
+              </a:spcBef>
+              <a:spcAft>
+                <a:spcPts val="0"/>
+              </a:spcAft>
+              <a:buFont typeface="Arial" panose="020B0604020202020204" pitchFamily="34" charset="0"/>
+              <a:buChar char="•"/>
+            </a:pPr>
+            <a:endParaRPr lang="es-ES" sz="2200" dirty="0">
+              <a:solidFill>
+                <a:schemeClr val="dk1"/>
+              </a:solidFill>
+              <a:latin typeface="Open Sans Medium"/>
+              <a:ea typeface="Open Sans Medium"/>
+              <a:cs typeface="Open Sans Medium"/>
+              <a:sym typeface="Open Sans Medium"/>
+            </a:endParaRPr>
+          </a:p>
+          <a:p>
+            <a:pPr marL="342900" lvl="0" indent="-342900" algn="l" rtl="0">
+              <a:lnSpc>
+                <a:spcPct val="90000"/>
+              </a:lnSpc>
+              <a:spcBef>
+                <a:spcPts val="0"/>
+              </a:spcBef>
+              <a:spcAft>
+                <a:spcPts val="0"/>
+              </a:spcAft>
+              <a:buFont typeface="Arial" panose="020B0604020202020204" pitchFamily="34" charset="0"/>
+              <a:buChar char="•"/>
+            </a:pPr>
+            <a:endParaRPr sz="1300" dirty="0"/>
+          </a:p>
+        </p:txBody>
+      </p:sp>
+    </p:spTree>
+    <p:extLst>
+      <p:ext uri="{BB962C8B-B14F-4D97-AF65-F5344CB8AC3E}">
+        <p14:creationId xmlns:p14="http://schemas.microsoft.com/office/powerpoint/2010/main" val="2193218575"/>
+      </p:ext>
+    </p:extLst>
   </p:cSld>
   <p:clrMapOvr>
     <a:masterClrMapping/>
@@ -13124,66 +16826,462 @@
               <a:buNone/>
             </a:pPr>
             <a:r>
-              <a:rPr lang="es-ES" sz="2200" b="1" i="0" u="none" strike="noStrike" cap="none">
-                <a:solidFill>
-                  <a:schemeClr val="dk1"/>
-                </a:solidFill>
-                <a:latin typeface="Open Sans Medium"/>
-                <a:ea typeface="Open Sans Medium"/>
-                <a:cs typeface="Open Sans Medium"/>
-                <a:sym typeface="Open Sans Medium"/>
-              </a:rPr>
-              <a:t>Our objective</a:t>
-            </a:r>
-            <a:r>
-              <a:rPr lang="es-ES" sz="2200" b="0" i="0" u="none" strike="noStrike" cap="none">
-                <a:solidFill>
-                  <a:schemeClr val="dk1"/>
-                </a:solidFill>
-                <a:latin typeface="Open Sans Medium"/>
-                <a:ea typeface="Open Sans Medium"/>
-                <a:cs typeface="Open Sans Medium"/>
-                <a:sym typeface="Open Sans Medium"/>
-              </a:rPr>
-              <a:t>: to maximize the </a:t>
-            </a:r>
-            <a:r>
-              <a:rPr lang="es-ES" sz="2200" b="0" u="sng" strike="noStrike" cap="none">
-                <a:solidFill>
-                  <a:schemeClr val="dk1"/>
-                </a:solidFill>
-                <a:latin typeface="Open Sans Medium"/>
-                <a:ea typeface="Open Sans Medium"/>
-                <a:cs typeface="Open Sans Medium"/>
-                <a:sym typeface="Open Sans Medium"/>
-              </a:rPr>
-              <a:t>joint revenue</a:t>
-            </a:r>
-            <a:r>
-              <a:rPr lang="es-ES" sz="2200" b="0" i="0" u="none" strike="noStrike" cap="none">
-                <a:solidFill>
-                  <a:schemeClr val="dk1"/>
-                </a:solidFill>
-                <a:latin typeface="Open Sans Medium"/>
-                <a:ea typeface="Open Sans Medium"/>
-                <a:cs typeface="Open Sans Medium"/>
-                <a:sym typeface="Open Sans Medium"/>
-              </a:rPr>
-              <a:t> of a wind farm and a battery over a one-day horizon, </a:t>
-            </a:r>
-            <a:r>
-              <a:rPr lang="es-ES" sz="2200">
-                <a:solidFill>
-                  <a:schemeClr val="dk1"/>
-                </a:solidFill>
-                <a:latin typeface="Open Sans Medium"/>
-                <a:ea typeface="Open Sans Medium"/>
-                <a:cs typeface="Open Sans Medium"/>
-                <a:sym typeface="Open Sans Medium"/>
-              </a:rPr>
-              <a:t>modeling a battery energy storage system (BESS).</a:t>
-            </a:r>
-            <a:endParaRPr sz="2200" b="0" i="0" u="none" strike="noStrike" cap="none">
+              <a:rPr lang="es-ES" sz="2200" b="1" i="0" u="none" strike="noStrike" cap="none" dirty="0" err="1">
+                <a:solidFill>
+                  <a:schemeClr val="dk1"/>
+                </a:solidFill>
+                <a:latin typeface="Open Sans Medium"/>
+                <a:ea typeface="Open Sans Medium"/>
+                <a:cs typeface="Open Sans Medium"/>
+                <a:sym typeface="Open Sans Medium"/>
+              </a:rPr>
+              <a:t>Our</a:t>
+            </a:r>
+            <a:r>
+              <a:rPr lang="es-ES" sz="2200" b="1" i="0" u="none" strike="noStrike" cap="none" dirty="0">
+                <a:solidFill>
+                  <a:schemeClr val="dk1"/>
+                </a:solidFill>
+                <a:latin typeface="Open Sans Medium"/>
+                <a:ea typeface="Open Sans Medium"/>
+                <a:cs typeface="Open Sans Medium"/>
+                <a:sym typeface="Open Sans Medium"/>
+              </a:rPr>
+              <a:t> </a:t>
+            </a:r>
+            <a:r>
+              <a:rPr lang="es-ES" sz="2200" b="1" i="0" u="none" strike="noStrike" cap="none" dirty="0" err="1">
+                <a:solidFill>
+                  <a:schemeClr val="dk1"/>
+                </a:solidFill>
+                <a:latin typeface="Open Sans Medium"/>
+                <a:ea typeface="Open Sans Medium"/>
+                <a:cs typeface="Open Sans Medium"/>
+                <a:sym typeface="Open Sans Medium"/>
+              </a:rPr>
+              <a:t>objective</a:t>
+            </a:r>
+            <a:r>
+              <a:rPr lang="es-ES" sz="2200" b="0" i="0" u="none" strike="noStrike" cap="none" dirty="0">
+                <a:solidFill>
+                  <a:schemeClr val="dk1"/>
+                </a:solidFill>
+                <a:latin typeface="Open Sans Medium"/>
+                <a:ea typeface="Open Sans Medium"/>
+                <a:cs typeface="Open Sans Medium"/>
+                <a:sym typeface="Open Sans Medium"/>
+              </a:rPr>
+              <a:t>: </a:t>
+            </a:r>
+            <a:r>
+              <a:rPr lang="es-ES" sz="2200" b="0" i="0" u="none" strike="noStrike" cap="none" dirty="0" err="1">
+                <a:solidFill>
+                  <a:schemeClr val="dk1"/>
+                </a:solidFill>
+                <a:latin typeface="Open Sans Medium"/>
+                <a:ea typeface="Open Sans Medium"/>
+                <a:cs typeface="Open Sans Medium"/>
+                <a:sym typeface="Open Sans Medium"/>
+              </a:rPr>
+              <a:t>to</a:t>
+            </a:r>
+            <a:r>
+              <a:rPr lang="es-ES" sz="2200" b="0" i="0" u="none" strike="noStrike" cap="none" dirty="0">
+                <a:solidFill>
+                  <a:schemeClr val="dk1"/>
+                </a:solidFill>
+                <a:latin typeface="Open Sans Medium"/>
+                <a:ea typeface="Open Sans Medium"/>
+                <a:cs typeface="Open Sans Medium"/>
+                <a:sym typeface="Open Sans Medium"/>
+              </a:rPr>
+              <a:t> </a:t>
+            </a:r>
+            <a:r>
+              <a:rPr lang="es-ES" sz="2200" b="0" i="0" u="none" strike="noStrike" cap="none" dirty="0" err="1">
+                <a:solidFill>
+                  <a:schemeClr val="dk1"/>
+                </a:solidFill>
+                <a:latin typeface="Open Sans Medium"/>
+                <a:ea typeface="Open Sans Medium"/>
+                <a:cs typeface="Open Sans Medium"/>
+                <a:sym typeface="Open Sans Medium"/>
+              </a:rPr>
+              <a:t>maximize</a:t>
+            </a:r>
+            <a:r>
+              <a:rPr lang="es-ES" sz="2200" b="0" i="0" u="none" strike="noStrike" cap="none" dirty="0">
+                <a:solidFill>
+                  <a:schemeClr val="dk1"/>
+                </a:solidFill>
+                <a:latin typeface="Open Sans Medium"/>
+                <a:ea typeface="Open Sans Medium"/>
+                <a:cs typeface="Open Sans Medium"/>
+                <a:sym typeface="Open Sans Medium"/>
+              </a:rPr>
+              <a:t> </a:t>
+            </a:r>
+            <a:r>
+              <a:rPr lang="es-ES" sz="2200" b="0" i="0" u="none" strike="noStrike" cap="none" dirty="0" err="1">
+                <a:solidFill>
+                  <a:schemeClr val="dk1"/>
+                </a:solidFill>
+                <a:latin typeface="Open Sans Medium"/>
+                <a:ea typeface="Open Sans Medium"/>
+                <a:cs typeface="Open Sans Medium"/>
+                <a:sym typeface="Open Sans Medium"/>
+              </a:rPr>
+              <a:t>the</a:t>
+            </a:r>
+            <a:r>
+              <a:rPr lang="es-ES" sz="2200" b="0" i="0" u="none" strike="noStrike" cap="none" dirty="0">
+                <a:solidFill>
+                  <a:schemeClr val="dk1"/>
+                </a:solidFill>
+                <a:latin typeface="Open Sans Medium"/>
+                <a:ea typeface="Open Sans Medium"/>
+                <a:cs typeface="Open Sans Medium"/>
+                <a:sym typeface="Open Sans Medium"/>
+              </a:rPr>
+              <a:t> </a:t>
+            </a:r>
+            <a:r>
+              <a:rPr lang="es-ES" sz="2200" b="0" u="sng" strike="noStrike" cap="none" dirty="0" err="1">
+                <a:solidFill>
+                  <a:schemeClr val="dk1"/>
+                </a:solidFill>
+                <a:latin typeface="Open Sans Medium"/>
+                <a:ea typeface="Open Sans Medium"/>
+                <a:cs typeface="Open Sans Medium"/>
+                <a:sym typeface="Open Sans Medium"/>
+              </a:rPr>
+              <a:t>joint</a:t>
+            </a:r>
+            <a:r>
+              <a:rPr lang="es-ES" sz="2200" b="0" u="sng" strike="noStrike" cap="none" dirty="0">
+                <a:solidFill>
+                  <a:schemeClr val="dk1"/>
+                </a:solidFill>
+                <a:latin typeface="Open Sans Medium"/>
+                <a:ea typeface="Open Sans Medium"/>
+                <a:cs typeface="Open Sans Medium"/>
+                <a:sym typeface="Open Sans Medium"/>
+              </a:rPr>
+              <a:t> </a:t>
+            </a:r>
+            <a:r>
+              <a:rPr lang="es-ES" sz="2200" b="0" u="sng" strike="noStrike" cap="none" dirty="0" err="1">
+                <a:solidFill>
+                  <a:schemeClr val="dk1"/>
+                </a:solidFill>
+                <a:latin typeface="Open Sans Medium"/>
+                <a:ea typeface="Open Sans Medium"/>
+                <a:cs typeface="Open Sans Medium"/>
+                <a:sym typeface="Open Sans Medium"/>
+              </a:rPr>
+              <a:t>revenue</a:t>
+            </a:r>
+            <a:r>
+              <a:rPr lang="es-ES" sz="2200" b="0" i="0" u="none" strike="noStrike" cap="none" dirty="0">
+                <a:solidFill>
+                  <a:schemeClr val="dk1"/>
+                </a:solidFill>
+                <a:latin typeface="Open Sans Medium"/>
+                <a:ea typeface="Open Sans Medium"/>
+                <a:cs typeface="Open Sans Medium"/>
+                <a:sym typeface="Open Sans Medium"/>
+              </a:rPr>
+              <a:t> </a:t>
+            </a:r>
+            <a:r>
+              <a:rPr lang="es-ES" sz="2200" b="0" i="0" u="none" strike="noStrike" cap="none" dirty="0" err="1">
+                <a:solidFill>
+                  <a:schemeClr val="dk1"/>
+                </a:solidFill>
+                <a:latin typeface="Open Sans Medium"/>
+                <a:ea typeface="Open Sans Medium"/>
+                <a:cs typeface="Open Sans Medium"/>
+                <a:sym typeface="Open Sans Medium"/>
+              </a:rPr>
+              <a:t>of</a:t>
+            </a:r>
+            <a:r>
+              <a:rPr lang="es-ES" sz="2200" b="0" i="0" u="none" strike="noStrike" cap="none" dirty="0">
+                <a:solidFill>
+                  <a:schemeClr val="dk1"/>
+                </a:solidFill>
+                <a:latin typeface="Open Sans Medium"/>
+                <a:ea typeface="Open Sans Medium"/>
+                <a:cs typeface="Open Sans Medium"/>
+                <a:sym typeface="Open Sans Medium"/>
+              </a:rPr>
+              <a:t> a </a:t>
+            </a:r>
+            <a:r>
+              <a:rPr lang="es-ES" sz="2200" b="0" i="0" u="none" strike="noStrike" cap="none" dirty="0" err="1">
+                <a:solidFill>
+                  <a:schemeClr val="dk1"/>
+                </a:solidFill>
+                <a:latin typeface="Open Sans Medium"/>
+                <a:ea typeface="Open Sans Medium"/>
+                <a:cs typeface="Open Sans Medium"/>
+                <a:sym typeface="Open Sans Medium"/>
+              </a:rPr>
+              <a:t>wind</a:t>
+            </a:r>
+            <a:r>
+              <a:rPr lang="es-ES" sz="2200" b="0" i="0" u="none" strike="noStrike" cap="none" dirty="0">
+                <a:solidFill>
+                  <a:schemeClr val="dk1"/>
+                </a:solidFill>
+                <a:latin typeface="Open Sans Medium"/>
+                <a:ea typeface="Open Sans Medium"/>
+                <a:cs typeface="Open Sans Medium"/>
+                <a:sym typeface="Open Sans Medium"/>
+              </a:rPr>
+              <a:t> </a:t>
+            </a:r>
+            <a:r>
+              <a:rPr lang="es-ES" sz="2200" b="0" i="0" u="none" strike="noStrike" cap="none" dirty="0" err="1">
+                <a:solidFill>
+                  <a:schemeClr val="dk1"/>
+                </a:solidFill>
+                <a:latin typeface="Open Sans Medium"/>
+                <a:ea typeface="Open Sans Medium"/>
+                <a:cs typeface="Open Sans Medium"/>
+                <a:sym typeface="Open Sans Medium"/>
+              </a:rPr>
+              <a:t>farm</a:t>
+            </a:r>
+            <a:r>
+              <a:rPr lang="es-ES" sz="2200" b="0" i="0" u="none" strike="noStrike" cap="none" dirty="0">
+                <a:solidFill>
+                  <a:schemeClr val="dk1"/>
+                </a:solidFill>
+                <a:latin typeface="Open Sans Medium"/>
+                <a:ea typeface="Open Sans Medium"/>
+                <a:cs typeface="Open Sans Medium"/>
+                <a:sym typeface="Open Sans Medium"/>
+              </a:rPr>
+              <a:t> and a </a:t>
+            </a:r>
+            <a:r>
+              <a:rPr lang="es-ES" sz="2200" b="0" i="0" u="none" strike="noStrike" cap="none" dirty="0" err="1">
+                <a:solidFill>
+                  <a:schemeClr val="dk1"/>
+                </a:solidFill>
+                <a:latin typeface="Open Sans Medium"/>
+                <a:ea typeface="Open Sans Medium"/>
+                <a:cs typeface="Open Sans Medium"/>
+                <a:sym typeface="Open Sans Medium"/>
+              </a:rPr>
+              <a:t>battery</a:t>
+            </a:r>
+            <a:r>
+              <a:rPr lang="es-ES" sz="2200" b="0" i="0" u="none" strike="noStrike" cap="none" dirty="0">
+                <a:solidFill>
+                  <a:schemeClr val="dk1"/>
+                </a:solidFill>
+                <a:latin typeface="Open Sans Medium"/>
+                <a:ea typeface="Open Sans Medium"/>
+                <a:cs typeface="Open Sans Medium"/>
+                <a:sym typeface="Open Sans Medium"/>
+              </a:rPr>
+              <a:t> </a:t>
+            </a:r>
+            <a:r>
+              <a:rPr lang="es-ES" sz="2200" b="0" i="0" u="none" strike="noStrike" cap="none" dirty="0" err="1">
+                <a:solidFill>
+                  <a:schemeClr val="dk1"/>
+                </a:solidFill>
+                <a:latin typeface="Open Sans Medium"/>
+                <a:ea typeface="Open Sans Medium"/>
+                <a:cs typeface="Open Sans Medium"/>
+                <a:sym typeface="Open Sans Medium"/>
+              </a:rPr>
+              <a:t>over</a:t>
+            </a:r>
+            <a:r>
+              <a:rPr lang="es-ES" sz="2200" b="0" i="0" u="none" strike="noStrike" cap="none" dirty="0">
+                <a:solidFill>
+                  <a:schemeClr val="dk1"/>
+                </a:solidFill>
+                <a:latin typeface="Open Sans Medium"/>
+                <a:ea typeface="Open Sans Medium"/>
+                <a:cs typeface="Open Sans Medium"/>
+                <a:sym typeface="Open Sans Medium"/>
+              </a:rPr>
+              <a:t> a </a:t>
+            </a:r>
+            <a:r>
+              <a:rPr lang="es-ES" sz="2200" b="0" i="0" u="none" strike="noStrike" cap="none" dirty="0" err="1">
+                <a:solidFill>
+                  <a:schemeClr val="dk1"/>
+                </a:solidFill>
+                <a:latin typeface="Open Sans Medium"/>
+                <a:ea typeface="Open Sans Medium"/>
+                <a:cs typeface="Open Sans Medium"/>
+                <a:sym typeface="Open Sans Medium"/>
+              </a:rPr>
+              <a:t>one-day</a:t>
+            </a:r>
+            <a:r>
+              <a:rPr lang="es-ES" sz="2200" b="0" i="0" u="none" strike="noStrike" cap="none" dirty="0">
+                <a:solidFill>
+                  <a:schemeClr val="dk1"/>
+                </a:solidFill>
+                <a:latin typeface="Open Sans Medium"/>
+                <a:ea typeface="Open Sans Medium"/>
+                <a:cs typeface="Open Sans Medium"/>
+                <a:sym typeface="Open Sans Medium"/>
+              </a:rPr>
+              <a:t> </a:t>
+            </a:r>
+            <a:r>
+              <a:rPr lang="es-ES" sz="2200" b="0" i="0" u="none" strike="noStrike" cap="none" dirty="0" err="1">
+                <a:solidFill>
+                  <a:schemeClr val="dk1"/>
+                </a:solidFill>
+                <a:latin typeface="Open Sans Medium"/>
+                <a:ea typeface="Open Sans Medium"/>
+                <a:cs typeface="Open Sans Medium"/>
+                <a:sym typeface="Open Sans Medium"/>
+              </a:rPr>
+              <a:t>horizon</a:t>
+            </a:r>
+            <a:r>
+              <a:rPr lang="es-ES" sz="2200" b="0" i="0" u="none" strike="noStrike" cap="none" dirty="0">
+                <a:solidFill>
+                  <a:schemeClr val="dk1"/>
+                </a:solidFill>
+                <a:latin typeface="Open Sans Medium"/>
+                <a:ea typeface="Open Sans Medium"/>
+                <a:cs typeface="Open Sans Medium"/>
+                <a:sym typeface="Open Sans Medium"/>
+              </a:rPr>
+              <a:t>, </a:t>
+            </a:r>
+            <a:r>
+              <a:rPr lang="es-ES" sz="2200" dirty="0" err="1">
+                <a:solidFill>
+                  <a:schemeClr val="dk1"/>
+                </a:solidFill>
+                <a:latin typeface="Open Sans Medium"/>
+                <a:ea typeface="Open Sans Medium"/>
+                <a:cs typeface="Open Sans Medium"/>
+                <a:sym typeface="Open Sans Medium"/>
+              </a:rPr>
+              <a:t>modeling</a:t>
+            </a:r>
+            <a:r>
+              <a:rPr lang="es-ES" sz="2200" dirty="0">
+                <a:solidFill>
+                  <a:schemeClr val="dk1"/>
+                </a:solidFill>
+                <a:latin typeface="Open Sans Medium"/>
+                <a:ea typeface="Open Sans Medium"/>
+                <a:cs typeface="Open Sans Medium"/>
+                <a:sym typeface="Open Sans Medium"/>
+              </a:rPr>
+              <a:t> a </a:t>
+            </a:r>
+            <a:r>
+              <a:rPr lang="es-ES" sz="2200" dirty="0" err="1">
+                <a:solidFill>
+                  <a:schemeClr val="dk1"/>
+                </a:solidFill>
+                <a:latin typeface="Open Sans Medium"/>
+                <a:ea typeface="Open Sans Medium"/>
+                <a:cs typeface="Open Sans Medium"/>
+                <a:sym typeface="Open Sans Medium"/>
+              </a:rPr>
+              <a:t>battery</a:t>
+            </a:r>
+            <a:r>
+              <a:rPr lang="es-ES" sz="2200" dirty="0">
+                <a:solidFill>
+                  <a:schemeClr val="dk1"/>
+                </a:solidFill>
+                <a:latin typeface="Open Sans Medium"/>
+                <a:ea typeface="Open Sans Medium"/>
+                <a:cs typeface="Open Sans Medium"/>
+                <a:sym typeface="Open Sans Medium"/>
+              </a:rPr>
+              <a:t> </a:t>
+            </a:r>
+            <a:r>
+              <a:rPr lang="es-ES" sz="2200" dirty="0" err="1">
+                <a:solidFill>
+                  <a:schemeClr val="dk1"/>
+                </a:solidFill>
+                <a:latin typeface="Open Sans Medium"/>
+                <a:ea typeface="Open Sans Medium"/>
+                <a:cs typeface="Open Sans Medium"/>
+                <a:sym typeface="Open Sans Medium"/>
+              </a:rPr>
+              <a:t>energy</a:t>
+            </a:r>
+            <a:r>
+              <a:rPr lang="es-ES" sz="2200" dirty="0">
+                <a:solidFill>
+                  <a:schemeClr val="dk1"/>
+                </a:solidFill>
+                <a:latin typeface="Open Sans Medium"/>
+                <a:ea typeface="Open Sans Medium"/>
+                <a:cs typeface="Open Sans Medium"/>
+                <a:sym typeface="Open Sans Medium"/>
+              </a:rPr>
+              <a:t> </a:t>
+            </a:r>
+            <a:r>
+              <a:rPr lang="es-ES" sz="2200" dirty="0" err="1">
+                <a:solidFill>
+                  <a:schemeClr val="dk1"/>
+                </a:solidFill>
+                <a:latin typeface="Open Sans Medium"/>
+                <a:ea typeface="Open Sans Medium"/>
+                <a:cs typeface="Open Sans Medium"/>
+                <a:sym typeface="Open Sans Medium"/>
+              </a:rPr>
+              <a:t>storage</a:t>
+            </a:r>
+            <a:r>
+              <a:rPr lang="es-ES" sz="2200" dirty="0">
+                <a:solidFill>
+                  <a:schemeClr val="dk1"/>
+                </a:solidFill>
+                <a:latin typeface="Open Sans Medium"/>
+                <a:ea typeface="Open Sans Medium"/>
+                <a:cs typeface="Open Sans Medium"/>
+                <a:sym typeface="Open Sans Medium"/>
+              </a:rPr>
+              <a:t> </a:t>
+            </a:r>
+            <a:r>
+              <a:rPr lang="es-ES" sz="2200" dirty="0" err="1">
+                <a:solidFill>
+                  <a:schemeClr val="dk1"/>
+                </a:solidFill>
+                <a:latin typeface="Open Sans Medium"/>
+                <a:ea typeface="Open Sans Medium"/>
+                <a:cs typeface="Open Sans Medium"/>
+                <a:sym typeface="Open Sans Medium"/>
+              </a:rPr>
+              <a:t>system</a:t>
+            </a:r>
+            <a:r>
+              <a:rPr lang="es-ES" sz="2200" dirty="0">
+                <a:solidFill>
+                  <a:schemeClr val="dk1"/>
+                </a:solidFill>
+                <a:latin typeface="Open Sans Medium"/>
+                <a:ea typeface="Open Sans Medium"/>
+                <a:cs typeface="Open Sans Medium"/>
+                <a:sym typeface="Open Sans Medium"/>
+              </a:rPr>
+              <a:t> (BESS).</a:t>
+            </a:r>
+            <a:endParaRPr sz="2200" b="0" i="0" u="none" strike="noStrike" cap="none" dirty="0">
               <a:solidFill>
                 <a:schemeClr val="dk1"/>
               </a:solidFill>
@@ -13212,19 +17310,31 @@
               <a:buNone/>
             </a:pPr>
             <a:r>
-              <a:rPr lang="es-ES" sz="2200" b="1" i="0" u="none" strike="noStrike" cap="none">
-                <a:solidFill>
-                  <a:schemeClr val="dk1"/>
-                </a:solidFill>
-                <a:latin typeface="Open Sans Medium"/>
-                <a:ea typeface="Open Sans Medium"/>
-                <a:cs typeface="Open Sans Medium"/>
-                <a:sym typeface="Open Sans Medium"/>
-              </a:rPr>
-              <a:t>Our data:</a:t>
-            </a:r>
-            <a:r>
-              <a:rPr lang="es-ES" sz="2200" b="0" i="0" u="none" strike="noStrike" cap="none">
+              <a:rPr lang="es-ES" sz="2200" b="1" i="0" u="none" strike="noStrike" cap="none" dirty="0" err="1">
+                <a:solidFill>
+                  <a:schemeClr val="dk1"/>
+                </a:solidFill>
+                <a:latin typeface="Open Sans Medium"/>
+                <a:ea typeface="Open Sans Medium"/>
+                <a:cs typeface="Open Sans Medium"/>
+                <a:sym typeface="Open Sans Medium"/>
+              </a:rPr>
+              <a:t>Our</a:t>
+            </a:r>
+            <a:r>
+              <a:rPr lang="es-ES" sz="2200" b="1" i="0" u="none" strike="noStrike" cap="none" dirty="0">
+                <a:solidFill>
+                  <a:schemeClr val="dk1"/>
+                </a:solidFill>
+                <a:latin typeface="Open Sans Medium"/>
+                <a:ea typeface="Open Sans Medium"/>
+                <a:cs typeface="Open Sans Medium"/>
+                <a:sym typeface="Open Sans Medium"/>
+              </a:rPr>
+              <a:t> data:</a:t>
+            </a:r>
+            <a:r>
+              <a:rPr lang="es-ES" sz="2200" b="0" i="0" u="none" strike="noStrike" cap="none" dirty="0">
                 <a:solidFill>
                   <a:schemeClr val="dk1"/>
                 </a:solidFill>
@@ -13235,7 +17345,151 @@
               </a:rPr>
               <a:t> </a:t>
             </a:r>
-            <a:endParaRPr sz="2200" b="1" i="0" u="none" strike="noStrike" cap="none">
+            <a:r>
+              <a:rPr lang="es-ES" sz="2200" b="0" i="0" u="none" strike="noStrike" cap="none" dirty="0" err="1">
+                <a:solidFill>
+                  <a:schemeClr val="dk1"/>
+                </a:solidFill>
+                <a:latin typeface="Open Sans Medium"/>
+                <a:ea typeface="Open Sans Medium"/>
+                <a:cs typeface="Open Sans Medium"/>
+                <a:sym typeface="Open Sans Medium"/>
+              </a:rPr>
+              <a:t>fixed</a:t>
+            </a:r>
+            <a:r>
+              <a:rPr lang="es-ES" sz="2200" b="0" i="0" u="none" strike="noStrike" cap="none" dirty="0">
+                <a:solidFill>
+                  <a:schemeClr val="dk1"/>
+                </a:solidFill>
+                <a:latin typeface="Open Sans Medium"/>
+                <a:ea typeface="Open Sans Medium"/>
+                <a:cs typeface="Open Sans Medium"/>
+                <a:sym typeface="Open Sans Medium"/>
+              </a:rPr>
+              <a:t> </a:t>
+            </a:r>
+            <a:r>
+              <a:rPr lang="es-ES" sz="2200" b="0" i="0" u="none" strike="noStrike" cap="none" dirty="0" err="1">
+                <a:solidFill>
+                  <a:schemeClr val="dk1"/>
+                </a:solidFill>
+                <a:latin typeface="Open Sans Medium"/>
+                <a:ea typeface="Open Sans Medium"/>
+                <a:cs typeface="Open Sans Medium"/>
+                <a:sym typeface="Open Sans Medium"/>
+              </a:rPr>
+              <a:t>electricty</a:t>
+            </a:r>
+            <a:r>
+              <a:rPr lang="es-ES" sz="2200" b="0" i="0" u="none" strike="noStrike" cap="none" dirty="0">
+                <a:solidFill>
+                  <a:schemeClr val="dk1"/>
+                </a:solidFill>
+                <a:latin typeface="Open Sans Medium"/>
+                <a:ea typeface="Open Sans Medium"/>
+                <a:cs typeface="Open Sans Medium"/>
+                <a:sym typeface="Open Sans Medium"/>
+              </a:rPr>
+              <a:t> </a:t>
+            </a:r>
+            <a:r>
+              <a:rPr lang="es-ES" sz="2200" b="0" i="0" u="none" strike="noStrike" cap="none" dirty="0" err="1">
+                <a:solidFill>
+                  <a:schemeClr val="dk1"/>
+                </a:solidFill>
+                <a:latin typeface="Open Sans Medium"/>
+                <a:ea typeface="Open Sans Medium"/>
+                <a:cs typeface="Open Sans Medium"/>
+                <a:sym typeface="Open Sans Medium"/>
+              </a:rPr>
+              <a:t>price</a:t>
+            </a:r>
+            <a:r>
+              <a:rPr lang="es-ES" sz="2200" b="0" i="0" u="none" strike="noStrike" cap="none" dirty="0">
+                <a:solidFill>
+                  <a:schemeClr val="dk1"/>
+                </a:solidFill>
+                <a:latin typeface="Open Sans Medium"/>
+                <a:ea typeface="Open Sans Medium"/>
+                <a:cs typeface="Open Sans Medium"/>
+                <a:sym typeface="Open Sans Medium"/>
+              </a:rPr>
+              <a:t> &amp; </a:t>
+            </a:r>
+            <a:r>
+              <a:rPr lang="es-ES" sz="2200" b="0" i="0" u="none" strike="noStrike" cap="none" dirty="0" err="1">
+                <a:solidFill>
+                  <a:schemeClr val="dk1"/>
+                </a:solidFill>
+                <a:latin typeface="Open Sans Medium"/>
+                <a:ea typeface="Open Sans Medium"/>
+                <a:cs typeface="Open Sans Medium"/>
+                <a:sym typeface="Open Sans Medium"/>
+              </a:rPr>
+              <a:t>stochastic</a:t>
+            </a:r>
+            <a:r>
+              <a:rPr lang="es-ES" sz="2200" b="0" i="0" u="none" strike="noStrike" cap="none" dirty="0">
+                <a:solidFill>
+                  <a:schemeClr val="dk1"/>
+                </a:solidFill>
+                <a:latin typeface="Open Sans Medium"/>
+                <a:ea typeface="Open Sans Medium"/>
+                <a:cs typeface="Open Sans Medium"/>
+                <a:sym typeface="Open Sans Medium"/>
+              </a:rPr>
+              <a:t> </a:t>
+            </a:r>
+            <a:r>
+              <a:rPr lang="es-ES" sz="2200" b="0" i="0" u="none" strike="noStrike" cap="none" dirty="0" err="1">
+                <a:solidFill>
+                  <a:schemeClr val="dk1"/>
+                </a:solidFill>
+                <a:latin typeface="Open Sans Medium"/>
+                <a:ea typeface="Open Sans Medium"/>
+                <a:cs typeface="Open Sans Medium"/>
+                <a:sym typeface="Open Sans Medium"/>
+              </a:rPr>
+              <a:t>wind-production</a:t>
+            </a:r>
+            <a:r>
+              <a:rPr lang="es-ES" sz="2200" b="0" i="0" u="none" strike="noStrike" cap="none" dirty="0">
+                <a:solidFill>
+                  <a:schemeClr val="dk1"/>
+                </a:solidFill>
+                <a:latin typeface="Open Sans Medium"/>
+                <a:ea typeface="Open Sans Medium"/>
+                <a:cs typeface="Open Sans Medium"/>
+                <a:sym typeface="Open Sans Medium"/>
+              </a:rPr>
+              <a:t> </a:t>
+            </a:r>
+            <a:r>
+              <a:rPr lang="es-ES" sz="2200" b="0" i="0" u="none" strike="noStrike" cap="none" dirty="0" err="1">
+                <a:solidFill>
+                  <a:schemeClr val="dk1"/>
+                </a:solidFill>
+                <a:latin typeface="Open Sans Medium"/>
+                <a:ea typeface="Open Sans Medium"/>
+                <a:cs typeface="Open Sans Medium"/>
+                <a:sym typeface="Open Sans Medium"/>
+              </a:rPr>
+              <a:t>forecasts</a:t>
+            </a:r>
+            <a:r>
+              <a:rPr lang="es-ES" sz="2200" b="0" i="0" u="none" strike="noStrike" cap="none" dirty="0">
+                <a:solidFill>
+                  <a:schemeClr val="dk1"/>
+                </a:solidFill>
+                <a:latin typeface="Open Sans Medium"/>
+                <a:ea typeface="Open Sans Medium"/>
+                <a:cs typeface="Open Sans Medium"/>
+                <a:sym typeface="Open Sans Medium"/>
+              </a:rPr>
+              <a:t>.</a:t>
+            </a:r>
+            <a:endParaRPr sz="2200" b="1" i="0" u="none" strike="noStrike" cap="none" dirty="0">
               <a:solidFill>
                 <a:schemeClr val="dk1"/>
               </a:solidFill>
@@ -13263,7 +17517,7 @@
               <a:buFont typeface="Arial"/>
               <a:buNone/>
             </a:pPr>
-            <a:endParaRPr sz="2200" b="0" i="0" u="none" strike="noStrike" cap="none">
+            <a:endParaRPr sz="2200" b="0" i="0" u="none" strike="noStrike" cap="none" dirty="0">
               <a:solidFill>
                 <a:schemeClr val="dk1"/>
               </a:solidFill>
@@ -13291,7 +17545,7 @@
               <a:buFont typeface="Arial"/>
               <a:buNone/>
             </a:pPr>
-            <a:endParaRPr sz="2200" b="0" i="0" u="none" strike="noStrike" cap="none">
+            <a:endParaRPr sz="2200" b="0" i="0" u="none" strike="noStrike" cap="none" dirty="0">
               <a:solidFill>
                 <a:schemeClr val="dk1"/>
               </a:solidFill>
@@ -13319,7 +17573,7 @@
               <a:buFont typeface="Arial"/>
               <a:buNone/>
             </a:pPr>
-            <a:endParaRPr sz="2200" b="0" i="0" u="none" strike="noStrike" cap="none">
+            <a:endParaRPr sz="2200" b="0" i="0" u="none" strike="noStrike" cap="none" dirty="0">
               <a:solidFill>
                 <a:schemeClr val="dk1"/>
               </a:solidFill>
@@ -13347,7 +17601,7 @@
               <a:buFont typeface="Arial"/>
               <a:buNone/>
             </a:pPr>
-            <a:endParaRPr sz="2200" b="0" i="0" u="none" strike="noStrike" cap="none">
+            <a:endParaRPr sz="2200" b="0" i="0" u="none" strike="noStrike" cap="none" dirty="0">
               <a:solidFill>
                 <a:schemeClr val="dk1"/>
               </a:solidFill>
@@ -13375,7 +17629,7 @@
               <a:buFont typeface="Arial"/>
               <a:buNone/>
             </a:pPr>
-            <a:endParaRPr sz="2200" b="0" i="0" u="none" strike="noStrike" cap="none">
+            <a:endParaRPr sz="2200" b="0" i="0" u="none" strike="noStrike" cap="none" dirty="0">
               <a:solidFill>
                 <a:schemeClr val="dk1"/>
               </a:solidFill>
@@ -13403,7 +17657,7 @@
               <a:buFont typeface="Arial"/>
               <a:buNone/>
             </a:pPr>
-            <a:endParaRPr sz="2200" b="0" i="0" u="none" strike="noStrike" cap="none">
+            <a:endParaRPr sz="2200" b="0" i="0" u="none" strike="noStrike" cap="none" dirty="0">
               <a:solidFill>
                 <a:schemeClr val="dk1"/>
               </a:solidFill>
@@ -13431,7 +17685,7 @@
               <a:buFont typeface="Arial"/>
               <a:buNone/>
             </a:pPr>
-            <a:endParaRPr sz="2200" b="0" i="0" u="none" strike="noStrike" cap="none">
+            <a:endParaRPr sz="2200" b="0" i="0" u="none" strike="noStrike" cap="none" dirty="0">
               <a:solidFill>
                 <a:schemeClr val="dk1"/>
               </a:solidFill>
@@ -13459,7 +17713,7 @@
               <a:buFont typeface="Arial"/>
               <a:buNone/>
             </a:pPr>
-            <a:endParaRPr sz="2200" b="0" i="0" u="none" strike="noStrike" cap="none">
+            <a:endParaRPr sz="2200" b="0" i="0" u="none" strike="noStrike" cap="none" dirty="0">
               <a:solidFill>
                 <a:schemeClr val="dk1"/>
               </a:solidFill>
@@ -13487,7 +17741,7 @@
               <a:buFont typeface="Arial"/>
               <a:buNone/>
             </a:pPr>
-            <a:endParaRPr sz="2200" b="0" i="0" u="none" strike="noStrike" cap="none">
+            <a:endParaRPr sz="2200" b="0" i="0" u="none" strike="noStrike" cap="none" dirty="0">
               <a:solidFill>
                 <a:schemeClr val="dk1"/>
               </a:solidFill>
@@ -13515,7 +17769,7 @@
               <a:buFont typeface="Arial"/>
               <a:buNone/>
             </a:pPr>
-            <a:endParaRPr sz="2200" b="0" i="0" u="none" strike="noStrike" cap="none">
+            <a:endParaRPr sz="2200" b="0" i="0" u="none" strike="noStrike" cap="none" dirty="0">
               <a:solidFill>
                 <a:schemeClr val="dk1"/>
               </a:solidFill>
@@ -14346,7 +18600,7 @@
               <a:buNone/>
             </a:pPr>
             <a:r>
-              <a:rPr lang="es-ES" sz="2200" b="1">
+              <a:rPr lang="es-ES" sz="2200" b="1" dirty="0" err="1">
                 <a:latin typeface="Open Sans"/>
                 <a:ea typeface="Open Sans"/>
                 <a:cs typeface="Open Sans"/>
@@ -14355,16 +18609,304 @@
               <a:t>Motivation</a:t>
             </a:r>
             <a:r>
-              <a:rPr lang="es-ES" sz="2200">
-                <a:latin typeface="Open Sans Medium"/>
-                <a:ea typeface="Open Sans Medium"/>
-                <a:cs typeface="Open Sans Medium"/>
-                <a:sym typeface="Open Sans Medium"/>
-              </a:rPr>
-              <a:t>: For large systems (many time steps, many batteries, complex constraints, etc.), the total solution space for a MILP is massive and usual approaches are </a:t>
-            </a:r>
-            <a:r>
-              <a:rPr lang="es-ES" sz="2200" u="sng">
+              <a:rPr lang="es-ES" sz="2200" dirty="0">
+                <a:latin typeface="Open Sans Medium"/>
+                <a:ea typeface="Open Sans Medium"/>
+                <a:cs typeface="Open Sans Medium"/>
+                <a:sym typeface="Open Sans Medium"/>
+              </a:rPr>
+              <a:t>: </a:t>
+            </a:r>
+            <a:r>
+              <a:rPr lang="es-ES" sz="2200" dirty="0" err="1">
+                <a:latin typeface="Open Sans Medium"/>
+                <a:ea typeface="Open Sans Medium"/>
+                <a:cs typeface="Open Sans Medium"/>
+                <a:sym typeface="Open Sans Medium"/>
+              </a:rPr>
+              <a:t>For</a:t>
+            </a:r>
+            <a:r>
+              <a:rPr lang="es-ES" sz="2200" dirty="0">
+                <a:latin typeface="Open Sans Medium"/>
+                <a:ea typeface="Open Sans Medium"/>
+                <a:cs typeface="Open Sans Medium"/>
+                <a:sym typeface="Open Sans Medium"/>
+              </a:rPr>
+              <a:t> </a:t>
+            </a:r>
+            <a:r>
+              <a:rPr lang="es-ES" sz="2200" dirty="0" err="1">
+                <a:latin typeface="Open Sans Medium"/>
+                <a:ea typeface="Open Sans Medium"/>
+                <a:cs typeface="Open Sans Medium"/>
+                <a:sym typeface="Open Sans Medium"/>
+              </a:rPr>
+              <a:t>large</a:t>
+            </a:r>
+            <a:r>
+              <a:rPr lang="es-ES" sz="2200" dirty="0">
+                <a:latin typeface="Open Sans Medium"/>
+                <a:ea typeface="Open Sans Medium"/>
+                <a:cs typeface="Open Sans Medium"/>
+                <a:sym typeface="Open Sans Medium"/>
+              </a:rPr>
+              <a:t> </a:t>
+            </a:r>
+            <a:r>
+              <a:rPr lang="es-ES" sz="2200" dirty="0" err="1">
+                <a:latin typeface="Open Sans Medium"/>
+                <a:ea typeface="Open Sans Medium"/>
+                <a:cs typeface="Open Sans Medium"/>
+                <a:sym typeface="Open Sans Medium"/>
+              </a:rPr>
+              <a:t>systems</a:t>
+            </a:r>
+            <a:r>
+              <a:rPr lang="es-ES" sz="2200" dirty="0">
+                <a:latin typeface="Open Sans Medium"/>
+                <a:ea typeface="Open Sans Medium"/>
+                <a:cs typeface="Open Sans Medium"/>
+                <a:sym typeface="Open Sans Medium"/>
+              </a:rPr>
+              <a:t> (</a:t>
+            </a:r>
+            <a:r>
+              <a:rPr lang="es-ES" sz="2200" dirty="0" err="1">
+                <a:latin typeface="Open Sans Medium"/>
+                <a:ea typeface="Open Sans Medium"/>
+                <a:cs typeface="Open Sans Medium"/>
+                <a:sym typeface="Open Sans Medium"/>
+              </a:rPr>
+              <a:t>many</a:t>
+            </a:r>
+            <a:r>
+              <a:rPr lang="es-ES" sz="2200" dirty="0">
+                <a:latin typeface="Open Sans Medium"/>
+                <a:ea typeface="Open Sans Medium"/>
+                <a:cs typeface="Open Sans Medium"/>
+                <a:sym typeface="Open Sans Medium"/>
+              </a:rPr>
+              <a:t> time </a:t>
+            </a:r>
+            <a:r>
+              <a:rPr lang="es-ES" sz="2200" dirty="0" err="1">
+                <a:latin typeface="Open Sans Medium"/>
+                <a:ea typeface="Open Sans Medium"/>
+                <a:cs typeface="Open Sans Medium"/>
+                <a:sym typeface="Open Sans Medium"/>
+              </a:rPr>
+              <a:t>steps</a:t>
+            </a:r>
+            <a:r>
+              <a:rPr lang="es-ES" sz="2200" dirty="0">
+                <a:latin typeface="Open Sans Medium"/>
+                <a:ea typeface="Open Sans Medium"/>
+                <a:cs typeface="Open Sans Medium"/>
+                <a:sym typeface="Open Sans Medium"/>
+              </a:rPr>
+              <a:t>, </a:t>
+            </a:r>
+            <a:r>
+              <a:rPr lang="es-ES" sz="2200" dirty="0" err="1">
+                <a:latin typeface="Open Sans Medium"/>
+                <a:ea typeface="Open Sans Medium"/>
+                <a:cs typeface="Open Sans Medium"/>
+                <a:sym typeface="Open Sans Medium"/>
+              </a:rPr>
+              <a:t>many</a:t>
+            </a:r>
+            <a:r>
+              <a:rPr lang="es-ES" sz="2200" dirty="0">
+                <a:latin typeface="Open Sans Medium"/>
+                <a:ea typeface="Open Sans Medium"/>
+                <a:cs typeface="Open Sans Medium"/>
+                <a:sym typeface="Open Sans Medium"/>
+              </a:rPr>
+              <a:t> </a:t>
+            </a:r>
+            <a:r>
+              <a:rPr lang="es-ES" sz="2200" dirty="0" err="1">
+                <a:latin typeface="Open Sans Medium"/>
+                <a:ea typeface="Open Sans Medium"/>
+                <a:cs typeface="Open Sans Medium"/>
+                <a:sym typeface="Open Sans Medium"/>
+              </a:rPr>
+              <a:t>batteries</a:t>
+            </a:r>
+            <a:r>
+              <a:rPr lang="es-ES" sz="2200" dirty="0">
+                <a:latin typeface="Open Sans Medium"/>
+                <a:ea typeface="Open Sans Medium"/>
+                <a:cs typeface="Open Sans Medium"/>
+                <a:sym typeface="Open Sans Medium"/>
+              </a:rPr>
+              <a:t>, </a:t>
+            </a:r>
+            <a:r>
+              <a:rPr lang="es-ES" sz="2200" dirty="0" err="1">
+                <a:latin typeface="Open Sans Medium"/>
+                <a:ea typeface="Open Sans Medium"/>
+                <a:cs typeface="Open Sans Medium"/>
+                <a:sym typeface="Open Sans Medium"/>
+              </a:rPr>
+              <a:t>complex</a:t>
+            </a:r>
+            <a:r>
+              <a:rPr lang="es-ES" sz="2200" dirty="0">
+                <a:latin typeface="Open Sans Medium"/>
+                <a:ea typeface="Open Sans Medium"/>
+                <a:cs typeface="Open Sans Medium"/>
+                <a:sym typeface="Open Sans Medium"/>
+              </a:rPr>
+              <a:t> </a:t>
+            </a:r>
+            <a:r>
+              <a:rPr lang="es-ES" sz="2200" dirty="0" err="1">
+                <a:latin typeface="Open Sans Medium"/>
+                <a:ea typeface="Open Sans Medium"/>
+                <a:cs typeface="Open Sans Medium"/>
+                <a:sym typeface="Open Sans Medium"/>
+              </a:rPr>
+              <a:t>constraints</a:t>
+            </a:r>
+            <a:r>
+              <a:rPr lang="es-ES" sz="2200" dirty="0">
+                <a:latin typeface="Open Sans Medium"/>
+                <a:ea typeface="Open Sans Medium"/>
+                <a:cs typeface="Open Sans Medium"/>
+                <a:sym typeface="Open Sans Medium"/>
+              </a:rPr>
+              <a:t>, etc.), </a:t>
+            </a:r>
+            <a:r>
+              <a:rPr lang="es-ES" sz="2200" dirty="0" err="1">
+                <a:latin typeface="Open Sans Medium"/>
+                <a:ea typeface="Open Sans Medium"/>
+                <a:cs typeface="Open Sans Medium"/>
+                <a:sym typeface="Open Sans Medium"/>
+              </a:rPr>
+              <a:t>the</a:t>
+            </a:r>
+            <a:r>
+              <a:rPr lang="es-ES" sz="2200" dirty="0">
+                <a:latin typeface="Open Sans Medium"/>
+                <a:ea typeface="Open Sans Medium"/>
+                <a:cs typeface="Open Sans Medium"/>
+                <a:sym typeface="Open Sans Medium"/>
+              </a:rPr>
+              <a:t> total </a:t>
+            </a:r>
+            <a:r>
+              <a:rPr lang="es-ES" sz="2200" dirty="0" err="1">
+                <a:latin typeface="Open Sans Medium"/>
+                <a:ea typeface="Open Sans Medium"/>
+                <a:cs typeface="Open Sans Medium"/>
+                <a:sym typeface="Open Sans Medium"/>
+              </a:rPr>
+              <a:t>solution</a:t>
+            </a:r>
+            <a:r>
+              <a:rPr lang="es-ES" sz="2200" dirty="0">
+                <a:latin typeface="Open Sans Medium"/>
+                <a:ea typeface="Open Sans Medium"/>
+                <a:cs typeface="Open Sans Medium"/>
+                <a:sym typeface="Open Sans Medium"/>
+              </a:rPr>
+              <a:t> </a:t>
+            </a:r>
+            <a:r>
+              <a:rPr lang="es-ES" sz="2200" dirty="0" err="1">
+                <a:latin typeface="Open Sans Medium"/>
+                <a:ea typeface="Open Sans Medium"/>
+                <a:cs typeface="Open Sans Medium"/>
+                <a:sym typeface="Open Sans Medium"/>
+              </a:rPr>
+              <a:t>space</a:t>
+            </a:r>
+            <a:r>
+              <a:rPr lang="es-ES" sz="2200" dirty="0">
+                <a:latin typeface="Open Sans Medium"/>
+                <a:ea typeface="Open Sans Medium"/>
+                <a:cs typeface="Open Sans Medium"/>
+                <a:sym typeface="Open Sans Medium"/>
+              </a:rPr>
+              <a:t> </a:t>
+            </a:r>
+            <a:r>
+              <a:rPr lang="es-ES" sz="2200" dirty="0" err="1">
+                <a:latin typeface="Open Sans Medium"/>
+                <a:ea typeface="Open Sans Medium"/>
+                <a:cs typeface="Open Sans Medium"/>
+                <a:sym typeface="Open Sans Medium"/>
+              </a:rPr>
+              <a:t>for</a:t>
+            </a:r>
+            <a:r>
+              <a:rPr lang="es-ES" sz="2200" dirty="0">
+                <a:latin typeface="Open Sans Medium"/>
+                <a:ea typeface="Open Sans Medium"/>
+                <a:cs typeface="Open Sans Medium"/>
+                <a:sym typeface="Open Sans Medium"/>
+              </a:rPr>
+              <a:t> a MILP </a:t>
+            </a:r>
+            <a:r>
+              <a:rPr lang="es-ES" sz="2200" dirty="0" err="1">
+                <a:latin typeface="Open Sans Medium"/>
+                <a:ea typeface="Open Sans Medium"/>
+                <a:cs typeface="Open Sans Medium"/>
+                <a:sym typeface="Open Sans Medium"/>
+              </a:rPr>
+              <a:t>is</a:t>
+            </a:r>
+            <a:r>
+              <a:rPr lang="es-ES" sz="2200" dirty="0">
+                <a:latin typeface="Open Sans Medium"/>
+                <a:ea typeface="Open Sans Medium"/>
+                <a:cs typeface="Open Sans Medium"/>
+                <a:sym typeface="Open Sans Medium"/>
+              </a:rPr>
+              <a:t> </a:t>
+            </a:r>
+            <a:r>
+              <a:rPr lang="es-ES" sz="2200" dirty="0" err="1">
+                <a:latin typeface="Open Sans Medium"/>
+                <a:ea typeface="Open Sans Medium"/>
+                <a:cs typeface="Open Sans Medium"/>
+                <a:sym typeface="Open Sans Medium"/>
+              </a:rPr>
+              <a:t>massive</a:t>
+            </a:r>
+            <a:r>
+              <a:rPr lang="es-ES" sz="2200" dirty="0">
+                <a:latin typeface="Open Sans Medium"/>
+                <a:ea typeface="Open Sans Medium"/>
+                <a:cs typeface="Open Sans Medium"/>
+                <a:sym typeface="Open Sans Medium"/>
+              </a:rPr>
+              <a:t> and usual </a:t>
+            </a:r>
+            <a:r>
+              <a:rPr lang="es-ES" sz="2200" dirty="0" err="1">
+                <a:latin typeface="Open Sans Medium"/>
+                <a:ea typeface="Open Sans Medium"/>
+                <a:cs typeface="Open Sans Medium"/>
+                <a:sym typeface="Open Sans Medium"/>
+              </a:rPr>
+              <a:t>approaches</a:t>
+            </a:r>
+            <a:r>
+              <a:rPr lang="es-ES" sz="2200" dirty="0">
+                <a:latin typeface="Open Sans Medium"/>
+                <a:ea typeface="Open Sans Medium"/>
+                <a:cs typeface="Open Sans Medium"/>
+                <a:sym typeface="Open Sans Medium"/>
+              </a:rPr>
+              <a:t> are </a:t>
+            </a:r>
+            <a:r>
+              <a:rPr lang="es-ES" sz="2200" u="sng" dirty="0" err="1">
                 <a:latin typeface="Open Sans Medium"/>
                 <a:ea typeface="Open Sans Medium"/>
                 <a:cs typeface="Open Sans Medium"/>
@@ -14373,7 +18915,7 @@
               <a:t>inefficient</a:t>
             </a:r>
             <a:r>
-              <a:rPr lang="es-ES" sz="2200">
+              <a:rPr lang="es-ES" sz="2200" dirty="0">
                 <a:latin typeface="Open Sans Medium"/>
                 <a:ea typeface="Open Sans Medium"/>
                 <a:cs typeface="Open Sans Medium"/>
@@ -14381,7 +18923,7 @@
               </a:rPr>
               <a:t>.</a:t>
             </a:r>
-            <a:endParaRPr sz="2200">
+            <a:endParaRPr sz="2200" dirty="0">
               <a:latin typeface="Open Sans Medium"/>
               <a:ea typeface="Open Sans Medium"/>
               <a:cs typeface="Open Sans Medium"/>
@@ -14405,7 +18947,7 @@
               <a:buSzPts val="2800"/>
               <a:buNone/>
             </a:pPr>
-            <a:endParaRPr sz="2200">
+            <a:endParaRPr sz="2200" dirty="0">
               <a:latin typeface="Open Sans Medium"/>
               <a:ea typeface="Open Sans Medium"/>
               <a:cs typeface="Open Sans Medium"/>
@@ -14427,7 +18969,7 @@
               <a:buNone/>
             </a:pPr>
             <a:r>
-              <a:rPr lang="es-ES" sz="2200" b="1">
+              <a:rPr lang="es-ES" sz="2200" b="1" dirty="0" err="1">
                 <a:latin typeface="Open Sans"/>
                 <a:ea typeface="Open Sans"/>
                 <a:cs typeface="Open Sans"/>
@@ -14436,7 +18978,7 @@
               <a:t>Solution</a:t>
             </a:r>
             <a:r>
-              <a:rPr lang="es-ES" sz="2200">
+              <a:rPr lang="es-ES" sz="2200" dirty="0">
                 <a:latin typeface="Open Sans Medium"/>
                 <a:ea typeface="Open Sans Medium"/>
                 <a:cs typeface="Open Sans Medium"/>
@@ -14445,15 +18987,276 @@
               <a:t>: </a:t>
             </a:r>
             <a:r>
-              <a:rPr lang="es-ES" sz="2100">
-                <a:latin typeface="Open Sans Medium"/>
-                <a:ea typeface="Open Sans Medium"/>
-                <a:cs typeface="Open Sans Medium"/>
-                <a:sym typeface="Open Sans Medium"/>
-              </a:rPr>
-              <a:t>Quantum Warm-Starting. To provide the classical solver with an initial, high-quality guess for the Discrete Variables using a quantum algorithm</a:t>
-            </a:r>
-            <a:endParaRPr sz="2100">
+              <a:rPr lang="es-ES" sz="2100" dirty="0">
+                <a:latin typeface="Open Sans Medium"/>
+                <a:ea typeface="Open Sans Medium"/>
+                <a:cs typeface="Open Sans Medium"/>
+                <a:sym typeface="Open Sans Medium"/>
+              </a:rPr>
+              <a:t>Quantum </a:t>
+            </a:r>
+            <a:r>
+              <a:rPr lang="es-ES" sz="2100" dirty="0" err="1">
+                <a:latin typeface="Open Sans Medium"/>
+                <a:ea typeface="Open Sans Medium"/>
+                <a:cs typeface="Open Sans Medium"/>
+                <a:sym typeface="Open Sans Medium"/>
+              </a:rPr>
+              <a:t>Warm-Starting</a:t>
+            </a:r>
+            <a:r>
+              <a:rPr lang="es-ES" sz="2100" dirty="0">
+                <a:latin typeface="Open Sans Medium"/>
+                <a:ea typeface="Open Sans Medium"/>
+                <a:cs typeface="Open Sans Medium"/>
+                <a:sym typeface="Open Sans Medium"/>
+              </a:rPr>
+              <a:t>. </a:t>
+            </a:r>
+            <a:r>
+              <a:rPr lang="es-ES" sz="2100" dirty="0" err="1">
+                <a:latin typeface="Open Sans Medium"/>
+                <a:ea typeface="Open Sans Medium"/>
+                <a:cs typeface="Open Sans Medium"/>
+                <a:sym typeface="Open Sans Medium"/>
+              </a:rPr>
+              <a:t>To</a:t>
+            </a:r>
+            <a:r>
+              <a:rPr lang="es-ES" sz="2100" dirty="0">
+                <a:latin typeface="Open Sans Medium"/>
+                <a:ea typeface="Open Sans Medium"/>
+                <a:cs typeface="Open Sans Medium"/>
+                <a:sym typeface="Open Sans Medium"/>
+              </a:rPr>
+              <a:t> </a:t>
+            </a:r>
+            <a:r>
+              <a:rPr lang="es-ES" sz="2100" dirty="0" err="1">
+                <a:latin typeface="Open Sans Medium"/>
+                <a:ea typeface="Open Sans Medium"/>
+                <a:cs typeface="Open Sans Medium"/>
+                <a:sym typeface="Open Sans Medium"/>
+              </a:rPr>
+              <a:t>provide</a:t>
+            </a:r>
+            <a:r>
+              <a:rPr lang="es-ES" sz="2100" dirty="0">
+                <a:latin typeface="Open Sans Medium"/>
+                <a:ea typeface="Open Sans Medium"/>
+                <a:cs typeface="Open Sans Medium"/>
+                <a:sym typeface="Open Sans Medium"/>
+              </a:rPr>
+              <a:t> </a:t>
+            </a:r>
+            <a:r>
+              <a:rPr lang="es-ES" sz="2100" dirty="0" err="1">
+                <a:latin typeface="Open Sans Medium"/>
+                <a:ea typeface="Open Sans Medium"/>
+                <a:cs typeface="Open Sans Medium"/>
+                <a:sym typeface="Open Sans Medium"/>
+              </a:rPr>
+              <a:t>the</a:t>
+            </a:r>
+            <a:r>
+              <a:rPr lang="es-ES" sz="2100" dirty="0">
+                <a:latin typeface="Open Sans Medium"/>
+                <a:ea typeface="Open Sans Medium"/>
+                <a:cs typeface="Open Sans Medium"/>
+                <a:sym typeface="Open Sans Medium"/>
+              </a:rPr>
+              <a:t> </a:t>
+            </a:r>
+            <a:r>
+              <a:rPr lang="es-ES" sz="2100" dirty="0" err="1">
+                <a:latin typeface="Open Sans Medium"/>
+                <a:ea typeface="Open Sans Medium"/>
+                <a:cs typeface="Open Sans Medium"/>
+                <a:sym typeface="Open Sans Medium"/>
+              </a:rPr>
+              <a:t>classical</a:t>
+            </a:r>
+            <a:r>
+              <a:rPr lang="es-ES" sz="2100" dirty="0">
+                <a:latin typeface="Open Sans Medium"/>
+                <a:ea typeface="Open Sans Medium"/>
+                <a:cs typeface="Open Sans Medium"/>
+                <a:sym typeface="Open Sans Medium"/>
+              </a:rPr>
+              <a:t> </a:t>
+            </a:r>
+            <a:r>
+              <a:rPr lang="es-ES" sz="2100" dirty="0" err="1">
+                <a:latin typeface="Open Sans Medium"/>
+                <a:ea typeface="Open Sans Medium"/>
+                <a:cs typeface="Open Sans Medium"/>
+                <a:sym typeface="Open Sans Medium"/>
+              </a:rPr>
+              <a:t>solver</a:t>
+            </a:r>
+            <a:r>
+              <a:rPr lang="es-ES" sz="2100" dirty="0">
+                <a:latin typeface="Open Sans Medium"/>
+                <a:ea typeface="Open Sans Medium"/>
+                <a:cs typeface="Open Sans Medium"/>
+                <a:sym typeface="Open Sans Medium"/>
+              </a:rPr>
+              <a:t> </a:t>
+            </a:r>
+            <a:r>
+              <a:rPr lang="es-ES" sz="2100" dirty="0" err="1">
+                <a:latin typeface="Open Sans Medium"/>
+                <a:ea typeface="Open Sans Medium"/>
+                <a:cs typeface="Open Sans Medium"/>
+                <a:sym typeface="Open Sans Medium"/>
+              </a:rPr>
+              <a:t>with</a:t>
+            </a:r>
+            <a:r>
+              <a:rPr lang="es-ES" sz="2100" dirty="0">
+                <a:latin typeface="Open Sans Medium"/>
+                <a:ea typeface="Open Sans Medium"/>
+                <a:cs typeface="Open Sans Medium"/>
+                <a:sym typeface="Open Sans Medium"/>
+              </a:rPr>
+              <a:t> </a:t>
+            </a:r>
+            <a:r>
+              <a:rPr lang="es-ES" sz="2100" dirty="0" err="1">
+                <a:latin typeface="Open Sans Medium"/>
+                <a:ea typeface="Open Sans Medium"/>
+                <a:cs typeface="Open Sans Medium"/>
+                <a:sym typeface="Open Sans Medium"/>
+              </a:rPr>
+              <a:t>an</a:t>
+            </a:r>
+            <a:r>
+              <a:rPr lang="es-ES" sz="2100" dirty="0">
+                <a:latin typeface="Open Sans Medium"/>
+                <a:ea typeface="Open Sans Medium"/>
+                <a:cs typeface="Open Sans Medium"/>
+                <a:sym typeface="Open Sans Medium"/>
+              </a:rPr>
+              <a:t> </a:t>
+            </a:r>
+            <a:r>
+              <a:rPr lang="es-ES" sz="2100" dirty="0" err="1">
+                <a:latin typeface="Open Sans Medium"/>
+                <a:ea typeface="Open Sans Medium"/>
+                <a:cs typeface="Open Sans Medium"/>
+                <a:sym typeface="Open Sans Medium"/>
+              </a:rPr>
+              <a:t>initial</a:t>
+            </a:r>
+            <a:r>
+              <a:rPr lang="es-ES" sz="2100" dirty="0">
+                <a:latin typeface="Open Sans Medium"/>
+                <a:ea typeface="Open Sans Medium"/>
+                <a:cs typeface="Open Sans Medium"/>
+                <a:sym typeface="Open Sans Medium"/>
+              </a:rPr>
+              <a:t>, </a:t>
+            </a:r>
+            <a:r>
+              <a:rPr lang="es-ES" sz="2100" dirty="0" err="1">
+                <a:latin typeface="Open Sans Medium"/>
+                <a:ea typeface="Open Sans Medium"/>
+                <a:cs typeface="Open Sans Medium"/>
+                <a:sym typeface="Open Sans Medium"/>
+              </a:rPr>
+              <a:t>high-quality</a:t>
+            </a:r>
+            <a:r>
+              <a:rPr lang="es-ES" sz="2100" dirty="0">
+                <a:latin typeface="Open Sans Medium"/>
+                <a:ea typeface="Open Sans Medium"/>
+                <a:cs typeface="Open Sans Medium"/>
+                <a:sym typeface="Open Sans Medium"/>
+              </a:rPr>
+              <a:t> </a:t>
+            </a:r>
+            <a:r>
+              <a:rPr lang="es-ES" sz="2100" dirty="0" err="1">
+                <a:latin typeface="Open Sans Medium"/>
+                <a:ea typeface="Open Sans Medium"/>
+                <a:cs typeface="Open Sans Medium"/>
+                <a:sym typeface="Open Sans Medium"/>
+              </a:rPr>
+              <a:t>guess</a:t>
+            </a:r>
+            <a:r>
+              <a:rPr lang="es-ES" sz="2100" dirty="0">
+                <a:latin typeface="Open Sans Medium"/>
+                <a:ea typeface="Open Sans Medium"/>
+                <a:cs typeface="Open Sans Medium"/>
+                <a:sym typeface="Open Sans Medium"/>
+              </a:rPr>
+              <a:t> </a:t>
+            </a:r>
+            <a:r>
+              <a:rPr lang="es-ES" sz="2100" dirty="0" err="1">
+                <a:latin typeface="Open Sans Medium"/>
+                <a:ea typeface="Open Sans Medium"/>
+                <a:cs typeface="Open Sans Medium"/>
+                <a:sym typeface="Open Sans Medium"/>
+              </a:rPr>
+              <a:t>for</a:t>
+            </a:r>
+            <a:r>
+              <a:rPr lang="es-ES" sz="2100" dirty="0">
+                <a:latin typeface="Open Sans Medium"/>
+                <a:ea typeface="Open Sans Medium"/>
+                <a:cs typeface="Open Sans Medium"/>
+                <a:sym typeface="Open Sans Medium"/>
+              </a:rPr>
+              <a:t> </a:t>
+            </a:r>
+            <a:r>
+              <a:rPr lang="es-ES" sz="2100" dirty="0" err="1">
+                <a:latin typeface="Open Sans Medium"/>
+                <a:ea typeface="Open Sans Medium"/>
+                <a:cs typeface="Open Sans Medium"/>
+                <a:sym typeface="Open Sans Medium"/>
+              </a:rPr>
+              <a:t>the</a:t>
+            </a:r>
+            <a:r>
+              <a:rPr lang="es-ES" sz="2100" dirty="0">
+                <a:latin typeface="Open Sans Medium"/>
+                <a:ea typeface="Open Sans Medium"/>
+                <a:cs typeface="Open Sans Medium"/>
+                <a:sym typeface="Open Sans Medium"/>
+              </a:rPr>
+              <a:t> Discrete Variables </a:t>
+            </a:r>
+            <a:r>
+              <a:rPr lang="es-ES" sz="2100" dirty="0" err="1">
+                <a:latin typeface="Open Sans Medium"/>
+                <a:ea typeface="Open Sans Medium"/>
+                <a:cs typeface="Open Sans Medium"/>
+                <a:sym typeface="Open Sans Medium"/>
+              </a:rPr>
+              <a:t>using</a:t>
+            </a:r>
+            <a:r>
+              <a:rPr lang="es-ES" sz="2100" dirty="0">
+                <a:latin typeface="Open Sans Medium"/>
+                <a:ea typeface="Open Sans Medium"/>
+                <a:cs typeface="Open Sans Medium"/>
+                <a:sym typeface="Open Sans Medium"/>
+              </a:rPr>
+              <a:t> a quantum </a:t>
+            </a:r>
+            <a:r>
+              <a:rPr lang="es-ES" sz="2100" dirty="0" err="1">
+                <a:latin typeface="Open Sans Medium"/>
+                <a:ea typeface="Open Sans Medium"/>
+                <a:cs typeface="Open Sans Medium"/>
+                <a:sym typeface="Open Sans Medium"/>
+              </a:rPr>
+              <a:t>algorithm</a:t>
+            </a:r>
+            <a:endParaRPr sz="2100" dirty="0">
               <a:latin typeface="Open Sans Medium"/>
               <a:ea typeface="Open Sans Medium"/>
               <a:cs typeface="Open Sans Medium"/>
@@ -14477,7 +19280,7 @@
               <a:buSzPts val="2800"/>
               <a:buNone/>
             </a:pPr>
-            <a:endParaRPr sz="2200">
+            <a:endParaRPr sz="2200" dirty="0">
               <a:latin typeface="Open Sans Medium"/>
               <a:ea typeface="Open Sans Medium"/>
               <a:cs typeface="Open Sans Medium"/>
@@ -14501,7 +19304,7 @@
               <a:buSzPts val="2800"/>
               <a:buNone/>
             </a:pPr>
-            <a:endParaRPr sz="2200">
+            <a:endParaRPr sz="2200" dirty="0">
               <a:latin typeface="Open Sans Medium"/>
               <a:ea typeface="Open Sans Medium"/>
               <a:cs typeface="Open Sans Medium"/>
@@ -14522,7 +19325,7 @@
               <a:buSzPts val="2800"/>
               <a:buNone/>
             </a:pPr>
-            <a:endParaRPr sz="2200">
+            <a:endParaRPr sz="2200" dirty="0">
               <a:latin typeface="Open Sans Medium"/>
               <a:ea typeface="Open Sans Medium"/>
               <a:cs typeface="Open Sans Medium"/>
@@ -14543,7 +19346,7 @@
               <a:buSzPts val="2800"/>
               <a:buNone/>
             </a:pPr>
-            <a:endParaRPr sz="2200">
+            <a:endParaRPr sz="2200" dirty="0">
               <a:latin typeface="Open Sans Medium"/>
               <a:ea typeface="Open Sans Medium"/>
               <a:cs typeface="Open Sans Medium"/>
@@ -14564,7 +19367,7 @@
               <a:buSzPts val="2800"/>
               <a:buNone/>
             </a:pPr>
-            <a:endParaRPr sz="2200">
+            <a:endParaRPr sz="2200" dirty="0">
               <a:latin typeface="Open Sans Medium"/>
               <a:ea typeface="Open Sans Medium"/>
               <a:cs typeface="Open Sans Medium"/>
@@ -14585,7 +19388,7 @@
               <a:buSzPts val="2800"/>
               <a:buNone/>
             </a:pPr>
-            <a:endParaRPr sz="2200">
+            <a:endParaRPr sz="2200" dirty="0">
               <a:latin typeface="Open Sans Medium"/>
               <a:ea typeface="Open Sans Medium"/>
               <a:cs typeface="Open Sans Medium"/>
@@ -14606,7 +19409,7 @@
               <a:buSzPts val="2800"/>
               <a:buNone/>
             </a:pPr>
-            <a:endParaRPr sz="2200">
+            <a:endParaRPr sz="2200" dirty="0">
               <a:latin typeface="Open Sans Medium"/>
               <a:ea typeface="Open Sans Medium"/>
               <a:cs typeface="Open Sans Medium"/>
@@ -14630,7 +19433,7 @@
               <a:buSzPts val="2800"/>
               <a:buNone/>
             </a:pPr>
-            <a:endParaRPr sz="2200">
+            <a:endParaRPr sz="2200" dirty="0">
               <a:latin typeface="Open Sans Medium"/>
               <a:ea typeface="Open Sans Medium"/>
               <a:cs typeface="Open Sans Medium"/>
@@ -14654,7 +19457,7 @@
               <a:buSzPts val="2800"/>
               <a:buNone/>
             </a:pPr>
-            <a:endParaRPr sz="2200">
+            <a:endParaRPr sz="2200" dirty="0">
               <a:latin typeface="Open Sans Medium"/>
               <a:ea typeface="Open Sans Medium"/>
               <a:cs typeface="Open Sans Medium"/>
@@ -14676,7 +19479,7 @@
               <a:buNone/>
             </a:pPr>
             <a:r>
-              <a:rPr lang="es-ES" sz="2200" b="1">
+              <a:rPr lang="es-ES" sz="2200" b="1" dirty="0" err="1">
                 <a:latin typeface="Open Sans"/>
                 <a:ea typeface="Open Sans"/>
                 <a:cs typeface="Open Sans"/>
@@ -14685,7 +19488,7 @@
               <a:t>Conclusion</a:t>
             </a:r>
             <a:r>
-              <a:rPr lang="es-ES" sz="2200">
+              <a:rPr lang="es-ES" sz="2200" dirty="0">
                 <a:latin typeface="Open Sans Medium"/>
                 <a:ea typeface="Open Sans Medium"/>
                 <a:cs typeface="Open Sans Medium"/>
@@ -14694,51 +19497,465 @@
               <a:t>: </a:t>
             </a:r>
             <a:r>
-              <a:rPr lang="es-ES" sz="2100">
-                <a:latin typeface="Open Sans Medium"/>
-                <a:ea typeface="Open Sans Medium"/>
-                <a:cs typeface="Open Sans Medium"/>
-                <a:sym typeface="Open Sans Medium"/>
-              </a:rPr>
-              <a:t>By using the quantum-obtained guess, we transform a problem of </a:t>
-            </a:r>
-            <a:r>
-              <a:rPr lang="es-ES" sz="2100" u="sng">
-                <a:latin typeface="Open Sans Medium"/>
-                <a:ea typeface="Open Sans Medium"/>
-                <a:cs typeface="Open Sans Medium"/>
-                <a:sym typeface="Open Sans Medium"/>
-              </a:rPr>
-              <a:t>inefficient exploration</a:t>
-            </a:r>
-            <a:r>
-              <a:rPr lang="es-ES" sz="2100">
-                <a:latin typeface="Open Sans Medium"/>
-                <a:ea typeface="Open Sans Medium"/>
-                <a:cs typeface="Open Sans Medium"/>
-                <a:sym typeface="Open Sans Medium"/>
-              </a:rPr>
-              <a:t> to one of f</a:t>
-            </a:r>
-            <a:r>
-              <a:rPr lang="es-ES" sz="2100" u="sng">
-                <a:latin typeface="Open Sans Medium"/>
-                <a:ea typeface="Open Sans Medium"/>
-                <a:cs typeface="Open Sans Medium"/>
-                <a:sym typeface="Open Sans Medium"/>
-              </a:rPr>
-              <a:t>ocused, rapid exploitation</a:t>
-            </a:r>
-            <a:r>
-              <a:rPr lang="es-ES" sz="2100">
-                <a:latin typeface="Open Sans Medium"/>
-                <a:ea typeface="Open Sans Medium"/>
-                <a:cs typeface="Open Sans Medium"/>
-                <a:sym typeface="Open Sans Medium"/>
-              </a:rPr>
-              <a:t>, unlocking faster and higher-quality solution for large-scale energy systems.</a:t>
-            </a:r>
-            <a:endParaRPr sz="2100">
+              <a:rPr lang="es-ES" sz="2100" dirty="0" err="1">
+                <a:latin typeface="Open Sans Medium"/>
+                <a:ea typeface="Open Sans Medium"/>
+                <a:cs typeface="Open Sans Medium"/>
+                <a:sym typeface="Open Sans Medium"/>
+              </a:rPr>
+              <a:t>By</a:t>
+            </a:r>
+            <a:r>
+              <a:rPr lang="es-ES" sz="2100" dirty="0">
+                <a:latin typeface="Open Sans Medium"/>
+                <a:ea typeface="Open Sans Medium"/>
+                <a:cs typeface="Open Sans Medium"/>
+                <a:sym typeface="Open Sans Medium"/>
+              </a:rPr>
+              <a:t> </a:t>
+            </a:r>
+            <a:r>
+              <a:rPr lang="es-ES" sz="2100" dirty="0" err="1">
+                <a:latin typeface="Open Sans Medium"/>
+                <a:ea typeface="Open Sans Medium"/>
+                <a:cs typeface="Open Sans Medium"/>
+                <a:sym typeface="Open Sans Medium"/>
+              </a:rPr>
+              <a:t>using</a:t>
+            </a:r>
+            <a:r>
+              <a:rPr lang="es-ES" sz="2100" dirty="0">
+                <a:latin typeface="Open Sans Medium"/>
+                <a:ea typeface="Open Sans Medium"/>
+                <a:cs typeface="Open Sans Medium"/>
+                <a:sym typeface="Open Sans Medium"/>
+              </a:rPr>
+              <a:t> </a:t>
+            </a:r>
+            <a:r>
+              <a:rPr lang="es-ES" sz="2100" dirty="0" err="1">
+                <a:latin typeface="Open Sans Medium"/>
+                <a:ea typeface="Open Sans Medium"/>
+                <a:cs typeface="Open Sans Medium"/>
+                <a:sym typeface="Open Sans Medium"/>
+              </a:rPr>
+              <a:t>the</a:t>
+            </a:r>
+            <a:r>
+              <a:rPr lang="es-ES" sz="2100" dirty="0">
+                <a:latin typeface="Open Sans Medium"/>
+                <a:ea typeface="Open Sans Medium"/>
+                <a:cs typeface="Open Sans Medium"/>
+                <a:sym typeface="Open Sans Medium"/>
+              </a:rPr>
+              <a:t> quantum-</a:t>
+            </a:r>
+            <a:r>
+              <a:rPr lang="es-ES" sz="2100" dirty="0" err="1">
+                <a:latin typeface="Open Sans Medium"/>
+                <a:ea typeface="Open Sans Medium"/>
+                <a:cs typeface="Open Sans Medium"/>
+                <a:sym typeface="Open Sans Medium"/>
+              </a:rPr>
+              <a:t>obtained</a:t>
+            </a:r>
+            <a:r>
+              <a:rPr lang="es-ES" sz="2100" dirty="0">
+                <a:latin typeface="Open Sans Medium"/>
+                <a:ea typeface="Open Sans Medium"/>
+                <a:cs typeface="Open Sans Medium"/>
+                <a:sym typeface="Open Sans Medium"/>
+              </a:rPr>
+              <a:t> </a:t>
+            </a:r>
+            <a:r>
+              <a:rPr lang="es-ES" sz="2100" dirty="0" err="1">
+                <a:latin typeface="Open Sans Medium"/>
+                <a:ea typeface="Open Sans Medium"/>
+                <a:cs typeface="Open Sans Medium"/>
+                <a:sym typeface="Open Sans Medium"/>
+              </a:rPr>
+              <a:t>guess</a:t>
+            </a:r>
+            <a:r>
+              <a:rPr lang="es-ES" sz="2100" dirty="0">
+                <a:latin typeface="Open Sans Medium"/>
+                <a:ea typeface="Open Sans Medium"/>
+                <a:cs typeface="Open Sans Medium"/>
+                <a:sym typeface="Open Sans Medium"/>
+              </a:rPr>
+              <a:t>, </a:t>
+            </a:r>
+            <a:r>
+              <a:rPr lang="es-ES" sz="2100" dirty="0" err="1">
+                <a:latin typeface="Open Sans Medium"/>
+                <a:ea typeface="Open Sans Medium"/>
+                <a:cs typeface="Open Sans Medium"/>
+                <a:sym typeface="Open Sans Medium"/>
+              </a:rPr>
+              <a:t>we</a:t>
+            </a:r>
+            <a:r>
+              <a:rPr lang="es-ES" sz="2100" dirty="0">
+                <a:latin typeface="Open Sans Medium"/>
+                <a:ea typeface="Open Sans Medium"/>
+                <a:cs typeface="Open Sans Medium"/>
+                <a:sym typeface="Open Sans Medium"/>
+              </a:rPr>
+              <a:t> </a:t>
+            </a:r>
+            <a:r>
+              <a:rPr lang="es-ES" sz="2100" dirty="0" err="1">
+                <a:latin typeface="Open Sans Medium"/>
+                <a:ea typeface="Open Sans Medium"/>
+                <a:cs typeface="Open Sans Medium"/>
+                <a:sym typeface="Open Sans Medium"/>
+              </a:rPr>
+              <a:t>transform</a:t>
+            </a:r>
+            <a:r>
+              <a:rPr lang="es-ES" sz="2100" dirty="0">
+                <a:latin typeface="Open Sans Medium"/>
+                <a:ea typeface="Open Sans Medium"/>
+                <a:cs typeface="Open Sans Medium"/>
+                <a:sym typeface="Open Sans Medium"/>
+              </a:rPr>
+              <a:t> a </a:t>
+            </a:r>
+            <a:r>
+              <a:rPr lang="es-ES" sz="2100" dirty="0" err="1">
+                <a:latin typeface="Open Sans Medium"/>
+                <a:ea typeface="Open Sans Medium"/>
+                <a:cs typeface="Open Sans Medium"/>
+                <a:sym typeface="Open Sans Medium"/>
+              </a:rPr>
+              <a:t>problem</a:t>
+            </a:r>
+            <a:r>
+              <a:rPr lang="es-ES" sz="2100" dirty="0">
+                <a:latin typeface="Open Sans Medium"/>
+                <a:ea typeface="Open Sans Medium"/>
+                <a:cs typeface="Open Sans Medium"/>
+                <a:sym typeface="Open Sans Medium"/>
+              </a:rPr>
+              <a:t> </a:t>
+            </a:r>
+            <a:r>
+              <a:rPr lang="es-ES" sz="2100" dirty="0" err="1">
+                <a:latin typeface="Open Sans Medium"/>
+                <a:ea typeface="Open Sans Medium"/>
+                <a:cs typeface="Open Sans Medium"/>
+                <a:sym typeface="Open Sans Medium"/>
+              </a:rPr>
+              <a:t>of</a:t>
+            </a:r>
+            <a:r>
+              <a:rPr lang="es-ES" sz="2100" dirty="0">
+                <a:latin typeface="Open Sans Medium"/>
+                <a:ea typeface="Open Sans Medium"/>
+                <a:cs typeface="Open Sans Medium"/>
+                <a:sym typeface="Open Sans Medium"/>
+              </a:rPr>
+              <a:t> </a:t>
+            </a:r>
+            <a:r>
+              <a:rPr lang="es-ES" sz="2100" u="sng" dirty="0" err="1">
+                <a:latin typeface="Open Sans Medium"/>
+                <a:ea typeface="Open Sans Medium"/>
+                <a:cs typeface="Open Sans Medium"/>
+                <a:sym typeface="Open Sans Medium"/>
+              </a:rPr>
+              <a:t>inefficient</a:t>
+            </a:r>
+            <a:r>
+              <a:rPr lang="es-ES" sz="2100" u="sng" dirty="0">
+                <a:latin typeface="Open Sans Medium"/>
+                <a:ea typeface="Open Sans Medium"/>
+                <a:cs typeface="Open Sans Medium"/>
+                <a:sym typeface="Open Sans Medium"/>
+              </a:rPr>
+              <a:t> </a:t>
+            </a:r>
+            <a:r>
+              <a:rPr lang="es-ES" sz="2100" u="sng" dirty="0" err="1">
+                <a:latin typeface="Open Sans Medium"/>
+                <a:ea typeface="Open Sans Medium"/>
+                <a:cs typeface="Open Sans Medium"/>
+                <a:sym typeface="Open Sans Medium"/>
+              </a:rPr>
+              <a:t>exploration</a:t>
+            </a:r>
+            <a:r>
+              <a:rPr lang="es-ES" sz="2100" dirty="0">
+                <a:latin typeface="Open Sans Medium"/>
+                <a:ea typeface="Open Sans Medium"/>
+                <a:cs typeface="Open Sans Medium"/>
+                <a:sym typeface="Open Sans Medium"/>
+              </a:rPr>
+              <a:t> </a:t>
+            </a:r>
+            <a:r>
+              <a:rPr lang="es-ES" sz="2100" dirty="0" err="1">
+                <a:latin typeface="Open Sans Medium"/>
+                <a:ea typeface="Open Sans Medium"/>
+                <a:cs typeface="Open Sans Medium"/>
+                <a:sym typeface="Open Sans Medium"/>
+              </a:rPr>
+              <a:t>to</a:t>
+            </a:r>
+            <a:r>
+              <a:rPr lang="es-ES" sz="2100" dirty="0">
+                <a:latin typeface="Open Sans Medium"/>
+                <a:ea typeface="Open Sans Medium"/>
+                <a:cs typeface="Open Sans Medium"/>
+                <a:sym typeface="Open Sans Medium"/>
+              </a:rPr>
+              <a:t> </a:t>
+            </a:r>
+            <a:r>
+              <a:rPr lang="es-ES" sz="2100" dirty="0" err="1">
+                <a:latin typeface="Open Sans Medium"/>
+                <a:ea typeface="Open Sans Medium"/>
+                <a:cs typeface="Open Sans Medium"/>
+                <a:sym typeface="Open Sans Medium"/>
+              </a:rPr>
+              <a:t>one</a:t>
+            </a:r>
+            <a:r>
+              <a:rPr lang="es-ES" sz="2100" dirty="0">
+                <a:latin typeface="Open Sans Medium"/>
+                <a:ea typeface="Open Sans Medium"/>
+                <a:cs typeface="Open Sans Medium"/>
+                <a:sym typeface="Open Sans Medium"/>
+              </a:rPr>
+              <a:t> </a:t>
+            </a:r>
+            <a:r>
+              <a:rPr lang="es-ES" sz="2100" dirty="0" err="1">
+                <a:latin typeface="Open Sans Medium"/>
+                <a:ea typeface="Open Sans Medium"/>
+                <a:cs typeface="Open Sans Medium"/>
+                <a:sym typeface="Open Sans Medium"/>
+              </a:rPr>
+              <a:t>of</a:t>
+            </a:r>
+            <a:r>
+              <a:rPr lang="es-ES" sz="2100" dirty="0">
+                <a:latin typeface="Open Sans Medium"/>
+                <a:ea typeface="Open Sans Medium"/>
+                <a:cs typeface="Open Sans Medium"/>
+                <a:sym typeface="Open Sans Medium"/>
+              </a:rPr>
+              <a:t> </a:t>
+            </a:r>
+            <a:r>
+              <a:rPr lang="es-ES" sz="2100" dirty="0" err="1">
+                <a:latin typeface="Open Sans Medium"/>
+                <a:ea typeface="Open Sans Medium"/>
+                <a:cs typeface="Open Sans Medium"/>
+                <a:sym typeface="Open Sans Medium"/>
+              </a:rPr>
+              <a:t>f</a:t>
+            </a:r>
+            <a:r>
+              <a:rPr lang="es-ES" sz="2100" u="sng" dirty="0" err="1">
+                <a:latin typeface="Open Sans Medium"/>
+                <a:ea typeface="Open Sans Medium"/>
+                <a:cs typeface="Open Sans Medium"/>
+                <a:sym typeface="Open Sans Medium"/>
+              </a:rPr>
+              <a:t>ocused</a:t>
+            </a:r>
+            <a:r>
+              <a:rPr lang="es-ES" sz="2100" u="sng" dirty="0">
+                <a:latin typeface="Open Sans Medium"/>
+                <a:ea typeface="Open Sans Medium"/>
+                <a:cs typeface="Open Sans Medium"/>
+                <a:sym typeface="Open Sans Medium"/>
+              </a:rPr>
+              <a:t>, </a:t>
+            </a:r>
+            <a:r>
+              <a:rPr lang="es-ES" sz="2100" u="sng" dirty="0" err="1">
+                <a:latin typeface="Open Sans Medium"/>
+                <a:ea typeface="Open Sans Medium"/>
+                <a:cs typeface="Open Sans Medium"/>
+                <a:sym typeface="Open Sans Medium"/>
+              </a:rPr>
+              <a:t>rapid</a:t>
+            </a:r>
+            <a:r>
+              <a:rPr lang="es-ES" sz="2100" u="sng" dirty="0">
+                <a:latin typeface="Open Sans Medium"/>
+                <a:ea typeface="Open Sans Medium"/>
+                <a:cs typeface="Open Sans Medium"/>
+                <a:sym typeface="Open Sans Medium"/>
+              </a:rPr>
+              <a:t> </a:t>
+            </a:r>
+            <a:r>
+              <a:rPr lang="es-ES" sz="2100" u="sng" dirty="0" err="1">
+                <a:latin typeface="Open Sans Medium"/>
+                <a:ea typeface="Open Sans Medium"/>
+                <a:cs typeface="Open Sans Medium"/>
+                <a:sym typeface="Open Sans Medium"/>
+              </a:rPr>
+              <a:t>exploitation</a:t>
+            </a:r>
+            <a:r>
+              <a:rPr lang="es-ES" sz="2100" dirty="0">
+                <a:latin typeface="Open Sans Medium"/>
+                <a:ea typeface="Open Sans Medium"/>
+                <a:cs typeface="Open Sans Medium"/>
+                <a:sym typeface="Open Sans Medium"/>
+              </a:rPr>
+              <a:t>, </a:t>
+            </a:r>
+            <a:r>
+              <a:rPr lang="es-ES" sz="2100" dirty="0" err="1">
+                <a:latin typeface="Open Sans Medium"/>
+                <a:ea typeface="Open Sans Medium"/>
+                <a:cs typeface="Open Sans Medium"/>
+                <a:sym typeface="Open Sans Medium"/>
+              </a:rPr>
+              <a:t>unlocking</a:t>
+            </a:r>
+            <a:r>
+              <a:rPr lang="es-ES" sz="2100" dirty="0">
+                <a:latin typeface="Open Sans Medium"/>
+                <a:ea typeface="Open Sans Medium"/>
+                <a:cs typeface="Open Sans Medium"/>
+                <a:sym typeface="Open Sans Medium"/>
+              </a:rPr>
+              <a:t> </a:t>
+            </a:r>
+            <a:r>
+              <a:rPr lang="es-ES" sz="2100" dirty="0" err="1">
+                <a:latin typeface="Open Sans Medium"/>
+                <a:ea typeface="Open Sans Medium"/>
+                <a:cs typeface="Open Sans Medium"/>
+                <a:sym typeface="Open Sans Medium"/>
+              </a:rPr>
+              <a:t>faster</a:t>
+            </a:r>
+            <a:r>
+              <a:rPr lang="es-ES" sz="2100" dirty="0">
+                <a:latin typeface="Open Sans Medium"/>
+                <a:ea typeface="Open Sans Medium"/>
+                <a:cs typeface="Open Sans Medium"/>
+                <a:sym typeface="Open Sans Medium"/>
+              </a:rPr>
+              <a:t> and </a:t>
+            </a:r>
+            <a:r>
+              <a:rPr lang="es-ES" sz="2100" dirty="0" err="1">
+                <a:latin typeface="Open Sans Medium"/>
+                <a:ea typeface="Open Sans Medium"/>
+                <a:cs typeface="Open Sans Medium"/>
+                <a:sym typeface="Open Sans Medium"/>
+              </a:rPr>
+              <a:t>higher-quality</a:t>
+            </a:r>
+            <a:r>
+              <a:rPr lang="es-ES" sz="2100" dirty="0">
+                <a:latin typeface="Open Sans Medium"/>
+                <a:ea typeface="Open Sans Medium"/>
+                <a:cs typeface="Open Sans Medium"/>
+                <a:sym typeface="Open Sans Medium"/>
+              </a:rPr>
+              <a:t> </a:t>
+            </a:r>
+            <a:r>
+              <a:rPr lang="es-ES" sz="2100" dirty="0" err="1">
+                <a:latin typeface="Open Sans Medium"/>
+                <a:ea typeface="Open Sans Medium"/>
+                <a:cs typeface="Open Sans Medium"/>
+                <a:sym typeface="Open Sans Medium"/>
+              </a:rPr>
+              <a:t>solution</a:t>
+            </a:r>
+            <a:r>
+              <a:rPr lang="es-ES" sz="2100" dirty="0">
+                <a:latin typeface="Open Sans Medium"/>
+                <a:ea typeface="Open Sans Medium"/>
+                <a:cs typeface="Open Sans Medium"/>
+                <a:sym typeface="Open Sans Medium"/>
+              </a:rPr>
+              <a:t> </a:t>
+            </a:r>
+            <a:r>
+              <a:rPr lang="es-ES" sz="2100" dirty="0" err="1">
+                <a:latin typeface="Open Sans Medium"/>
+                <a:ea typeface="Open Sans Medium"/>
+                <a:cs typeface="Open Sans Medium"/>
+                <a:sym typeface="Open Sans Medium"/>
+              </a:rPr>
+              <a:t>for</a:t>
+            </a:r>
+            <a:r>
+              <a:rPr lang="es-ES" sz="2100" dirty="0">
+                <a:latin typeface="Open Sans Medium"/>
+                <a:ea typeface="Open Sans Medium"/>
+                <a:cs typeface="Open Sans Medium"/>
+                <a:sym typeface="Open Sans Medium"/>
+              </a:rPr>
+              <a:t> </a:t>
+            </a:r>
+            <a:r>
+              <a:rPr lang="es-ES" sz="2100" dirty="0" err="1">
+                <a:latin typeface="Open Sans Medium"/>
+                <a:ea typeface="Open Sans Medium"/>
+                <a:cs typeface="Open Sans Medium"/>
+                <a:sym typeface="Open Sans Medium"/>
+              </a:rPr>
+              <a:t>large-scale</a:t>
+            </a:r>
+            <a:r>
+              <a:rPr lang="es-ES" sz="2100" dirty="0">
+                <a:latin typeface="Open Sans Medium"/>
+                <a:ea typeface="Open Sans Medium"/>
+                <a:cs typeface="Open Sans Medium"/>
+                <a:sym typeface="Open Sans Medium"/>
+              </a:rPr>
+              <a:t> </a:t>
+            </a:r>
+            <a:r>
+              <a:rPr lang="es-ES" sz="2100" dirty="0" err="1">
+                <a:latin typeface="Open Sans Medium"/>
+                <a:ea typeface="Open Sans Medium"/>
+                <a:cs typeface="Open Sans Medium"/>
+                <a:sym typeface="Open Sans Medium"/>
+              </a:rPr>
+              <a:t>energy</a:t>
+            </a:r>
+            <a:r>
+              <a:rPr lang="es-ES" sz="2100" dirty="0">
+                <a:latin typeface="Open Sans Medium"/>
+                <a:ea typeface="Open Sans Medium"/>
+                <a:cs typeface="Open Sans Medium"/>
+                <a:sym typeface="Open Sans Medium"/>
+              </a:rPr>
+              <a:t> </a:t>
+            </a:r>
+            <a:r>
+              <a:rPr lang="es-ES" sz="2100" dirty="0" err="1">
+                <a:latin typeface="Open Sans Medium"/>
+                <a:ea typeface="Open Sans Medium"/>
+                <a:cs typeface="Open Sans Medium"/>
+                <a:sym typeface="Open Sans Medium"/>
+              </a:rPr>
+              <a:t>systems</a:t>
+            </a:r>
+            <a:r>
+              <a:rPr lang="es-ES" sz="2100" dirty="0">
+                <a:latin typeface="Open Sans Medium"/>
+                <a:ea typeface="Open Sans Medium"/>
+                <a:cs typeface="Open Sans Medium"/>
+                <a:sym typeface="Open Sans Medium"/>
+              </a:rPr>
+              <a:t>.</a:t>
+            </a:r>
+            <a:endParaRPr sz="2100" dirty="0">
               <a:latin typeface="Open Sans Medium"/>
               <a:ea typeface="Open Sans Medium"/>
               <a:cs typeface="Open Sans Medium"/>
@@ -14759,7 +19976,7 @@
               <a:buSzPts val="2800"/>
               <a:buNone/>
             </a:pPr>
-            <a:endParaRPr sz="2200" b="1">
+            <a:endParaRPr sz="2200" b="1" dirty="0">
               <a:latin typeface="Open Sans"/>
               <a:ea typeface="Open Sans"/>
               <a:cs typeface="Open Sans"/>
@@ -14977,55 +20194,6 @@
       </p:sp>
       <p:sp>
         <p:nvSpPr>
-          <p:cNvPr id="145" name="Google Shape;145;g3b05c13414c_0_5"/>
-          <p:cNvSpPr/>
-          <p:nvPr/>
-        </p:nvSpPr>
-        <p:spPr>
-          <a:xfrm>
-            <a:off x="7855852" y="3753150"/>
-            <a:ext cx="1479600" cy="345000"/>
-          </a:xfrm>
-          <a:prstGeom prst="rightArrow">
-            <a:avLst>
-              <a:gd name="adj1" fmla="val 50000"/>
-              <a:gd name="adj2" fmla="val 50000"/>
-            </a:avLst>
-          </a:prstGeom>
-          <a:solidFill>
-            <a:schemeClr val="lt2"/>
-          </a:solidFill>
-          <a:ln w="9525" cap="flat" cmpd="sng">
-            <a:solidFill>
-              <a:schemeClr val="dk2"/>
-            </a:solidFill>
-            <a:prstDash val="solid"/>
-            <a:round/>
-            <a:headEnd type="none" w="sm" len="sm"/>
-            <a:tailEnd type="none" w="sm" len="sm"/>
-          </a:ln>
-        </p:spPr>
-        <p:txBody>
-          <a:bodyPr spcFirstLastPara="1" wrap="square" lIns="91425" tIns="91425" rIns="91425" bIns="91425" anchor="ctr" anchorCtr="0">
-            <a:noAutofit/>
-          </a:bodyPr>
-          <a:lstStyle/>
-          <a:p>
-            <a:pPr marL="0" lvl="0" indent="0" algn="ctr" rtl="0">
-              <a:spcBef>
-                <a:spcPts val="0"/>
-              </a:spcBef>
-              <a:spcAft>
-                <a:spcPts val="0"/>
-              </a:spcAft>
-              <a:buNone/>
-            </a:pPr>
-            <a:endParaRPr/>
-          </a:p>
-        </p:txBody>
-      </p:sp>
-      <p:sp>
-        <p:nvSpPr>
           <p:cNvPr id="146" name="Google Shape;146;g3b05c13414c_0_5"/>
           <p:cNvSpPr txBox="1"/>
           <p:nvPr/>
@@ -15182,7 +20350,7 @@
         </p:nvSpPr>
         <p:spPr>
           <a:xfrm>
-            <a:off x="9620449" y="3529360"/>
+            <a:off x="9629593" y="3415650"/>
             <a:ext cx="1866300" cy="1020000"/>
           </a:xfrm>
           <a:prstGeom prst="rect">
@@ -15209,18 +20377,89 @@
               <a:buNone/>
             </a:pPr>
             <a:r>
-              <a:rPr lang="es-ES" sz="3000" b="1">
-                <a:solidFill>
-                  <a:schemeClr val="dk1"/>
-                </a:solidFill>
-              </a:rPr>
-              <a:t>Efficient solution</a:t>
-            </a:r>
-            <a:endParaRPr sz="3000" b="1">
+              <a:rPr lang="es-ES" sz="3000" b="1" dirty="0" err="1">
+                <a:solidFill>
+                  <a:schemeClr val="dk1"/>
+                </a:solidFill>
+              </a:rPr>
+              <a:t>Efficient</a:t>
+            </a:r>
+            <a:r>
+              <a:rPr lang="es-ES" sz="3000" b="1" dirty="0">
+                <a:solidFill>
+                  <a:schemeClr val="dk1"/>
+                </a:solidFill>
+              </a:rPr>
+              <a:t> </a:t>
+            </a:r>
+            <a:r>
+              <a:rPr lang="es-ES" sz="3000" b="1" dirty="0" err="1">
+                <a:solidFill>
+                  <a:schemeClr val="dk1"/>
+                </a:solidFill>
+              </a:rPr>
+              <a:t>solution</a:t>
+            </a:r>
+            <a:endParaRPr sz="3000" b="1" dirty="0">
               <a:solidFill>
                 <a:schemeClr val="dk1"/>
               </a:solidFill>
             </a:endParaRPr>
+          </a:p>
+        </p:txBody>
+      </p:sp>
+      <p:sp>
+        <p:nvSpPr>
+          <p:cNvPr id="2" name="Google Shape;159;g3b05c13414c_0_73">
+            <a:extLst>
+              <a:ext uri="{FF2B5EF4-FFF2-40B4-BE49-F238E27FC236}">
+                <a16:creationId xmlns:a16="http://schemas.microsoft.com/office/drawing/2014/main" id="{EA95C1E4-2E27-CDFE-6D3F-283F12C9BF73}"/>
+              </a:ext>
+            </a:extLst>
+          </p:cNvPr>
+          <p:cNvSpPr/>
+          <p:nvPr/>
+        </p:nvSpPr>
+        <p:spPr>
+          <a:xfrm>
+            <a:off x="7855852" y="3673688"/>
+            <a:ext cx="907451" cy="424462"/>
+          </a:xfrm>
+          <a:prstGeom prst="rightArrow">
+            <a:avLst>
+              <a:gd name="adj1" fmla="val 50000"/>
+              <a:gd name="adj2" fmla="val 50000"/>
+            </a:avLst>
+          </a:prstGeom>
+          <a:solidFill>
+            <a:schemeClr val="lt2"/>
+          </a:solidFill>
+          <a:ln w="9525" cap="flat" cmpd="sng">
+            <a:solidFill>
+              <a:schemeClr val="dk2"/>
+            </a:solidFill>
+            <a:prstDash val="solid"/>
+            <a:round/>
+            <a:headEnd type="none" w="sm" len="sm"/>
+            <a:tailEnd type="none" w="sm" len="sm"/>
+          </a:ln>
+        </p:spPr>
+        <p:txBody>
+          <a:bodyPr spcFirstLastPara="1" wrap="square" lIns="91425" tIns="91425" rIns="91425" bIns="91425" anchor="ctr" anchorCtr="0">
+            <a:noAutofit/>
+          </a:bodyPr>
+          <a:lstStyle/>
+          <a:p>
+            <a:pPr marL="0" lvl="0" indent="0" algn="ctr" rtl="0">
+              <a:spcBef>
+                <a:spcPts val="0"/>
+              </a:spcBef>
+              <a:spcAft>
+                <a:spcPts val="0"/>
+              </a:spcAft>
+              <a:buNone/>
+            </a:pPr>
+            <a:endParaRPr/>
           </a:p>
         </p:txBody>
       </p:sp>
@@ -15249,6 +20488,36 @@
           <a:chExt cx="0" cy="0"/>
         </a:xfrm>
       </p:grpSpPr>
+      <p:pic>
+        <p:nvPicPr>
+          <p:cNvPr id="3" name="Imagen 2" descr="Gráfico, Gráfico de cajas y bigotes&#10;&#10;El contenido generado por IA puede ser incorrecto.">
+            <a:extLst>
+              <a:ext uri="{FF2B5EF4-FFF2-40B4-BE49-F238E27FC236}">
+                <a16:creationId xmlns:a16="http://schemas.microsoft.com/office/drawing/2014/main" id="{B3FAA0E1-72B1-5F2D-D2B2-CC59865DB3EB}"/>
+              </a:ext>
+            </a:extLst>
+          </p:cNvPr>
+          <p:cNvPicPr>
+            <a:picLocks noChangeAspect="1"/>
+          </p:cNvPicPr>
+          <p:nvPr/>
+        </p:nvPicPr>
+        <p:blipFill>
+          <a:blip r:embed="rId3"/>
+          <a:stretch>
+            <a:fillRect/>
+          </a:stretch>
+        </p:blipFill>
+        <p:spPr>
+          <a:xfrm>
+            <a:off x="8763303" y="2874714"/>
+            <a:ext cx="3351780" cy="2175482"/>
+          </a:xfrm>
+          <a:prstGeom prst="rect">
+            <a:avLst/>
+          </a:prstGeom>
+        </p:spPr>
+      </p:pic>
       <p:sp>
         <p:nvSpPr>
           <p:cNvPr id="154" name="Google Shape;154;g3b05c13414c_0_73"/>
@@ -15295,7 +20564,7 @@
               <a:buNone/>
             </a:pPr>
             <a:r>
-              <a:rPr lang="es-ES" sz="2200" b="1">
+              <a:rPr lang="es-ES" sz="2200" b="1" dirty="0" err="1">
                 <a:latin typeface="Open Sans"/>
                 <a:ea typeface="Open Sans"/>
                 <a:cs typeface="Open Sans"/>
@@ -15304,16 +20573,304 @@
               <a:t>Motivation</a:t>
             </a:r>
             <a:r>
-              <a:rPr lang="es-ES" sz="2200">
-                <a:latin typeface="Open Sans Medium"/>
-                <a:ea typeface="Open Sans Medium"/>
-                <a:cs typeface="Open Sans Medium"/>
-                <a:sym typeface="Open Sans Medium"/>
-              </a:rPr>
-              <a:t>: For large systems (many time steps, many batteries, complex constraints, etc.), the total solution space for a MILP is massive and usual approaches are </a:t>
-            </a:r>
-            <a:r>
-              <a:rPr lang="es-ES" sz="2200" u="sng">
+              <a:rPr lang="es-ES" sz="2200" dirty="0">
+                <a:latin typeface="Open Sans Medium"/>
+                <a:ea typeface="Open Sans Medium"/>
+                <a:cs typeface="Open Sans Medium"/>
+                <a:sym typeface="Open Sans Medium"/>
+              </a:rPr>
+              <a:t>: </a:t>
+            </a:r>
+            <a:r>
+              <a:rPr lang="es-ES" sz="2200" dirty="0" err="1">
+                <a:latin typeface="Open Sans Medium"/>
+                <a:ea typeface="Open Sans Medium"/>
+                <a:cs typeface="Open Sans Medium"/>
+                <a:sym typeface="Open Sans Medium"/>
+              </a:rPr>
+              <a:t>For</a:t>
+            </a:r>
+            <a:r>
+              <a:rPr lang="es-ES" sz="2200" dirty="0">
+                <a:latin typeface="Open Sans Medium"/>
+                <a:ea typeface="Open Sans Medium"/>
+                <a:cs typeface="Open Sans Medium"/>
+                <a:sym typeface="Open Sans Medium"/>
+              </a:rPr>
+              <a:t> </a:t>
+            </a:r>
+            <a:r>
+              <a:rPr lang="es-ES" sz="2200" dirty="0" err="1">
+                <a:latin typeface="Open Sans Medium"/>
+                <a:ea typeface="Open Sans Medium"/>
+                <a:cs typeface="Open Sans Medium"/>
+                <a:sym typeface="Open Sans Medium"/>
+              </a:rPr>
+              <a:t>large</a:t>
+            </a:r>
+            <a:r>
+              <a:rPr lang="es-ES" sz="2200" dirty="0">
+                <a:latin typeface="Open Sans Medium"/>
+                <a:ea typeface="Open Sans Medium"/>
+                <a:cs typeface="Open Sans Medium"/>
+                <a:sym typeface="Open Sans Medium"/>
+              </a:rPr>
+              <a:t> </a:t>
+            </a:r>
+            <a:r>
+              <a:rPr lang="es-ES" sz="2200" dirty="0" err="1">
+                <a:latin typeface="Open Sans Medium"/>
+                <a:ea typeface="Open Sans Medium"/>
+                <a:cs typeface="Open Sans Medium"/>
+                <a:sym typeface="Open Sans Medium"/>
+              </a:rPr>
+              <a:t>systems</a:t>
+            </a:r>
+            <a:r>
+              <a:rPr lang="es-ES" sz="2200" dirty="0">
+                <a:latin typeface="Open Sans Medium"/>
+                <a:ea typeface="Open Sans Medium"/>
+                <a:cs typeface="Open Sans Medium"/>
+                <a:sym typeface="Open Sans Medium"/>
+              </a:rPr>
+              <a:t> (</a:t>
+            </a:r>
+            <a:r>
+              <a:rPr lang="es-ES" sz="2200" dirty="0" err="1">
+                <a:latin typeface="Open Sans Medium"/>
+                <a:ea typeface="Open Sans Medium"/>
+                <a:cs typeface="Open Sans Medium"/>
+                <a:sym typeface="Open Sans Medium"/>
+              </a:rPr>
+              <a:t>many</a:t>
+            </a:r>
+            <a:r>
+              <a:rPr lang="es-ES" sz="2200" dirty="0">
+                <a:latin typeface="Open Sans Medium"/>
+                <a:ea typeface="Open Sans Medium"/>
+                <a:cs typeface="Open Sans Medium"/>
+                <a:sym typeface="Open Sans Medium"/>
+              </a:rPr>
+              <a:t> time </a:t>
+            </a:r>
+            <a:r>
+              <a:rPr lang="es-ES" sz="2200" dirty="0" err="1">
+                <a:latin typeface="Open Sans Medium"/>
+                <a:ea typeface="Open Sans Medium"/>
+                <a:cs typeface="Open Sans Medium"/>
+                <a:sym typeface="Open Sans Medium"/>
+              </a:rPr>
+              <a:t>steps</a:t>
+            </a:r>
+            <a:r>
+              <a:rPr lang="es-ES" sz="2200" dirty="0">
+                <a:latin typeface="Open Sans Medium"/>
+                <a:ea typeface="Open Sans Medium"/>
+                <a:cs typeface="Open Sans Medium"/>
+                <a:sym typeface="Open Sans Medium"/>
+              </a:rPr>
+              <a:t>, </a:t>
+            </a:r>
+            <a:r>
+              <a:rPr lang="es-ES" sz="2200" dirty="0" err="1">
+                <a:latin typeface="Open Sans Medium"/>
+                <a:ea typeface="Open Sans Medium"/>
+                <a:cs typeface="Open Sans Medium"/>
+                <a:sym typeface="Open Sans Medium"/>
+              </a:rPr>
+              <a:t>many</a:t>
+            </a:r>
+            <a:r>
+              <a:rPr lang="es-ES" sz="2200" dirty="0">
+                <a:latin typeface="Open Sans Medium"/>
+                <a:ea typeface="Open Sans Medium"/>
+                <a:cs typeface="Open Sans Medium"/>
+                <a:sym typeface="Open Sans Medium"/>
+              </a:rPr>
+              <a:t> </a:t>
+            </a:r>
+            <a:r>
+              <a:rPr lang="es-ES" sz="2200" dirty="0" err="1">
+                <a:latin typeface="Open Sans Medium"/>
+                <a:ea typeface="Open Sans Medium"/>
+                <a:cs typeface="Open Sans Medium"/>
+                <a:sym typeface="Open Sans Medium"/>
+              </a:rPr>
+              <a:t>batteries</a:t>
+            </a:r>
+            <a:r>
+              <a:rPr lang="es-ES" sz="2200" dirty="0">
+                <a:latin typeface="Open Sans Medium"/>
+                <a:ea typeface="Open Sans Medium"/>
+                <a:cs typeface="Open Sans Medium"/>
+                <a:sym typeface="Open Sans Medium"/>
+              </a:rPr>
+              <a:t>, </a:t>
+            </a:r>
+            <a:r>
+              <a:rPr lang="es-ES" sz="2200" dirty="0" err="1">
+                <a:latin typeface="Open Sans Medium"/>
+                <a:ea typeface="Open Sans Medium"/>
+                <a:cs typeface="Open Sans Medium"/>
+                <a:sym typeface="Open Sans Medium"/>
+              </a:rPr>
+              <a:t>complex</a:t>
+            </a:r>
+            <a:r>
+              <a:rPr lang="es-ES" sz="2200" dirty="0">
+                <a:latin typeface="Open Sans Medium"/>
+                <a:ea typeface="Open Sans Medium"/>
+                <a:cs typeface="Open Sans Medium"/>
+                <a:sym typeface="Open Sans Medium"/>
+              </a:rPr>
+              <a:t> </a:t>
+            </a:r>
+            <a:r>
+              <a:rPr lang="es-ES" sz="2200" dirty="0" err="1">
+                <a:latin typeface="Open Sans Medium"/>
+                <a:ea typeface="Open Sans Medium"/>
+                <a:cs typeface="Open Sans Medium"/>
+                <a:sym typeface="Open Sans Medium"/>
+              </a:rPr>
+              <a:t>constraints</a:t>
+            </a:r>
+            <a:r>
+              <a:rPr lang="es-ES" sz="2200" dirty="0">
+                <a:latin typeface="Open Sans Medium"/>
+                <a:ea typeface="Open Sans Medium"/>
+                <a:cs typeface="Open Sans Medium"/>
+                <a:sym typeface="Open Sans Medium"/>
+              </a:rPr>
+              <a:t>, etc.), </a:t>
+            </a:r>
+            <a:r>
+              <a:rPr lang="es-ES" sz="2200" dirty="0" err="1">
+                <a:latin typeface="Open Sans Medium"/>
+                <a:ea typeface="Open Sans Medium"/>
+                <a:cs typeface="Open Sans Medium"/>
+                <a:sym typeface="Open Sans Medium"/>
+              </a:rPr>
+              <a:t>the</a:t>
+            </a:r>
+            <a:r>
+              <a:rPr lang="es-ES" sz="2200" dirty="0">
+                <a:latin typeface="Open Sans Medium"/>
+                <a:ea typeface="Open Sans Medium"/>
+                <a:cs typeface="Open Sans Medium"/>
+                <a:sym typeface="Open Sans Medium"/>
+              </a:rPr>
+              <a:t> total </a:t>
+            </a:r>
+            <a:r>
+              <a:rPr lang="es-ES" sz="2200" dirty="0" err="1">
+                <a:latin typeface="Open Sans Medium"/>
+                <a:ea typeface="Open Sans Medium"/>
+                <a:cs typeface="Open Sans Medium"/>
+                <a:sym typeface="Open Sans Medium"/>
+              </a:rPr>
+              <a:t>solution</a:t>
+            </a:r>
+            <a:r>
+              <a:rPr lang="es-ES" sz="2200" dirty="0">
+                <a:latin typeface="Open Sans Medium"/>
+                <a:ea typeface="Open Sans Medium"/>
+                <a:cs typeface="Open Sans Medium"/>
+                <a:sym typeface="Open Sans Medium"/>
+              </a:rPr>
+              <a:t> </a:t>
+            </a:r>
+            <a:r>
+              <a:rPr lang="es-ES" sz="2200" dirty="0" err="1">
+                <a:latin typeface="Open Sans Medium"/>
+                <a:ea typeface="Open Sans Medium"/>
+                <a:cs typeface="Open Sans Medium"/>
+                <a:sym typeface="Open Sans Medium"/>
+              </a:rPr>
+              <a:t>space</a:t>
+            </a:r>
+            <a:r>
+              <a:rPr lang="es-ES" sz="2200" dirty="0">
+                <a:latin typeface="Open Sans Medium"/>
+                <a:ea typeface="Open Sans Medium"/>
+                <a:cs typeface="Open Sans Medium"/>
+                <a:sym typeface="Open Sans Medium"/>
+              </a:rPr>
+              <a:t> </a:t>
+            </a:r>
+            <a:r>
+              <a:rPr lang="es-ES" sz="2200" dirty="0" err="1">
+                <a:latin typeface="Open Sans Medium"/>
+                <a:ea typeface="Open Sans Medium"/>
+                <a:cs typeface="Open Sans Medium"/>
+                <a:sym typeface="Open Sans Medium"/>
+              </a:rPr>
+              <a:t>for</a:t>
+            </a:r>
+            <a:r>
+              <a:rPr lang="es-ES" sz="2200" dirty="0">
+                <a:latin typeface="Open Sans Medium"/>
+                <a:ea typeface="Open Sans Medium"/>
+                <a:cs typeface="Open Sans Medium"/>
+                <a:sym typeface="Open Sans Medium"/>
+              </a:rPr>
+              <a:t> a MILP </a:t>
+            </a:r>
+            <a:r>
+              <a:rPr lang="es-ES" sz="2200" dirty="0" err="1">
+                <a:latin typeface="Open Sans Medium"/>
+                <a:ea typeface="Open Sans Medium"/>
+                <a:cs typeface="Open Sans Medium"/>
+                <a:sym typeface="Open Sans Medium"/>
+              </a:rPr>
+              <a:t>is</a:t>
+            </a:r>
+            <a:r>
+              <a:rPr lang="es-ES" sz="2200" dirty="0">
+                <a:latin typeface="Open Sans Medium"/>
+                <a:ea typeface="Open Sans Medium"/>
+                <a:cs typeface="Open Sans Medium"/>
+                <a:sym typeface="Open Sans Medium"/>
+              </a:rPr>
+              <a:t> </a:t>
+            </a:r>
+            <a:r>
+              <a:rPr lang="es-ES" sz="2200" dirty="0" err="1">
+                <a:latin typeface="Open Sans Medium"/>
+                <a:ea typeface="Open Sans Medium"/>
+                <a:cs typeface="Open Sans Medium"/>
+                <a:sym typeface="Open Sans Medium"/>
+              </a:rPr>
+              <a:t>massive</a:t>
+            </a:r>
+            <a:r>
+              <a:rPr lang="es-ES" sz="2200" dirty="0">
+                <a:latin typeface="Open Sans Medium"/>
+                <a:ea typeface="Open Sans Medium"/>
+                <a:cs typeface="Open Sans Medium"/>
+                <a:sym typeface="Open Sans Medium"/>
+              </a:rPr>
+              <a:t> and usual </a:t>
+            </a:r>
+            <a:r>
+              <a:rPr lang="es-ES" sz="2200" dirty="0" err="1">
+                <a:latin typeface="Open Sans Medium"/>
+                <a:ea typeface="Open Sans Medium"/>
+                <a:cs typeface="Open Sans Medium"/>
+                <a:sym typeface="Open Sans Medium"/>
+              </a:rPr>
+              <a:t>approaches</a:t>
+            </a:r>
+            <a:r>
+              <a:rPr lang="es-ES" sz="2200" dirty="0">
+                <a:latin typeface="Open Sans Medium"/>
+                <a:ea typeface="Open Sans Medium"/>
+                <a:cs typeface="Open Sans Medium"/>
+                <a:sym typeface="Open Sans Medium"/>
+              </a:rPr>
+              <a:t> are </a:t>
+            </a:r>
+            <a:r>
+              <a:rPr lang="es-ES" sz="2200" u="sng" dirty="0" err="1">
                 <a:latin typeface="Open Sans Medium"/>
                 <a:ea typeface="Open Sans Medium"/>
                 <a:cs typeface="Open Sans Medium"/>
@@ -15322,7 +20879,7 @@
               <a:t>inefficient</a:t>
             </a:r>
             <a:r>
-              <a:rPr lang="es-ES" sz="2200">
+              <a:rPr lang="es-ES" sz="2200" dirty="0">
                 <a:latin typeface="Open Sans Medium"/>
                 <a:ea typeface="Open Sans Medium"/>
                 <a:cs typeface="Open Sans Medium"/>
@@ -15330,7 +20887,7 @@
               </a:rPr>
               <a:t>.</a:t>
             </a:r>
-            <a:endParaRPr sz="2200">
+            <a:endParaRPr sz="2200" dirty="0">
               <a:latin typeface="Open Sans Medium"/>
               <a:ea typeface="Open Sans Medium"/>
               <a:cs typeface="Open Sans Medium"/>
@@ -15354,7 +20911,7 @@
               <a:buSzPts val="2800"/>
               <a:buNone/>
             </a:pPr>
-            <a:endParaRPr sz="2200">
+            <a:endParaRPr sz="2200" dirty="0">
               <a:latin typeface="Open Sans Medium"/>
               <a:ea typeface="Open Sans Medium"/>
               <a:cs typeface="Open Sans Medium"/>
@@ -15376,7 +20933,7 @@
               <a:buNone/>
             </a:pPr>
             <a:r>
-              <a:rPr lang="es-ES" sz="2200" b="1">
+              <a:rPr lang="es-ES" sz="2200" b="1" dirty="0" err="1">
                 <a:latin typeface="Open Sans"/>
                 <a:ea typeface="Open Sans"/>
                 <a:cs typeface="Open Sans"/>
@@ -15385,7 +20942,7 @@
               <a:t>Solution</a:t>
             </a:r>
             <a:r>
-              <a:rPr lang="es-ES" sz="2200">
+              <a:rPr lang="es-ES" sz="2200" dirty="0">
                 <a:latin typeface="Open Sans Medium"/>
                 <a:ea typeface="Open Sans Medium"/>
                 <a:cs typeface="Open Sans Medium"/>
@@ -15394,15 +20951,276 @@
               <a:t>: </a:t>
             </a:r>
             <a:r>
-              <a:rPr lang="es-ES" sz="2100">
-                <a:latin typeface="Open Sans Medium"/>
-                <a:ea typeface="Open Sans Medium"/>
-                <a:cs typeface="Open Sans Medium"/>
-                <a:sym typeface="Open Sans Medium"/>
-              </a:rPr>
-              <a:t>Quantum Warm-Starting. To provide the classical solver with an initial, high-quality guess for the Discrete Variables using a quantum algorithm</a:t>
-            </a:r>
-            <a:endParaRPr sz="2100">
+              <a:rPr lang="es-ES" sz="2100" dirty="0">
+                <a:latin typeface="Open Sans Medium"/>
+                <a:ea typeface="Open Sans Medium"/>
+                <a:cs typeface="Open Sans Medium"/>
+                <a:sym typeface="Open Sans Medium"/>
+              </a:rPr>
+              <a:t>Quantum </a:t>
+            </a:r>
+            <a:r>
+              <a:rPr lang="es-ES" sz="2100" dirty="0" err="1">
+                <a:latin typeface="Open Sans Medium"/>
+                <a:ea typeface="Open Sans Medium"/>
+                <a:cs typeface="Open Sans Medium"/>
+                <a:sym typeface="Open Sans Medium"/>
+              </a:rPr>
+              <a:t>Warm-Starting</a:t>
+            </a:r>
+            <a:r>
+              <a:rPr lang="es-ES" sz="2100" dirty="0">
+                <a:latin typeface="Open Sans Medium"/>
+                <a:ea typeface="Open Sans Medium"/>
+                <a:cs typeface="Open Sans Medium"/>
+                <a:sym typeface="Open Sans Medium"/>
+              </a:rPr>
+              <a:t>. </a:t>
+            </a:r>
+            <a:r>
+              <a:rPr lang="es-ES" sz="2100" dirty="0" err="1">
+                <a:latin typeface="Open Sans Medium"/>
+                <a:ea typeface="Open Sans Medium"/>
+                <a:cs typeface="Open Sans Medium"/>
+                <a:sym typeface="Open Sans Medium"/>
+              </a:rPr>
+              <a:t>To</a:t>
+            </a:r>
+            <a:r>
+              <a:rPr lang="es-ES" sz="2100" dirty="0">
+                <a:latin typeface="Open Sans Medium"/>
+                <a:ea typeface="Open Sans Medium"/>
+                <a:cs typeface="Open Sans Medium"/>
+                <a:sym typeface="Open Sans Medium"/>
+              </a:rPr>
+              <a:t> </a:t>
+            </a:r>
+            <a:r>
+              <a:rPr lang="es-ES" sz="2100" dirty="0" err="1">
+                <a:latin typeface="Open Sans Medium"/>
+                <a:ea typeface="Open Sans Medium"/>
+                <a:cs typeface="Open Sans Medium"/>
+                <a:sym typeface="Open Sans Medium"/>
+              </a:rPr>
+              <a:t>provide</a:t>
+            </a:r>
+            <a:r>
+              <a:rPr lang="es-ES" sz="2100" dirty="0">
+                <a:latin typeface="Open Sans Medium"/>
+                <a:ea typeface="Open Sans Medium"/>
+                <a:cs typeface="Open Sans Medium"/>
+                <a:sym typeface="Open Sans Medium"/>
+              </a:rPr>
+              <a:t> </a:t>
+            </a:r>
+            <a:r>
+              <a:rPr lang="es-ES" sz="2100" dirty="0" err="1">
+                <a:latin typeface="Open Sans Medium"/>
+                <a:ea typeface="Open Sans Medium"/>
+                <a:cs typeface="Open Sans Medium"/>
+                <a:sym typeface="Open Sans Medium"/>
+              </a:rPr>
+              <a:t>the</a:t>
+            </a:r>
+            <a:r>
+              <a:rPr lang="es-ES" sz="2100" dirty="0">
+                <a:latin typeface="Open Sans Medium"/>
+                <a:ea typeface="Open Sans Medium"/>
+                <a:cs typeface="Open Sans Medium"/>
+                <a:sym typeface="Open Sans Medium"/>
+              </a:rPr>
+              <a:t> </a:t>
+            </a:r>
+            <a:r>
+              <a:rPr lang="es-ES" sz="2100" dirty="0" err="1">
+                <a:latin typeface="Open Sans Medium"/>
+                <a:ea typeface="Open Sans Medium"/>
+                <a:cs typeface="Open Sans Medium"/>
+                <a:sym typeface="Open Sans Medium"/>
+              </a:rPr>
+              <a:t>classical</a:t>
+            </a:r>
+            <a:r>
+              <a:rPr lang="es-ES" sz="2100" dirty="0">
+                <a:latin typeface="Open Sans Medium"/>
+                <a:ea typeface="Open Sans Medium"/>
+                <a:cs typeface="Open Sans Medium"/>
+                <a:sym typeface="Open Sans Medium"/>
+              </a:rPr>
+              <a:t> </a:t>
+            </a:r>
+            <a:r>
+              <a:rPr lang="es-ES" sz="2100" dirty="0" err="1">
+                <a:latin typeface="Open Sans Medium"/>
+                <a:ea typeface="Open Sans Medium"/>
+                <a:cs typeface="Open Sans Medium"/>
+                <a:sym typeface="Open Sans Medium"/>
+              </a:rPr>
+              <a:t>solver</a:t>
+            </a:r>
+            <a:r>
+              <a:rPr lang="es-ES" sz="2100" dirty="0">
+                <a:latin typeface="Open Sans Medium"/>
+                <a:ea typeface="Open Sans Medium"/>
+                <a:cs typeface="Open Sans Medium"/>
+                <a:sym typeface="Open Sans Medium"/>
+              </a:rPr>
+              <a:t> </a:t>
+            </a:r>
+            <a:r>
+              <a:rPr lang="es-ES" sz="2100" dirty="0" err="1">
+                <a:latin typeface="Open Sans Medium"/>
+                <a:ea typeface="Open Sans Medium"/>
+                <a:cs typeface="Open Sans Medium"/>
+                <a:sym typeface="Open Sans Medium"/>
+              </a:rPr>
+              <a:t>with</a:t>
+            </a:r>
+            <a:r>
+              <a:rPr lang="es-ES" sz="2100" dirty="0">
+                <a:latin typeface="Open Sans Medium"/>
+                <a:ea typeface="Open Sans Medium"/>
+                <a:cs typeface="Open Sans Medium"/>
+                <a:sym typeface="Open Sans Medium"/>
+              </a:rPr>
+              <a:t> </a:t>
+            </a:r>
+            <a:r>
+              <a:rPr lang="es-ES" sz="2100" dirty="0" err="1">
+                <a:latin typeface="Open Sans Medium"/>
+                <a:ea typeface="Open Sans Medium"/>
+                <a:cs typeface="Open Sans Medium"/>
+                <a:sym typeface="Open Sans Medium"/>
+              </a:rPr>
+              <a:t>an</a:t>
+            </a:r>
+            <a:r>
+              <a:rPr lang="es-ES" sz="2100" dirty="0">
+                <a:latin typeface="Open Sans Medium"/>
+                <a:ea typeface="Open Sans Medium"/>
+                <a:cs typeface="Open Sans Medium"/>
+                <a:sym typeface="Open Sans Medium"/>
+              </a:rPr>
+              <a:t> </a:t>
+            </a:r>
+            <a:r>
+              <a:rPr lang="es-ES" sz="2100" dirty="0" err="1">
+                <a:latin typeface="Open Sans Medium"/>
+                <a:ea typeface="Open Sans Medium"/>
+                <a:cs typeface="Open Sans Medium"/>
+                <a:sym typeface="Open Sans Medium"/>
+              </a:rPr>
+              <a:t>initial</a:t>
+            </a:r>
+            <a:r>
+              <a:rPr lang="es-ES" sz="2100" dirty="0">
+                <a:latin typeface="Open Sans Medium"/>
+                <a:ea typeface="Open Sans Medium"/>
+                <a:cs typeface="Open Sans Medium"/>
+                <a:sym typeface="Open Sans Medium"/>
+              </a:rPr>
+              <a:t>, </a:t>
+            </a:r>
+            <a:r>
+              <a:rPr lang="es-ES" sz="2100" dirty="0" err="1">
+                <a:latin typeface="Open Sans Medium"/>
+                <a:ea typeface="Open Sans Medium"/>
+                <a:cs typeface="Open Sans Medium"/>
+                <a:sym typeface="Open Sans Medium"/>
+              </a:rPr>
+              <a:t>high-quality</a:t>
+            </a:r>
+            <a:r>
+              <a:rPr lang="es-ES" sz="2100" dirty="0">
+                <a:latin typeface="Open Sans Medium"/>
+                <a:ea typeface="Open Sans Medium"/>
+                <a:cs typeface="Open Sans Medium"/>
+                <a:sym typeface="Open Sans Medium"/>
+              </a:rPr>
+              <a:t> </a:t>
+            </a:r>
+            <a:r>
+              <a:rPr lang="es-ES" sz="2100" dirty="0" err="1">
+                <a:latin typeface="Open Sans Medium"/>
+                <a:ea typeface="Open Sans Medium"/>
+                <a:cs typeface="Open Sans Medium"/>
+                <a:sym typeface="Open Sans Medium"/>
+              </a:rPr>
+              <a:t>guess</a:t>
+            </a:r>
+            <a:r>
+              <a:rPr lang="es-ES" sz="2100" dirty="0">
+                <a:latin typeface="Open Sans Medium"/>
+                <a:ea typeface="Open Sans Medium"/>
+                <a:cs typeface="Open Sans Medium"/>
+                <a:sym typeface="Open Sans Medium"/>
+              </a:rPr>
+              <a:t> </a:t>
+            </a:r>
+            <a:r>
+              <a:rPr lang="es-ES" sz="2100" dirty="0" err="1">
+                <a:latin typeface="Open Sans Medium"/>
+                <a:ea typeface="Open Sans Medium"/>
+                <a:cs typeface="Open Sans Medium"/>
+                <a:sym typeface="Open Sans Medium"/>
+              </a:rPr>
+              <a:t>for</a:t>
+            </a:r>
+            <a:r>
+              <a:rPr lang="es-ES" sz="2100" dirty="0">
+                <a:latin typeface="Open Sans Medium"/>
+                <a:ea typeface="Open Sans Medium"/>
+                <a:cs typeface="Open Sans Medium"/>
+                <a:sym typeface="Open Sans Medium"/>
+              </a:rPr>
+              <a:t> </a:t>
+            </a:r>
+            <a:r>
+              <a:rPr lang="es-ES" sz="2100" dirty="0" err="1">
+                <a:latin typeface="Open Sans Medium"/>
+                <a:ea typeface="Open Sans Medium"/>
+                <a:cs typeface="Open Sans Medium"/>
+                <a:sym typeface="Open Sans Medium"/>
+              </a:rPr>
+              <a:t>the</a:t>
+            </a:r>
+            <a:r>
+              <a:rPr lang="es-ES" sz="2100" dirty="0">
+                <a:latin typeface="Open Sans Medium"/>
+                <a:ea typeface="Open Sans Medium"/>
+                <a:cs typeface="Open Sans Medium"/>
+                <a:sym typeface="Open Sans Medium"/>
+              </a:rPr>
+              <a:t> Discrete Variables </a:t>
+            </a:r>
+            <a:r>
+              <a:rPr lang="es-ES" sz="2100" dirty="0" err="1">
+                <a:latin typeface="Open Sans Medium"/>
+                <a:ea typeface="Open Sans Medium"/>
+                <a:cs typeface="Open Sans Medium"/>
+                <a:sym typeface="Open Sans Medium"/>
+              </a:rPr>
+              <a:t>using</a:t>
+            </a:r>
+            <a:r>
+              <a:rPr lang="es-ES" sz="2100" dirty="0">
+                <a:latin typeface="Open Sans Medium"/>
+                <a:ea typeface="Open Sans Medium"/>
+                <a:cs typeface="Open Sans Medium"/>
+                <a:sym typeface="Open Sans Medium"/>
+              </a:rPr>
+              <a:t> a quantum </a:t>
+            </a:r>
+            <a:r>
+              <a:rPr lang="es-ES" sz="2100" dirty="0" err="1">
+                <a:latin typeface="Open Sans Medium"/>
+                <a:ea typeface="Open Sans Medium"/>
+                <a:cs typeface="Open Sans Medium"/>
+                <a:sym typeface="Open Sans Medium"/>
+              </a:rPr>
+              <a:t>algorithm</a:t>
+            </a:r>
+            <a:endParaRPr sz="2100" dirty="0">
               <a:latin typeface="Open Sans Medium"/>
               <a:ea typeface="Open Sans Medium"/>
               <a:cs typeface="Open Sans Medium"/>
@@ -15426,7 +21244,7 @@
               <a:buSzPts val="2800"/>
               <a:buNone/>
             </a:pPr>
-            <a:endParaRPr sz="2200">
+            <a:endParaRPr sz="2200" dirty="0">
               <a:latin typeface="Open Sans Medium"/>
               <a:ea typeface="Open Sans Medium"/>
               <a:cs typeface="Open Sans Medium"/>
@@ -15450,7 +21268,7 @@
               <a:buSzPts val="2800"/>
               <a:buNone/>
             </a:pPr>
-            <a:endParaRPr sz="2200">
+            <a:endParaRPr sz="2200" dirty="0">
               <a:latin typeface="Open Sans Medium"/>
               <a:ea typeface="Open Sans Medium"/>
               <a:cs typeface="Open Sans Medium"/>
@@ -15471,7 +21289,7 @@
               <a:buSzPts val="2800"/>
               <a:buNone/>
             </a:pPr>
-            <a:endParaRPr sz="2200">
+            <a:endParaRPr sz="2200" dirty="0">
               <a:latin typeface="Open Sans Medium"/>
               <a:ea typeface="Open Sans Medium"/>
               <a:cs typeface="Open Sans Medium"/>
@@ -15492,7 +21310,7 @@
               <a:buSzPts val="2800"/>
               <a:buNone/>
             </a:pPr>
-            <a:endParaRPr sz="2200">
+            <a:endParaRPr sz="2200" dirty="0">
               <a:latin typeface="Open Sans Medium"/>
               <a:ea typeface="Open Sans Medium"/>
               <a:cs typeface="Open Sans Medium"/>
@@ -15513,7 +21331,7 @@
               <a:buSzPts val="2800"/>
               <a:buNone/>
             </a:pPr>
-            <a:endParaRPr sz="2200">
+            <a:endParaRPr sz="2200" dirty="0">
               <a:latin typeface="Open Sans Medium"/>
               <a:ea typeface="Open Sans Medium"/>
               <a:cs typeface="Open Sans Medium"/>
@@ -15534,7 +21352,7 @@
               <a:buSzPts val="2800"/>
               <a:buNone/>
             </a:pPr>
-            <a:endParaRPr sz="2200">
+            <a:endParaRPr sz="2200" dirty="0">
               <a:latin typeface="Open Sans Medium"/>
               <a:ea typeface="Open Sans Medium"/>
               <a:cs typeface="Open Sans Medium"/>
@@ -15555,7 +21373,7 @@
               <a:buSzPts val="2800"/>
               <a:buNone/>
             </a:pPr>
-            <a:endParaRPr sz="2200">
+            <a:endParaRPr sz="2200" dirty="0">
               <a:latin typeface="Open Sans Medium"/>
               <a:ea typeface="Open Sans Medium"/>
               <a:cs typeface="Open Sans Medium"/>
@@ -15579,7 +21397,7 @@
               <a:buSzPts val="2800"/>
               <a:buNone/>
             </a:pPr>
-            <a:endParaRPr sz="2200">
+            <a:endParaRPr sz="2200" dirty="0">
               <a:latin typeface="Open Sans Medium"/>
               <a:ea typeface="Open Sans Medium"/>
               <a:cs typeface="Open Sans Medium"/>
@@ -15603,7 +21421,7 @@
               <a:buSzPts val="2800"/>
               <a:buNone/>
             </a:pPr>
-            <a:endParaRPr sz="2200">
+            <a:endParaRPr sz="2200" dirty="0">
               <a:latin typeface="Open Sans Medium"/>
               <a:ea typeface="Open Sans Medium"/>
               <a:cs typeface="Open Sans Medium"/>
@@ -15625,7 +21443,7 @@
               <a:buNone/>
             </a:pPr>
             <a:r>
-              <a:rPr lang="es-ES" sz="2200" b="1">
+              <a:rPr lang="es-ES" sz="2200" b="1" dirty="0" err="1">
                 <a:latin typeface="Open Sans"/>
                 <a:ea typeface="Open Sans"/>
                 <a:cs typeface="Open Sans"/>
@@ -15634,7 +21452,7 @@
               <a:t>Conclusion</a:t>
             </a:r>
             <a:r>
-              <a:rPr lang="es-ES" sz="2200">
+              <a:rPr lang="es-ES" sz="2200" dirty="0">
                 <a:latin typeface="Open Sans Medium"/>
                 <a:ea typeface="Open Sans Medium"/>
                 <a:cs typeface="Open Sans Medium"/>
@@ -15643,51 +21461,465 @@
               <a:t>: </a:t>
             </a:r>
             <a:r>
-              <a:rPr lang="es-ES" sz="2100">
-                <a:latin typeface="Open Sans Medium"/>
-                <a:ea typeface="Open Sans Medium"/>
-                <a:cs typeface="Open Sans Medium"/>
-                <a:sym typeface="Open Sans Medium"/>
-              </a:rPr>
-              <a:t>By using the quantum-obtained guess, we transform a problem of </a:t>
-            </a:r>
-            <a:r>
-              <a:rPr lang="es-ES" sz="2100" u="sng">
-                <a:latin typeface="Open Sans Medium"/>
-                <a:ea typeface="Open Sans Medium"/>
-                <a:cs typeface="Open Sans Medium"/>
-                <a:sym typeface="Open Sans Medium"/>
-              </a:rPr>
-              <a:t>inefficient exploration</a:t>
-            </a:r>
-            <a:r>
-              <a:rPr lang="es-ES" sz="2100">
-                <a:latin typeface="Open Sans Medium"/>
-                <a:ea typeface="Open Sans Medium"/>
-                <a:cs typeface="Open Sans Medium"/>
-                <a:sym typeface="Open Sans Medium"/>
-              </a:rPr>
-              <a:t> to one of f</a:t>
-            </a:r>
-            <a:r>
-              <a:rPr lang="es-ES" sz="2100" u="sng">
-                <a:latin typeface="Open Sans Medium"/>
-                <a:ea typeface="Open Sans Medium"/>
-                <a:cs typeface="Open Sans Medium"/>
-                <a:sym typeface="Open Sans Medium"/>
-              </a:rPr>
-              <a:t>ocused, rapid exploitation</a:t>
-            </a:r>
-            <a:r>
-              <a:rPr lang="es-ES" sz="2100">
-                <a:latin typeface="Open Sans Medium"/>
-                <a:ea typeface="Open Sans Medium"/>
-                <a:cs typeface="Open Sans Medium"/>
-                <a:sym typeface="Open Sans Medium"/>
-              </a:rPr>
-              <a:t>, unlocking faster and higher-quality solution for large-scale energy systems.</a:t>
-            </a:r>
-            <a:endParaRPr sz="2100">
+              <a:rPr lang="es-ES" sz="2100" dirty="0" err="1">
+                <a:latin typeface="Open Sans Medium"/>
+                <a:ea typeface="Open Sans Medium"/>
+                <a:cs typeface="Open Sans Medium"/>
+                <a:sym typeface="Open Sans Medium"/>
+              </a:rPr>
+              <a:t>By</a:t>
+            </a:r>
+            <a:r>
+              <a:rPr lang="es-ES" sz="2100" dirty="0">
+                <a:latin typeface="Open Sans Medium"/>
+                <a:ea typeface="Open Sans Medium"/>
+                <a:cs typeface="Open Sans Medium"/>
+                <a:sym typeface="Open Sans Medium"/>
+              </a:rPr>
+              <a:t> </a:t>
+            </a:r>
+            <a:r>
+              <a:rPr lang="es-ES" sz="2100" dirty="0" err="1">
+                <a:latin typeface="Open Sans Medium"/>
+                <a:ea typeface="Open Sans Medium"/>
+                <a:cs typeface="Open Sans Medium"/>
+                <a:sym typeface="Open Sans Medium"/>
+              </a:rPr>
+              <a:t>using</a:t>
+            </a:r>
+            <a:r>
+              <a:rPr lang="es-ES" sz="2100" dirty="0">
+                <a:latin typeface="Open Sans Medium"/>
+                <a:ea typeface="Open Sans Medium"/>
+                <a:cs typeface="Open Sans Medium"/>
+                <a:sym typeface="Open Sans Medium"/>
+              </a:rPr>
+              <a:t> </a:t>
+            </a:r>
+            <a:r>
+              <a:rPr lang="es-ES" sz="2100" dirty="0" err="1">
+                <a:latin typeface="Open Sans Medium"/>
+                <a:ea typeface="Open Sans Medium"/>
+                <a:cs typeface="Open Sans Medium"/>
+                <a:sym typeface="Open Sans Medium"/>
+              </a:rPr>
+              <a:t>the</a:t>
+            </a:r>
+            <a:r>
+              <a:rPr lang="es-ES" sz="2100" dirty="0">
+                <a:latin typeface="Open Sans Medium"/>
+                <a:ea typeface="Open Sans Medium"/>
+                <a:cs typeface="Open Sans Medium"/>
+                <a:sym typeface="Open Sans Medium"/>
+              </a:rPr>
+              <a:t> quantum-</a:t>
+            </a:r>
+            <a:r>
+              <a:rPr lang="es-ES" sz="2100" dirty="0" err="1">
+                <a:latin typeface="Open Sans Medium"/>
+                <a:ea typeface="Open Sans Medium"/>
+                <a:cs typeface="Open Sans Medium"/>
+                <a:sym typeface="Open Sans Medium"/>
+              </a:rPr>
+              <a:t>obtained</a:t>
+            </a:r>
+            <a:r>
+              <a:rPr lang="es-ES" sz="2100" dirty="0">
+                <a:latin typeface="Open Sans Medium"/>
+                <a:ea typeface="Open Sans Medium"/>
+                <a:cs typeface="Open Sans Medium"/>
+                <a:sym typeface="Open Sans Medium"/>
+              </a:rPr>
+              <a:t> </a:t>
+            </a:r>
+            <a:r>
+              <a:rPr lang="es-ES" sz="2100" dirty="0" err="1">
+                <a:latin typeface="Open Sans Medium"/>
+                <a:ea typeface="Open Sans Medium"/>
+                <a:cs typeface="Open Sans Medium"/>
+                <a:sym typeface="Open Sans Medium"/>
+              </a:rPr>
+              <a:t>guess</a:t>
+            </a:r>
+            <a:r>
+              <a:rPr lang="es-ES" sz="2100" dirty="0">
+                <a:latin typeface="Open Sans Medium"/>
+                <a:ea typeface="Open Sans Medium"/>
+                <a:cs typeface="Open Sans Medium"/>
+                <a:sym typeface="Open Sans Medium"/>
+              </a:rPr>
+              <a:t>, </a:t>
+            </a:r>
+            <a:r>
+              <a:rPr lang="es-ES" sz="2100" dirty="0" err="1">
+                <a:latin typeface="Open Sans Medium"/>
+                <a:ea typeface="Open Sans Medium"/>
+                <a:cs typeface="Open Sans Medium"/>
+                <a:sym typeface="Open Sans Medium"/>
+              </a:rPr>
+              <a:t>we</a:t>
+            </a:r>
+            <a:r>
+              <a:rPr lang="es-ES" sz="2100" dirty="0">
+                <a:latin typeface="Open Sans Medium"/>
+                <a:ea typeface="Open Sans Medium"/>
+                <a:cs typeface="Open Sans Medium"/>
+                <a:sym typeface="Open Sans Medium"/>
+              </a:rPr>
+              <a:t> </a:t>
+            </a:r>
+            <a:r>
+              <a:rPr lang="es-ES" sz="2100" dirty="0" err="1">
+                <a:latin typeface="Open Sans Medium"/>
+                <a:ea typeface="Open Sans Medium"/>
+                <a:cs typeface="Open Sans Medium"/>
+                <a:sym typeface="Open Sans Medium"/>
+              </a:rPr>
+              <a:t>transform</a:t>
+            </a:r>
+            <a:r>
+              <a:rPr lang="es-ES" sz="2100" dirty="0">
+                <a:latin typeface="Open Sans Medium"/>
+                <a:ea typeface="Open Sans Medium"/>
+                <a:cs typeface="Open Sans Medium"/>
+                <a:sym typeface="Open Sans Medium"/>
+              </a:rPr>
+              <a:t> a </a:t>
+            </a:r>
+            <a:r>
+              <a:rPr lang="es-ES" sz="2100" dirty="0" err="1">
+                <a:latin typeface="Open Sans Medium"/>
+                <a:ea typeface="Open Sans Medium"/>
+                <a:cs typeface="Open Sans Medium"/>
+                <a:sym typeface="Open Sans Medium"/>
+              </a:rPr>
+              <a:t>problem</a:t>
+            </a:r>
+            <a:r>
+              <a:rPr lang="es-ES" sz="2100" dirty="0">
+                <a:latin typeface="Open Sans Medium"/>
+                <a:ea typeface="Open Sans Medium"/>
+                <a:cs typeface="Open Sans Medium"/>
+                <a:sym typeface="Open Sans Medium"/>
+              </a:rPr>
+              <a:t> </a:t>
+            </a:r>
+            <a:r>
+              <a:rPr lang="es-ES" sz="2100" dirty="0" err="1">
+                <a:latin typeface="Open Sans Medium"/>
+                <a:ea typeface="Open Sans Medium"/>
+                <a:cs typeface="Open Sans Medium"/>
+                <a:sym typeface="Open Sans Medium"/>
+              </a:rPr>
+              <a:t>of</a:t>
+            </a:r>
+            <a:r>
+              <a:rPr lang="es-ES" sz="2100" dirty="0">
+                <a:latin typeface="Open Sans Medium"/>
+                <a:ea typeface="Open Sans Medium"/>
+                <a:cs typeface="Open Sans Medium"/>
+                <a:sym typeface="Open Sans Medium"/>
+              </a:rPr>
+              <a:t> </a:t>
+            </a:r>
+            <a:r>
+              <a:rPr lang="es-ES" sz="2100" u="sng" dirty="0" err="1">
+                <a:latin typeface="Open Sans Medium"/>
+                <a:ea typeface="Open Sans Medium"/>
+                <a:cs typeface="Open Sans Medium"/>
+                <a:sym typeface="Open Sans Medium"/>
+              </a:rPr>
+              <a:t>inefficient</a:t>
+            </a:r>
+            <a:r>
+              <a:rPr lang="es-ES" sz="2100" u="sng" dirty="0">
+                <a:latin typeface="Open Sans Medium"/>
+                <a:ea typeface="Open Sans Medium"/>
+                <a:cs typeface="Open Sans Medium"/>
+                <a:sym typeface="Open Sans Medium"/>
+              </a:rPr>
+              <a:t> </a:t>
+            </a:r>
+            <a:r>
+              <a:rPr lang="es-ES" sz="2100" u="sng" dirty="0" err="1">
+                <a:latin typeface="Open Sans Medium"/>
+                <a:ea typeface="Open Sans Medium"/>
+                <a:cs typeface="Open Sans Medium"/>
+                <a:sym typeface="Open Sans Medium"/>
+              </a:rPr>
+              <a:t>exploration</a:t>
+            </a:r>
+            <a:r>
+              <a:rPr lang="es-ES" sz="2100" dirty="0">
+                <a:latin typeface="Open Sans Medium"/>
+                <a:ea typeface="Open Sans Medium"/>
+                <a:cs typeface="Open Sans Medium"/>
+                <a:sym typeface="Open Sans Medium"/>
+              </a:rPr>
+              <a:t> </a:t>
+            </a:r>
+            <a:r>
+              <a:rPr lang="es-ES" sz="2100" dirty="0" err="1">
+                <a:latin typeface="Open Sans Medium"/>
+                <a:ea typeface="Open Sans Medium"/>
+                <a:cs typeface="Open Sans Medium"/>
+                <a:sym typeface="Open Sans Medium"/>
+              </a:rPr>
+              <a:t>to</a:t>
+            </a:r>
+            <a:r>
+              <a:rPr lang="es-ES" sz="2100" dirty="0">
+                <a:latin typeface="Open Sans Medium"/>
+                <a:ea typeface="Open Sans Medium"/>
+                <a:cs typeface="Open Sans Medium"/>
+                <a:sym typeface="Open Sans Medium"/>
+              </a:rPr>
+              <a:t> </a:t>
+            </a:r>
+            <a:r>
+              <a:rPr lang="es-ES" sz="2100" dirty="0" err="1">
+                <a:latin typeface="Open Sans Medium"/>
+                <a:ea typeface="Open Sans Medium"/>
+                <a:cs typeface="Open Sans Medium"/>
+                <a:sym typeface="Open Sans Medium"/>
+              </a:rPr>
+              <a:t>one</a:t>
+            </a:r>
+            <a:r>
+              <a:rPr lang="es-ES" sz="2100" dirty="0">
+                <a:latin typeface="Open Sans Medium"/>
+                <a:ea typeface="Open Sans Medium"/>
+                <a:cs typeface="Open Sans Medium"/>
+                <a:sym typeface="Open Sans Medium"/>
+              </a:rPr>
+              <a:t> </a:t>
+            </a:r>
+            <a:r>
+              <a:rPr lang="es-ES" sz="2100" dirty="0" err="1">
+                <a:latin typeface="Open Sans Medium"/>
+                <a:ea typeface="Open Sans Medium"/>
+                <a:cs typeface="Open Sans Medium"/>
+                <a:sym typeface="Open Sans Medium"/>
+              </a:rPr>
+              <a:t>of</a:t>
+            </a:r>
+            <a:r>
+              <a:rPr lang="es-ES" sz="2100" dirty="0">
+                <a:latin typeface="Open Sans Medium"/>
+                <a:ea typeface="Open Sans Medium"/>
+                <a:cs typeface="Open Sans Medium"/>
+                <a:sym typeface="Open Sans Medium"/>
+              </a:rPr>
+              <a:t> </a:t>
+            </a:r>
+            <a:r>
+              <a:rPr lang="es-ES" sz="2100" dirty="0" err="1">
+                <a:latin typeface="Open Sans Medium"/>
+                <a:ea typeface="Open Sans Medium"/>
+                <a:cs typeface="Open Sans Medium"/>
+                <a:sym typeface="Open Sans Medium"/>
+              </a:rPr>
+              <a:t>f</a:t>
+            </a:r>
+            <a:r>
+              <a:rPr lang="es-ES" sz="2100" u="sng" dirty="0" err="1">
+                <a:latin typeface="Open Sans Medium"/>
+                <a:ea typeface="Open Sans Medium"/>
+                <a:cs typeface="Open Sans Medium"/>
+                <a:sym typeface="Open Sans Medium"/>
+              </a:rPr>
+              <a:t>ocused</a:t>
+            </a:r>
+            <a:r>
+              <a:rPr lang="es-ES" sz="2100" u="sng" dirty="0">
+                <a:latin typeface="Open Sans Medium"/>
+                <a:ea typeface="Open Sans Medium"/>
+                <a:cs typeface="Open Sans Medium"/>
+                <a:sym typeface="Open Sans Medium"/>
+              </a:rPr>
+              <a:t>, </a:t>
+            </a:r>
+            <a:r>
+              <a:rPr lang="es-ES" sz="2100" u="sng" dirty="0" err="1">
+                <a:latin typeface="Open Sans Medium"/>
+                <a:ea typeface="Open Sans Medium"/>
+                <a:cs typeface="Open Sans Medium"/>
+                <a:sym typeface="Open Sans Medium"/>
+              </a:rPr>
+              <a:t>rapid</a:t>
+            </a:r>
+            <a:r>
+              <a:rPr lang="es-ES" sz="2100" u="sng" dirty="0">
+                <a:latin typeface="Open Sans Medium"/>
+                <a:ea typeface="Open Sans Medium"/>
+                <a:cs typeface="Open Sans Medium"/>
+                <a:sym typeface="Open Sans Medium"/>
+              </a:rPr>
+              <a:t> </a:t>
+            </a:r>
+            <a:r>
+              <a:rPr lang="es-ES" sz="2100" u="sng" dirty="0" err="1">
+                <a:latin typeface="Open Sans Medium"/>
+                <a:ea typeface="Open Sans Medium"/>
+                <a:cs typeface="Open Sans Medium"/>
+                <a:sym typeface="Open Sans Medium"/>
+              </a:rPr>
+              <a:t>exploitation</a:t>
+            </a:r>
+            <a:r>
+              <a:rPr lang="es-ES" sz="2100" dirty="0">
+                <a:latin typeface="Open Sans Medium"/>
+                <a:ea typeface="Open Sans Medium"/>
+                <a:cs typeface="Open Sans Medium"/>
+                <a:sym typeface="Open Sans Medium"/>
+              </a:rPr>
+              <a:t>, </a:t>
+            </a:r>
+            <a:r>
+              <a:rPr lang="es-ES" sz="2100" dirty="0" err="1">
+                <a:latin typeface="Open Sans Medium"/>
+                <a:ea typeface="Open Sans Medium"/>
+                <a:cs typeface="Open Sans Medium"/>
+                <a:sym typeface="Open Sans Medium"/>
+              </a:rPr>
+              <a:t>unlocking</a:t>
+            </a:r>
+            <a:r>
+              <a:rPr lang="es-ES" sz="2100" dirty="0">
+                <a:latin typeface="Open Sans Medium"/>
+                <a:ea typeface="Open Sans Medium"/>
+                <a:cs typeface="Open Sans Medium"/>
+                <a:sym typeface="Open Sans Medium"/>
+              </a:rPr>
+              <a:t> </a:t>
+            </a:r>
+            <a:r>
+              <a:rPr lang="es-ES" sz="2100" dirty="0" err="1">
+                <a:latin typeface="Open Sans Medium"/>
+                <a:ea typeface="Open Sans Medium"/>
+                <a:cs typeface="Open Sans Medium"/>
+                <a:sym typeface="Open Sans Medium"/>
+              </a:rPr>
+              <a:t>faster</a:t>
+            </a:r>
+            <a:r>
+              <a:rPr lang="es-ES" sz="2100" dirty="0">
+                <a:latin typeface="Open Sans Medium"/>
+                <a:ea typeface="Open Sans Medium"/>
+                <a:cs typeface="Open Sans Medium"/>
+                <a:sym typeface="Open Sans Medium"/>
+              </a:rPr>
+              <a:t> and </a:t>
+            </a:r>
+            <a:r>
+              <a:rPr lang="es-ES" sz="2100" dirty="0" err="1">
+                <a:latin typeface="Open Sans Medium"/>
+                <a:ea typeface="Open Sans Medium"/>
+                <a:cs typeface="Open Sans Medium"/>
+                <a:sym typeface="Open Sans Medium"/>
+              </a:rPr>
+              <a:t>higher-quality</a:t>
+            </a:r>
+            <a:r>
+              <a:rPr lang="es-ES" sz="2100" dirty="0">
+                <a:latin typeface="Open Sans Medium"/>
+                <a:ea typeface="Open Sans Medium"/>
+                <a:cs typeface="Open Sans Medium"/>
+                <a:sym typeface="Open Sans Medium"/>
+              </a:rPr>
+              <a:t> </a:t>
+            </a:r>
+            <a:r>
+              <a:rPr lang="es-ES" sz="2100" dirty="0" err="1">
+                <a:latin typeface="Open Sans Medium"/>
+                <a:ea typeface="Open Sans Medium"/>
+                <a:cs typeface="Open Sans Medium"/>
+                <a:sym typeface="Open Sans Medium"/>
+              </a:rPr>
+              <a:t>solution</a:t>
+            </a:r>
+            <a:r>
+              <a:rPr lang="es-ES" sz="2100" dirty="0">
+                <a:latin typeface="Open Sans Medium"/>
+                <a:ea typeface="Open Sans Medium"/>
+                <a:cs typeface="Open Sans Medium"/>
+                <a:sym typeface="Open Sans Medium"/>
+              </a:rPr>
+              <a:t> </a:t>
+            </a:r>
+            <a:r>
+              <a:rPr lang="es-ES" sz="2100" dirty="0" err="1">
+                <a:latin typeface="Open Sans Medium"/>
+                <a:ea typeface="Open Sans Medium"/>
+                <a:cs typeface="Open Sans Medium"/>
+                <a:sym typeface="Open Sans Medium"/>
+              </a:rPr>
+              <a:t>for</a:t>
+            </a:r>
+            <a:r>
+              <a:rPr lang="es-ES" sz="2100" dirty="0">
+                <a:latin typeface="Open Sans Medium"/>
+                <a:ea typeface="Open Sans Medium"/>
+                <a:cs typeface="Open Sans Medium"/>
+                <a:sym typeface="Open Sans Medium"/>
+              </a:rPr>
+              <a:t> </a:t>
+            </a:r>
+            <a:r>
+              <a:rPr lang="es-ES" sz="2100" dirty="0" err="1">
+                <a:latin typeface="Open Sans Medium"/>
+                <a:ea typeface="Open Sans Medium"/>
+                <a:cs typeface="Open Sans Medium"/>
+                <a:sym typeface="Open Sans Medium"/>
+              </a:rPr>
+              <a:t>large-scale</a:t>
+            </a:r>
+            <a:r>
+              <a:rPr lang="es-ES" sz="2100" dirty="0">
+                <a:latin typeface="Open Sans Medium"/>
+                <a:ea typeface="Open Sans Medium"/>
+                <a:cs typeface="Open Sans Medium"/>
+                <a:sym typeface="Open Sans Medium"/>
+              </a:rPr>
+              <a:t> </a:t>
+            </a:r>
+            <a:r>
+              <a:rPr lang="es-ES" sz="2100" dirty="0" err="1">
+                <a:latin typeface="Open Sans Medium"/>
+                <a:ea typeface="Open Sans Medium"/>
+                <a:cs typeface="Open Sans Medium"/>
+                <a:sym typeface="Open Sans Medium"/>
+              </a:rPr>
+              <a:t>energy</a:t>
+            </a:r>
+            <a:r>
+              <a:rPr lang="es-ES" sz="2100" dirty="0">
+                <a:latin typeface="Open Sans Medium"/>
+                <a:ea typeface="Open Sans Medium"/>
+                <a:cs typeface="Open Sans Medium"/>
+                <a:sym typeface="Open Sans Medium"/>
+              </a:rPr>
+              <a:t> </a:t>
+            </a:r>
+            <a:r>
+              <a:rPr lang="es-ES" sz="2100" dirty="0" err="1">
+                <a:latin typeface="Open Sans Medium"/>
+                <a:ea typeface="Open Sans Medium"/>
+                <a:cs typeface="Open Sans Medium"/>
+                <a:sym typeface="Open Sans Medium"/>
+              </a:rPr>
+              <a:t>systems</a:t>
+            </a:r>
+            <a:r>
+              <a:rPr lang="es-ES" sz="2100" dirty="0">
+                <a:latin typeface="Open Sans Medium"/>
+                <a:ea typeface="Open Sans Medium"/>
+                <a:cs typeface="Open Sans Medium"/>
+                <a:sym typeface="Open Sans Medium"/>
+              </a:rPr>
+              <a:t>.</a:t>
+            </a:r>
+            <a:endParaRPr sz="2100" dirty="0">
               <a:latin typeface="Open Sans Medium"/>
               <a:ea typeface="Open Sans Medium"/>
               <a:cs typeface="Open Sans Medium"/>
@@ -15708,7 +21940,7 @@
               <a:buSzPts val="2800"/>
               <a:buNone/>
             </a:pPr>
-            <a:endParaRPr sz="2200" b="1">
+            <a:endParaRPr sz="2200" b="1" dirty="0">
               <a:latin typeface="Open Sans"/>
               <a:ea typeface="Open Sans"/>
               <a:cs typeface="Open Sans"/>
@@ -15826,7 +22058,7 @@
           <p:nvPr/>
         </p:nvPicPr>
         <p:blipFill>
-          <a:blip r:embed="rId3">
+          <a:blip r:embed="rId4">
             <a:alphaModFix/>
           </a:blip>
           <a:stretch>
@@ -15854,7 +22086,7 @@
           <p:nvPr/>
         </p:nvPicPr>
         <p:blipFill>
-          <a:blip r:embed="rId4">
+          <a:blip r:embed="rId5">
             <a:alphaModFix/>
           </a:blip>
           <a:stretch>
@@ -15932,8 +22164,8 @@
         </p:nvSpPr>
         <p:spPr>
           <a:xfrm>
-            <a:off x="7855852" y="3753150"/>
-            <a:ext cx="1479600" cy="345000"/>
+            <a:off x="7855852" y="3673688"/>
+            <a:ext cx="907451" cy="424462"/>
           </a:xfrm>
           <a:prstGeom prst="rightArrow">
             <a:avLst>
@@ -16132,6 +22364,1555 @@
 </file>
 
 <file path=ppt/slides/slide6.xml><?xml version="1.0" encoding="utf-8"?>
+<p:sld xmlns:a="http://schemas.openxmlformats.org/drawingml/2006/main" xmlns:r="http://schemas.openxmlformats.org/officeDocument/2006/relationships" xmlns:p="http://schemas.openxmlformats.org/presentationml/2006/main">
+  <p:cSld>
+    <p:spTree>
+      <p:nvGrpSpPr>
+        <p:cNvPr id="1" name="Shape 128">
+          <a:extLst>
+            <a:ext uri="{FF2B5EF4-FFF2-40B4-BE49-F238E27FC236}">
+              <a16:creationId xmlns:a16="http://schemas.microsoft.com/office/drawing/2014/main" id="{DDC831B2-CECA-BDF3-D99C-99EFB4571457}"/>
+            </a:ext>
+          </a:extLst>
+        </p:cNvPr>
+        <p:cNvGrpSpPr/>
+        <p:nvPr/>
+      </p:nvGrpSpPr>
+      <p:grpSpPr>
+        <a:xfrm>
+          <a:off x="0" y="0"/>
+          <a:ext cx="0" cy="0"/>
+          <a:chOff x="0" y="0"/>
+          <a:chExt cx="0" cy="0"/>
+        </a:xfrm>
+      </p:grpSpPr>
+      <p:sp>
+        <p:nvSpPr>
+          <p:cNvPr id="129" name="Google Shape;129;g3b05c13414c_0_27">
+            <a:extLst>
+              <a:ext uri="{FF2B5EF4-FFF2-40B4-BE49-F238E27FC236}">
+                <a16:creationId xmlns:a16="http://schemas.microsoft.com/office/drawing/2014/main" id="{2EEAD5BA-87E0-F61D-675E-488EA37C3CF1}"/>
+              </a:ext>
+            </a:extLst>
+          </p:cNvPr>
+          <p:cNvSpPr txBox="1"/>
+          <p:nvPr/>
+        </p:nvSpPr>
+        <p:spPr>
+          <a:xfrm>
+            <a:off x="306887" y="-47785"/>
+            <a:ext cx="11966700" cy="1325700"/>
+          </a:xfrm>
+          <a:prstGeom prst="rect">
+            <a:avLst/>
+          </a:prstGeom>
+          <a:noFill/>
+          <a:ln>
+            <a:noFill/>
+          </a:ln>
+        </p:spPr>
+        <p:txBody>
+          <a:bodyPr spcFirstLastPara="1" wrap="square" lIns="91425" tIns="45700" rIns="91425" bIns="45700" anchor="ctr" anchorCtr="0">
+            <a:normAutofit/>
+          </a:bodyPr>
+          <a:lstStyle/>
+          <a:p>
+            <a:pPr lvl="0">
+              <a:lnSpc>
+                <a:spcPct val="90000"/>
+              </a:lnSpc>
+            </a:pPr>
+            <a:r>
+              <a:rPr lang="es-ES" sz="3600" dirty="0" err="1">
+                <a:solidFill>
+                  <a:srgbClr val="BF4F14"/>
+                </a:solidFill>
+                <a:latin typeface="Open Sans"/>
+                <a:ea typeface="Open Sans"/>
+                <a:cs typeface="Open Sans"/>
+                <a:sym typeface="Open Sans"/>
+              </a:rPr>
+              <a:t>Hybrid</a:t>
+            </a:r>
+            <a:r>
+              <a:rPr lang="es-ES" sz="3600" dirty="0">
+                <a:solidFill>
+                  <a:srgbClr val="BF4F14"/>
+                </a:solidFill>
+                <a:latin typeface="Open Sans"/>
+                <a:ea typeface="Open Sans"/>
+                <a:cs typeface="Open Sans"/>
+                <a:sym typeface="Open Sans"/>
+              </a:rPr>
+              <a:t> </a:t>
+            </a:r>
+            <a:r>
+              <a:rPr lang="es-ES" sz="3600" dirty="0" err="1">
+                <a:solidFill>
+                  <a:srgbClr val="BF4F14"/>
+                </a:solidFill>
+                <a:latin typeface="Open Sans"/>
+                <a:ea typeface="Open Sans"/>
+                <a:cs typeface="Open Sans"/>
+                <a:sym typeface="Open Sans"/>
+              </a:rPr>
+              <a:t>quantum+classical</a:t>
+            </a:r>
+            <a:r>
+              <a:rPr lang="es-ES" sz="3600" dirty="0">
+                <a:solidFill>
+                  <a:srgbClr val="BF4F14"/>
+                </a:solidFill>
+                <a:latin typeface="Open Sans"/>
+                <a:ea typeface="Open Sans"/>
+                <a:cs typeface="Open Sans"/>
+                <a:sym typeface="Open Sans"/>
+              </a:rPr>
+              <a:t> MILP </a:t>
+            </a:r>
+            <a:r>
+              <a:rPr lang="es-ES" sz="3600" dirty="0" err="1">
+                <a:solidFill>
+                  <a:srgbClr val="BF4F14"/>
+                </a:solidFill>
+                <a:latin typeface="Open Sans"/>
+                <a:ea typeface="Open Sans"/>
+                <a:cs typeface="Open Sans"/>
+                <a:sym typeface="Open Sans"/>
+              </a:rPr>
+              <a:t>algorithm</a:t>
+            </a:r>
+            <a:r>
+              <a:rPr lang="es-ES" sz="3600" dirty="0">
+                <a:solidFill>
+                  <a:srgbClr val="BF4F14"/>
+                </a:solidFill>
+                <a:latin typeface="Open Sans"/>
+                <a:ea typeface="Open Sans"/>
+                <a:cs typeface="Open Sans"/>
+                <a:sym typeface="Open Sans"/>
+              </a:rPr>
+              <a:t>: </a:t>
+            </a:r>
+            <a:r>
+              <a:rPr lang="es-ES" sz="3200" dirty="0">
+                <a:solidFill>
+                  <a:srgbClr val="BF4F14"/>
+                </a:solidFill>
+                <a:latin typeface="Open Sans"/>
+                <a:ea typeface="Open Sans"/>
+                <a:cs typeface="Open Sans"/>
+                <a:sym typeface="Open Sans"/>
+              </a:rPr>
+              <a:t>QAOA</a:t>
+            </a:r>
+          </a:p>
+        </p:txBody>
+      </p:sp>
+      <p:sp>
+        <p:nvSpPr>
+          <p:cNvPr id="130" name="Google Shape;130;g3b05c13414c_0_27">
+            <a:extLst>
+              <a:ext uri="{FF2B5EF4-FFF2-40B4-BE49-F238E27FC236}">
+                <a16:creationId xmlns:a16="http://schemas.microsoft.com/office/drawing/2014/main" id="{F498049D-ADE6-37F2-B16D-DA7D6F6FA1A7}"/>
+              </a:ext>
+            </a:extLst>
+          </p:cNvPr>
+          <p:cNvSpPr txBox="1"/>
+          <p:nvPr/>
+        </p:nvSpPr>
+        <p:spPr>
+          <a:xfrm>
+            <a:off x="0" y="1149050"/>
+            <a:ext cx="12192000" cy="794100"/>
+          </a:xfrm>
+          <a:prstGeom prst="rect">
+            <a:avLst/>
+          </a:prstGeom>
+          <a:noFill/>
+          <a:ln>
+            <a:noFill/>
+          </a:ln>
+        </p:spPr>
+        <p:txBody>
+          <a:bodyPr spcFirstLastPara="1" wrap="square" lIns="91425" tIns="91425" rIns="91425" bIns="91425" anchor="t" anchorCtr="0">
+            <a:spAutoFit/>
+          </a:bodyPr>
+          <a:lstStyle/>
+          <a:p>
+            <a:pPr marL="127000" lvl="0" indent="0" algn="l" rtl="0">
+              <a:lnSpc>
+                <a:spcPct val="90000"/>
+              </a:lnSpc>
+              <a:spcBef>
+                <a:spcPts val="0"/>
+              </a:spcBef>
+              <a:spcAft>
+                <a:spcPts val="0"/>
+              </a:spcAft>
+              <a:buNone/>
+            </a:pPr>
+            <a:r>
+              <a:rPr lang="es-ES" sz="2200" b="1" dirty="0" err="1">
+                <a:solidFill>
+                  <a:schemeClr val="dk1"/>
+                </a:solidFill>
+                <a:latin typeface="Open Sans Medium"/>
+                <a:ea typeface="Open Sans Medium"/>
+                <a:cs typeface="Open Sans Medium"/>
+                <a:sym typeface="Open Sans Medium"/>
+              </a:rPr>
+              <a:t>Our</a:t>
+            </a:r>
+            <a:r>
+              <a:rPr lang="es-ES" sz="2200" b="1" dirty="0">
+                <a:solidFill>
+                  <a:schemeClr val="dk1"/>
+                </a:solidFill>
+                <a:latin typeface="Open Sans Medium"/>
+                <a:ea typeface="Open Sans Medium"/>
+                <a:cs typeface="Open Sans Medium"/>
+                <a:sym typeface="Open Sans Medium"/>
+              </a:rPr>
+              <a:t> </a:t>
+            </a:r>
+            <a:r>
+              <a:rPr lang="es-ES" sz="2200" b="1" dirty="0" err="1">
+                <a:solidFill>
+                  <a:schemeClr val="dk1"/>
+                </a:solidFill>
+                <a:latin typeface="Open Sans Medium"/>
+                <a:ea typeface="Open Sans Medium"/>
+                <a:cs typeface="Open Sans Medium"/>
+                <a:sym typeface="Open Sans Medium"/>
+              </a:rPr>
+              <a:t>proposal</a:t>
+            </a:r>
+            <a:r>
+              <a:rPr lang="es-ES" sz="2200" dirty="0">
+                <a:solidFill>
+                  <a:schemeClr val="dk1"/>
+                </a:solidFill>
+                <a:latin typeface="Open Sans Medium"/>
+                <a:ea typeface="Open Sans Medium"/>
+                <a:cs typeface="Open Sans Medium"/>
+                <a:sym typeface="Open Sans Medium"/>
+              </a:rPr>
+              <a:t>: QAOA </a:t>
+            </a:r>
+            <a:r>
+              <a:rPr lang="es-ES" sz="2200" dirty="0" err="1">
+                <a:solidFill>
+                  <a:schemeClr val="dk1"/>
+                </a:solidFill>
+                <a:latin typeface="Open Sans Medium"/>
+                <a:ea typeface="Open Sans Medium"/>
+                <a:cs typeface="Open Sans Medium"/>
+                <a:sym typeface="Open Sans Medium"/>
+              </a:rPr>
+              <a:t>is</a:t>
+            </a:r>
+            <a:r>
+              <a:rPr lang="es-ES" sz="2200" dirty="0">
+                <a:solidFill>
+                  <a:schemeClr val="dk1"/>
+                </a:solidFill>
+                <a:latin typeface="Open Sans Medium"/>
+                <a:ea typeface="Open Sans Medium"/>
+                <a:cs typeface="Open Sans Medium"/>
+                <a:sym typeface="Open Sans Medium"/>
+              </a:rPr>
+              <a:t> a </a:t>
+            </a:r>
+            <a:r>
+              <a:rPr lang="es-ES" sz="2200" dirty="0" err="1">
+                <a:solidFill>
+                  <a:schemeClr val="dk1"/>
+                </a:solidFill>
+                <a:latin typeface="Open Sans Medium"/>
+                <a:ea typeface="Open Sans Medium"/>
+                <a:cs typeface="Open Sans Medium"/>
+                <a:sym typeface="Open Sans Medium"/>
+              </a:rPr>
+              <a:t>algorithm</a:t>
+            </a:r>
+            <a:r>
+              <a:rPr lang="es-ES" sz="2200" dirty="0">
+                <a:solidFill>
+                  <a:schemeClr val="dk1"/>
+                </a:solidFill>
+                <a:latin typeface="Open Sans Medium"/>
+                <a:ea typeface="Open Sans Medium"/>
+                <a:cs typeface="Open Sans Medium"/>
+                <a:sym typeface="Open Sans Medium"/>
+              </a:rPr>
+              <a:t> </a:t>
+            </a:r>
+            <a:r>
+              <a:rPr lang="es-ES" sz="2200" dirty="0" err="1">
+                <a:solidFill>
+                  <a:schemeClr val="dk1"/>
+                </a:solidFill>
+                <a:latin typeface="Open Sans Medium"/>
+                <a:ea typeface="Open Sans Medium"/>
+                <a:cs typeface="Open Sans Medium"/>
+                <a:sym typeface="Open Sans Medium"/>
+              </a:rPr>
+              <a:t>to</a:t>
+            </a:r>
+            <a:r>
+              <a:rPr lang="es-ES" sz="2200" dirty="0">
+                <a:solidFill>
+                  <a:schemeClr val="dk1"/>
+                </a:solidFill>
+                <a:latin typeface="Open Sans Medium"/>
+                <a:ea typeface="Open Sans Medium"/>
+                <a:cs typeface="Open Sans Medium"/>
+                <a:sym typeface="Open Sans Medium"/>
+              </a:rPr>
+              <a:t> </a:t>
+            </a:r>
+            <a:r>
+              <a:rPr lang="es-ES" sz="2200" dirty="0" err="1">
+                <a:solidFill>
+                  <a:schemeClr val="dk1"/>
+                </a:solidFill>
+                <a:latin typeface="Open Sans Medium"/>
+                <a:ea typeface="Open Sans Medium"/>
+                <a:cs typeface="Open Sans Medium"/>
+                <a:sym typeface="Open Sans Medium"/>
+              </a:rPr>
+              <a:t>find</a:t>
+            </a:r>
+            <a:r>
+              <a:rPr lang="es-ES" sz="2200" dirty="0">
+                <a:solidFill>
+                  <a:schemeClr val="dk1"/>
+                </a:solidFill>
+                <a:latin typeface="Open Sans Medium"/>
+                <a:ea typeface="Open Sans Medium"/>
+                <a:cs typeface="Open Sans Medium"/>
+                <a:sym typeface="Open Sans Medium"/>
+              </a:rPr>
+              <a:t> </a:t>
+            </a:r>
+            <a:r>
+              <a:rPr lang="es-ES" sz="2200" dirty="0" err="1">
+                <a:solidFill>
+                  <a:schemeClr val="dk1"/>
+                </a:solidFill>
+                <a:latin typeface="Open Sans Medium"/>
+                <a:ea typeface="Open Sans Medium"/>
+                <a:cs typeface="Open Sans Medium"/>
+                <a:sym typeface="Open Sans Medium"/>
+              </a:rPr>
+              <a:t>near-optimal</a:t>
+            </a:r>
+            <a:r>
+              <a:rPr lang="es-ES" sz="2200" dirty="0">
+                <a:solidFill>
+                  <a:schemeClr val="dk1"/>
+                </a:solidFill>
+                <a:latin typeface="Open Sans Medium"/>
+                <a:ea typeface="Open Sans Medium"/>
+                <a:cs typeface="Open Sans Medium"/>
+                <a:sym typeface="Open Sans Medium"/>
+              </a:rPr>
+              <a:t> </a:t>
+            </a:r>
+            <a:r>
+              <a:rPr lang="es-ES" sz="2200" dirty="0" err="1">
+                <a:solidFill>
+                  <a:schemeClr val="dk1"/>
+                </a:solidFill>
+                <a:latin typeface="Open Sans Medium"/>
+                <a:ea typeface="Open Sans Medium"/>
+                <a:cs typeface="Open Sans Medium"/>
+                <a:sym typeface="Open Sans Medium"/>
+              </a:rPr>
+              <a:t>solutions</a:t>
+            </a:r>
+            <a:r>
+              <a:rPr lang="es-ES" sz="2200" dirty="0">
+                <a:solidFill>
+                  <a:schemeClr val="dk1"/>
+                </a:solidFill>
+                <a:latin typeface="Open Sans Medium"/>
+                <a:ea typeface="Open Sans Medium"/>
+                <a:cs typeface="Open Sans Medium"/>
+                <a:sym typeface="Open Sans Medium"/>
+              </a:rPr>
+              <a:t> </a:t>
+            </a:r>
+            <a:r>
+              <a:rPr lang="es-ES" sz="2200" dirty="0" err="1">
+                <a:solidFill>
+                  <a:schemeClr val="dk1"/>
+                </a:solidFill>
+                <a:latin typeface="Open Sans Medium"/>
+                <a:ea typeface="Open Sans Medium"/>
+                <a:cs typeface="Open Sans Medium"/>
+                <a:sym typeface="Open Sans Medium"/>
+              </a:rPr>
+              <a:t>for</a:t>
+            </a:r>
+            <a:r>
+              <a:rPr lang="es-ES" sz="2200" dirty="0">
+                <a:solidFill>
+                  <a:schemeClr val="dk1"/>
+                </a:solidFill>
+                <a:latin typeface="Open Sans Medium"/>
+                <a:ea typeface="Open Sans Medium"/>
+                <a:cs typeface="Open Sans Medium"/>
+                <a:sym typeface="Open Sans Medium"/>
+              </a:rPr>
+              <a:t> discrete </a:t>
+            </a:r>
+            <a:r>
+              <a:rPr lang="es-ES" sz="2200" dirty="0" err="1">
+                <a:solidFill>
+                  <a:schemeClr val="dk1"/>
+                </a:solidFill>
+                <a:latin typeface="Open Sans Medium"/>
+                <a:ea typeface="Open Sans Medium"/>
+                <a:cs typeface="Open Sans Medium"/>
+                <a:sym typeface="Open Sans Medium"/>
+              </a:rPr>
+              <a:t>optimization</a:t>
+            </a:r>
+            <a:r>
+              <a:rPr lang="es-ES" sz="2200" dirty="0">
+                <a:solidFill>
+                  <a:schemeClr val="dk1"/>
+                </a:solidFill>
+                <a:latin typeface="Open Sans Medium"/>
+                <a:ea typeface="Open Sans Medium"/>
+                <a:cs typeface="Open Sans Medium"/>
+                <a:sym typeface="Open Sans Medium"/>
+              </a:rPr>
+              <a:t> </a:t>
+            </a:r>
+            <a:r>
+              <a:rPr lang="es-ES" sz="2200" dirty="0" err="1">
+                <a:solidFill>
+                  <a:schemeClr val="dk1"/>
+                </a:solidFill>
+                <a:latin typeface="Open Sans Medium"/>
+                <a:ea typeface="Open Sans Medium"/>
+                <a:cs typeface="Open Sans Medium"/>
+                <a:sym typeface="Open Sans Medium"/>
+              </a:rPr>
+              <a:t>tasks</a:t>
+            </a:r>
+            <a:r>
+              <a:rPr lang="es-ES" sz="2200" dirty="0">
+                <a:solidFill>
+                  <a:schemeClr val="dk1"/>
+                </a:solidFill>
+                <a:latin typeface="Open Sans Medium"/>
+                <a:ea typeface="Open Sans Medium"/>
+                <a:cs typeface="Open Sans Medium"/>
+                <a:sym typeface="Open Sans Medium"/>
+              </a:rPr>
+              <a:t>. </a:t>
+            </a:r>
+            <a:r>
+              <a:rPr lang="es-ES" sz="2200" dirty="0" err="1">
+                <a:solidFill>
+                  <a:schemeClr val="dk1"/>
+                </a:solidFill>
+                <a:latin typeface="Open Sans Medium"/>
+                <a:ea typeface="Open Sans Medium"/>
+                <a:cs typeface="Open Sans Medium"/>
+                <a:sym typeface="Open Sans Medium"/>
+              </a:rPr>
+              <a:t>It</a:t>
+            </a:r>
+            <a:r>
+              <a:rPr lang="es-ES" sz="2200" dirty="0">
+                <a:solidFill>
+                  <a:schemeClr val="dk1"/>
+                </a:solidFill>
+                <a:latin typeface="Open Sans Medium"/>
+                <a:ea typeface="Open Sans Medium"/>
+                <a:cs typeface="Open Sans Medium"/>
+                <a:sym typeface="Open Sans Medium"/>
+              </a:rPr>
+              <a:t> uses quantum </a:t>
+            </a:r>
+            <a:r>
+              <a:rPr lang="es-ES" sz="2200" dirty="0" err="1">
+                <a:solidFill>
+                  <a:schemeClr val="dk1"/>
+                </a:solidFill>
+                <a:latin typeface="Open Sans Medium"/>
+                <a:ea typeface="Open Sans Medium"/>
+                <a:cs typeface="Open Sans Medium"/>
+                <a:sym typeface="Open Sans Medium"/>
+              </a:rPr>
+              <a:t>effects</a:t>
+            </a:r>
+            <a:r>
+              <a:rPr lang="es-ES" sz="2200" dirty="0">
+                <a:solidFill>
+                  <a:schemeClr val="dk1"/>
+                </a:solidFill>
+                <a:latin typeface="Open Sans Medium"/>
+                <a:ea typeface="Open Sans Medium"/>
+                <a:cs typeface="Open Sans Medium"/>
+                <a:sym typeface="Open Sans Medium"/>
+              </a:rPr>
+              <a:t> </a:t>
+            </a:r>
+            <a:r>
+              <a:rPr lang="es-ES" sz="2200" dirty="0" err="1">
+                <a:solidFill>
+                  <a:schemeClr val="dk1"/>
+                </a:solidFill>
+                <a:latin typeface="Open Sans Medium"/>
+                <a:ea typeface="Open Sans Medium"/>
+                <a:cs typeface="Open Sans Medium"/>
+                <a:sym typeface="Open Sans Medium"/>
+              </a:rPr>
+              <a:t>to</a:t>
+            </a:r>
+            <a:r>
+              <a:rPr lang="es-ES" sz="2200" dirty="0">
+                <a:solidFill>
+                  <a:schemeClr val="dk1"/>
+                </a:solidFill>
+                <a:latin typeface="Open Sans Medium"/>
+                <a:ea typeface="Open Sans Medium"/>
+                <a:cs typeface="Open Sans Medium"/>
+                <a:sym typeface="Open Sans Medium"/>
+              </a:rPr>
+              <a:t> explore </a:t>
+            </a:r>
+            <a:r>
+              <a:rPr lang="es-ES" sz="2200" dirty="0" err="1">
+                <a:solidFill>
+                  <a:schemeClr val="dk1"/>
+                </a:solidFill>
+                <a:latin typeface="Open Sans Medium"/>
+                <a:ea typeface="Open Sans Medium"/>
+                <a:cs typeface="Open Sans Medium"/>
+                <a:sym typeface="Open Sans Medium"/>
+              </a:rPr>
+              <a:t>complex</a:t>
+            </a:r>
+            <a:r>
+              <a:rPr lang="es-ES" sz="2200" dirty="0">
+                <a:solidFill>
+                  <a:schemeClr val="dk1"/>
+                </a:solidFill>
+                <a:latin typeface="Open Sans Medium"/>
+                <a:ea typeface="Open Sans Medium"/>
+                <a:cs typeface="Open Sans Medium"/>
+                <a:sym typeface="Open Sans Medium"/>
+              </a:rPr>
+              <a:t> </a:t>
+            </a:r>
+            <a:r>
+              <a:rPr lang="es-ES" sz="2200" dirty="0" err="1">
+                <a:solidFill>
+                  <a:schemeClr val="dk1"/>
+                </a:solidFill>
+                <a:latin typeface="Open Sans Medium"/>
+                <a:ea typeface="Open Sans Medium"/>
+                <a:cs typeface="Open Sans Medium"/>
+                <a:sym typeface="Open Sans Medium"/>
+              </a:rPr>
+              <a:t>spaces</a:t>
+            </a:r>
+            <a:r>
+              <a:rPr lang="es-ES" sz="2200" dirty="0">
+                <a:solidFill>
+                  <a:schemeClr val="dk1"/>
+                </a:solidFill>
+                <a:latin typeface="Open Sans Medium"/>
+                <a:ea typeface="Open Sans Medium"/>
+                <a:cs typeface="Open Sans Medium"/>
+                <a:sym typeface="Open Sans Medium"/>
+              </a:rPr>
+              <a:t>.</a:t>
+            </a:r>
+            <a:endParaRPr sz="1300" dirty="0"/>
+          </a:p>
+        </p:txBody>
+      </p:sp>
+      <p:sp>
+        <p:nvSpPr>
+          <p:cNvPr id="133" name="Google Shape;133;g3b05c13414c_0_27">
+            <a:extLst>
+              <a:ext uri="{FF2B5EF4-FFF2-40B4-BE49-F238E27FC236}">
+                <a16:creationId xmlns:a16="http://schemas.microsoft.com/office/drawing/2014/main" id="{D3D4647A-62FD-E73A-E0F0-D3F1DA0BD356}"/>
+              </a:ext>
+            </a:extLst>
+          </p:cNvPr>
+          <p:cNvSpPr txBox="1"/>
+          <p:nvPr/>
+        </p:nvSpPr>
+        <p:spPr>
+          <a:xfrm>
+            <a:off x="306875" y="2481050"/>
+            <a:ext cx="4407900" cy="312900"/>
+          </a:xfrm>
+          <a:prstGeom prst="rect">
+            <a:avLst/>
+          </a:prstGeom>
+          <a:noFill/>
+          <a:ln>
+            <a:noFill/>
+          </a:ln>
+        </p:spPr>
+        <p:txBody>
+          <a:bodyPr spcFirstLastPara="1" wrap="square" lIns="91425" tIns="91425" rIns="91425" bIns="91425" anchor="t" anchorCtr="0">
+            <a:noAutofit/>
+          </a:bodyPr>
+          <a:lstStyle/>
+          <a:p>
+            <a:pPr marL="0" lvl="0" indent="0" algn="l" rtl="0">
+              <a:spcBef>
+                <a:spcPts val="0"/>
+              </a:spcBef>
+              <a:spcAft>
+                <a:spcPts val="0"/>
+              </a:spcAft>
+              <a:buNone/>
+            </a:pPr>
+            <a:r>
+              <a:rPr lang="es-ES" sz="1800" dirty="0" err="1">
+                <a:solidFill>
+                  <a:schemeClr val="dk1"/>
+                </a:solidFill>
+                <a:latin typeface="Open Sans Medium"/>
+                <a:ea typeface="Open Sans Medium"/>
+                <a:cs typeface="Open Sans Medium"/>
+                <a:sym typeface="Open Sans Medium"/>
+              </a:rPr>
+              <a:t>We</a:t>
+            </a:r>
+            <a:r>
+              <a:rPr lang="es-ES" sz="1800" dirty="0">
+                <a:solidFill>
+                  <a:schemeClr val="dk1"/>
+                </a:solidFill>
+                <a:latin typeface="Open Sans Medium"/>
+                <a:ea typeface="Open Sans Medium"/>
+                <a:cs typeface="Open Sans Medium"/>
+                <a:sym typeface="Open Sans Medium"/>
+              </a:rPr>
+              <a:t> </a:t>
+            </a:r>
+            <a:r>
+              <a:rPr lang="es-ES" sz="1800" dirty="0" err="1">
+                <a:solidFill>
+                  <a:schemeClr val="dk1"/>
+                </a:solidFill>
+                <a:latin typeface="Open Sans Medium"/>
+                <a:ea typeface="Open Sans Medium"/>
+                <a:cs typeface="Open Sans Medium"/>
+                <a:sym typeface="Open Sans Medium"/>
+              </a:rPr>
+              <a:t>seek</a:t>
+            </a:r>
+            <a:r>
+              <a:rPr lang="es-ES" sz="1800" dirty="0">
+                <a:solidFill>
+                  <a:schemeClr val="dk1"/>
+                </a:solidFill>
+                <a:latin typeface="Open Sans Medium"/>
+                <a:ea typeface="Open Sans Medium"/>
+                <a:cs typeface="Open Sans Medium"/>
+                <a:sym typeface="Open Sans Medium"/>
+              </a:rPr>
+              <a:t> </a:t>
+            </a:r>
+            <a:r>
+              <a:rPr lang="es-ES" sz="1800" dirty="0" err="1">
+                <a:solidFill>
+                  <a:schemeClr val="dk1"/>
+                </a:solidFill>
+                <a:latin typeface="Open Sans Medium"/>
+                <a:ea typeface="Open Sans Medium"/>
+                <a:cs typeface="Open Sans Medium"/>
+                <a:sym typeface="Open Sans Medium"/>
+              </a:rPr>
+              <a:t>to</a:t>
+            </a:r>
+            <a:r>
+              <a:rPr lang="es-ES" sz="1800" dirty="0">
+                <a:solidFill>
+                  <a:schemeClr val="dk1"/>
+                </a:solidFill>
+                <a:latin typeface="Open Sans Medium"/>
+                <a:ea typeface="Open Sans Medium"/>
+                <a:cs typeface="Open Sans Medium"/>
+                <a:sym typeface="Open Sans Medium"/>
+              </a:rPr>
+              <a:t> </a:t>
+            </a:r>
+            <a:r>
+              <a:rPr lang="es-ES" sz="1800" dirty="0" err="1">
+                <a:solidFill>
+                  <a:schemeClr val="dk1"/>
+                </a:solidFill>
+                <a:latin typeface="Open Sans Medium"/>
+                <a:ea typeface="Open Sans Medium"/>
+                <a:cs typeface="Open Sans Medium"/>
+                <a:sym typeface="Open Sans Medium"/>
+              </a:rPr>
+              <a:t>optimize</a:t>
+            </a:r>
+            <a:r>
+              <a:rPr lang="es-ES" sz="1800" dirty="0">
+                <a:solidFill>
+                  <a:schemeClr val="dk1"/>
+                </a:solidFill>
+                <a:latin typeface="Open Sans Medium"/>
+                <a:ea typeface="Open Sans Medium"/>
+                <a:cs typeface="Open Sans Medium"/>
+                <a:sym typeface="Open Sans Medium"/>
+              </a:rPr>
+              <a:t> </a:t>
+            </a:r>
+            <a:r>
+              <a:rPr lang="es-ES" sz="1800" dirty="0" err="1">
+                <a:solidFill>
+                  <a:schemeClr val="dk1"/>
+                </a:solidFill>
+                <a:latin typeface="Open Sans Medium"/>
+                <a:ea typeface="Open Sans Medium"/>
+                <a:cs typeface="Open Sans Medium"/>
+                <a:sym typeface="Open Sans Medium"/>
+              </a:rPr>
+              <a:t>two</a:t>
+            </a:r>
+            <a:r>
+              <a:rPr lang="es-ES" sz="1800" dirty="0">
+                <a:solidFill>
+                  <a:schemeClr val="dk1"/>
+                </a:solidFill>
+                <a:latin typeface="Open Sans Medium"/>
+                <a:ea typeface="Open Sans Medium"/>
+                <a:cs typeface="Open Sans Medium"/>
+                <a:sym typeface="Open Sans Medium"/>
+              </a:rPr>
+              <a:t> angles:</a:t>
+            </a:r>
+            <a:endParaRPr sz="1800" b="1" dirty="0">
+              <a:solidFill>
+                <a:schemeClr val="dk1"/>
+              </a:solidFill>
+              <a:latin typeface="Open Sans"/>
+              <a:ea typeface="Open Sans"/>
+              <a:cs typeface="Open Sans"/>
+              <a:sym typeface="Open Sans"/>
+            </a:endParaRPr>
+          </a:p>
+        </p:txBody>
+      </p:sp>
+      <p:pic>
+        <p:nvPicPr>
+          <p:cNvPr id="134" name="Google Shape;134;g3b05c13414c_0_27">
+            <a:extLst>
+              <a:ext uri="{FF2B5EF4-FFF2-40B4-BE49-F238E27FC236}">
+                <a16:creationId xmlns:a16="http://schemas.microsoft.com/office/drawing/2014/main" id="{9D51764F-E433-B449-76F0-61B20FEC4358}"/>
+              </a:ext>
+            </a:extLst>
+          </p:cNvPr>
+          <p:cNvPicPr preferRelativeResize="0"/>
+          <p:nvPr/>
+        </p:nvPicPr>
+        <p:blipFill>
+          <a:blip r:embed="rId3">
+            <a:alphaModFix/>
+          </a:blip>
+          <a:stretch>
+            <a:fillRect/>
+          </a:stretch>
+        </p:blipFill>
+        <p:spPr>
+          <a:xfrm>
+            <a:off x="3994150" y="2565350"/>
+            <a:ext cx="609600" cy="323850"/>
+          </a:xfrm>
+          <a:prstGeom prst="rect">
+            <a:avLst/>
+          </a:prstGeom>
+          <a:noFill/>
+          <a:ln>
+            <a:noFill/>
+          </a:ln>
+        </p:spPr>
+      </p:pic>
+      <p:pic>
+        <p:nvPicPr>
+          <p:cNvPr id="135" name="Google Shape;135;g3b05c13414c_0_27">
+            <a:extLst>
+              <a:ext uri="{FF2B5EF4-FFF2-40B4-BE49-F238E27FC236}">
+                <a16:creationId xmlns:a16="http://schemas.microsoft.com/office/drawing/2014/main" id="{58C01A62-1C94-E9A0-916A-3DA4481BA724}"/>
+              </a:ext>
+            </a:extLst>
+          </p:cNvPr>
+          <p:cNvPicPr preferRelativeResize="0"/>
+          <p:nvPr/>
+        </p:nvPicPr>
+        <p:blipFill>
+          <a:blip r:embed="rId4">
+            <a:alphaModFix/>
+          </a:blip>
+          <a:stretch>
+            <a:fillRect/>
+          </a:stretch>
+        </p:blipFill>
+        <p:spPr>
+          <a:xfrm>
+            <a:off x="210500" y="3206700"/>
+            <a:ext cx="4600658" cy="233100"/>
+          </a:xfrm>
+          <a:prstGeom prst="rect">
+            <a:avLst/>
+          </a:prstGeom>
+          <a:noFill/>
+          <a:ln>
+            <a:noFill/>
+          </a:ln>
+        </p:spPr>
+      </p:pic>
+      <p:sp>
+        <p:nvSpPr>
+          <p:cNvPr id="2" name="Google Shape;133;g3b05c13414c_0_27">
+            <a:extLst>
+              <a:ext uri="{FF2B5EF4-FFF2-40B4-BE49-F238E27FC236}">
+                <a16:creationId xmlns:a16="http://schemas.microsoft.com/office/drawing/2014/main" id="{A7E901F6-EEBD-7577-D2CD-BB2F4975F040}"/>
+              </a:ext>
+            </a:extLst>
+          </p:cNvPr>
+          <p:cNvSpPr txBox="1"/>
+          <p:nvPr/>
+        </p:nvSpPr>
+        <p:spPr>
+          <a:xfrm>
+            <a:off x="306875" y="3757300"/>
+            <a:ext cx="4407900" cy="2341748"/>
+          </a:xfrm>
+          <a:prstGeom prst="rect">
+            <a:avLst/>
+          </a:prstGeom>
+          <a:noFill/>
+          <a:ln>
+            <a:noFill/>
+          </a:ln>
+        </p:spPr>
+        <p:txBody>
+          <a:bodyPr spcFirstLastPara="1" wrap="square" lIns="91425" tIns="91425" rIns="91425" bIns="91425" anchor="t" anchorCtr="0">
+            <a:noAutofit/>
+          </a:bodyPr>
+          <a:lstStyle/>
+          <a:p>
+            <a:pPr lvl="0"/>
+            <a:r>
+              <a:rPr lang="es-ES" sz="1800" dirty="0" err="1">
+                <a:solidFill>
+                  <a:schemeClr val="dk1"/>
+                </a:solidFill>
+                <a:latin typeface="Open Sans Medium"/>
+                <a:ea typeface="Open Sans Medium"/>
+                <a:cs typeface="Open Sans Medium"/>
+                <a:sym typeface="Open Sans Medium"/>
+              </a:rPr>
+              <a:t>We</a:t>
+            </a:r>
+            <a:r>
+              <a:rPr lang="es-ES" sz="1800" dirty="0">
+                <a:solidFill>
+                  <a:schemeClr val="dk1"/>
+                </a:solidFill>
+                <a:latin typeface="Open Sans Medium"/>
+                <a:ea typeface="Open Sans Medium"/>
+                <a:cs typeface="Open Sans Medium"/>
+                <a:sym typeface="Open Sans Medium"/>
+              </a:rPr>
+              <a:t> </a:t>
+            </a:r>
+            <a:r>
+              <a:rPr lang="es-ES" sz="1800" dirty="0" err="1">
+                <a:solidFill>
+                  <a:schemeClr val="dk1"/>
+                </a:solidFill>
+                <a:latin typeface="Open Sans Medium"/>
+                <a:ea typeface="Open Sans Medium"/>
+                <a:cs typeface="Open Sans Medium"/>
+                <a:sym typeface="Open Sans Medium"/>
+              </a:rPr>
+              <a:t>rewrite</a:t>
+            </a:r>
+            <a:r>
+              <a:rPr lang="es-ES" sz="1800" dirty="0">
+                <a:solidFill>
+                  <a:schemeClr val="dk1"/>
+                </a:solidFill>
+                <a:latin typeface="Open Sans Medium"/>
+                <a:ea typeface="Open Sans Medium"/>
+                <a:cs typeface="Open Sans Medium"/>
+                <a:sym typeface="Open Sans Medium"/>
+              </a:rPr>
+              <a:t> a </a:t>
+            </a:r>
+            <a:r>
+              <a:rPr lang="es-ES" sz="1800" dirty="0" err="1">
+                <a:solidFill>
+                  <a:schemeClr val="dk1"/>
+                </a:solidFill>
+                <a:latin typeface="Open Sans Medium"/>
+                <a:ea typeface="Open Sans Medium"/>
+                <a:cs typeface="Open Sans Medium"/>
+                <a:sym typeface="Open Sans Medium"/>
+              </a:rPr>
+              <a:t>simplified</a:t>
+            </a:r>
+            <a:r>
+              <a:rPr lang="es-ES" sz="1800" dirty="0">
+                <a:solidFill>
+                  <a:schemeClr val="dk1"/>
+                </a:solidFill>
+                <a:latin typeface="Open Sans Medium"/>
+                <a:ea typeface="Open Sans Medium"/>
+                <a:cs typeface="Open Sans Medium"/>
+                <a:sym typeface="Open Sans Medium"/>
+              </a:rPr>
+              <a:t> </a:t>
+            </a:r>
+            <a:r>
+              <a:rPr lang="es-ES" sz="1800" dirty="0" err="1">
+                <a:solidFill>
+                  <a:schemeClr val="dk1"/>
+                </a:solidFill>
+                <a:latin typeface="Open Sans Medium"/>
+                <a:ea typeface="Open Sans Medium"/>
+                <a:cs typeface="Open Sans Medium"/>
+                <a:sym typeface="Open Sans Medium"/>
+              </a:rPr>
+              <a:t>version</a:t>
+            </a:r>
+            <a:r>
+              <a:rPr lang="es-ES" sz="1800" dirty="0">
+                <a:solidFill>
+                  <a:schemeClr val="dk1"/>
+                </a:solidFill>
+                <a:latin typeface="Open Sans Medium"/>
+                <a:ea typeface="Open Sans Medium"/>
+                <a:cs typeface="Open Sans Medium"/>
+                <a:sym typeface="Open Sans Medium"/>
+              </a:rPr>
+              <a:t> </a:t>
+            </a:r>
+            <a:r>
+              <a:rPr lang="es-ES" sz="1800" dirty="0" err="1">
+                <a:solidFill>
+                  <a:schemeClr val="dk1"/>
+                </a:solidFill>
+                <a:latin typeface="Open Sans Medium"/>
+                <a:ea typeface="Open Sans Medium"/>
+                <a:cs typeface="Open Sans Medium"/>
+                <a:sym typeface="Open Sans Medium"/>
+              </a:rPr>
+              <a:t>of</a:t>
+            </a:r>
+            <a:r>
+              <a:rPr lang="es-ES" sz="1800" dirty="0">
+                <a:solidFill>
+                  <a:schemeClr val="dk1"/>
+                </a:solidFill>
+                <a:latin typeface="Open Sans Medium"/>
+                <a:ea typeface="Open Sans Medium"/>
+                <a:cs typeface="Open Sans Medium"/>
+                <a:sym typeface="Open Sans Medium"/>
+              </a:rPr>
+              <a:t> </a:t>
+            </a:r>
+            <a:r>
+              <a:rPr lang="es-ES" sz="1800" dirty="0" err="1">
+                <a:solidFill>
+                  <a:schemeClr val="dk1"/>
+                </a:solidFill>
+                <a:latin typeface="Open Sans Medium"/>
+                <a:ea typeface="Open Sans Medium"/>
+                <a:cs typeface="Open Sans Medium"/>
+                <a:sym typeface="Open Sans Medium"/>
+              </a:rPr>
+              <a:t>the</a:t>
+            </a:r>
+            <a:r>
+              <a:rPr lang="es-ES" sz="1800" dirty="0">
+                <a:solidFill>
+                  <a:schemeClr val="dk1"/>
+                </a:solidFill>
+                <a:latin typeface="Open Sans Medium"/>
+                <a:ea typeface="Open Sans Medium"/>
+                <a:cs typeface="Open Sans Medium"/>
+                <a:sym typeface="Open Sans Medium"/>
+              </a:rPr>
+              <a:t> </a:t>
+            </a:r>
+            <a:r>
+              <a:rPr lang="es-ES" sz="1800" dirty="0" err="1">
+                <a:solidFill>
+                  <a:schemeClr val="dk1"/>
+                </a:solidFill>
+                <a:latin typeface="Open Sans Medium"/>
+                <a:ea typeface="Open Sans Medium"/>
+                <a:cs typeface="Open Sans Medium"/>
+                <a:sym typeface="Open Sans Medium"/>
+              </a:rPr>
+              <a:t>problem</a:t>
+            </a:r>
+            <a:r>
+              <a:rPr lang="es-ES" sz="1800" dirty="0">
+                <a:solidFill>
+                  <a:schemeClr val="dk1"/>
+                </a:solidFill>
+                <a:latin typeface="Open Sans Medium"/>
+                <a:ea typeface="Open Sans Medium"/>
+                <a:cs typeface="Open Sans Medium"/>
+                <a:sym typeface="Open Sans Medium"/>
+              </a:rPr>
+              <a:t> in QUBO </a:t>
+            </a:r>
+            <a:r>
+              <a:rPr lang="es-ES" sz="1800" dirty="0" err="1">
+                <a:solidFill>
+                  <a:schemeClr val="dk1"/>
+                </a:solidFill>
+                <a:latin typeface="Open Sans Medium"/>
+                <a:ea typeface="Open Sans Medium"/>
+                <a:cs typeface="Open Sans Medium"/>
+                <a:sym typeface="Open Sans Medium"/>
+              </a:rPr>
+              <a:t>form</a:t>
+            </a:r>
+            <a:r>
+              <a:rPr lang="es-ES" sz="1800" dirty="0">
+                <a:solidFill>
+                  <a:schemeClr val="dk1"/>
+                </a:solidFill>
+                <a:latin typeface="Open Sans Medium"/>
+                <a:ea typeface="Open Sans Medium"/>
+                <a:cs typeface="Open Sans Medium"/>
+                <a:sym typeface="Open Sans Medium"/>
+              </a:rPr>
+              <a:t> </a:t>
+            </a:r>
+            <a:r>
+              <a:rPr lang="es-ES" sz="1800" dirty="0" err="1">
+                <a:solidFill>
+                  <a:schemeClr val="dk1"/>
+                </a:solidFill>
+                <a:latin typeface="Open Sans Medium"/>
+                <a:ea typeface="Open Sans Medium"/>
+                <a:cs typeface="Open Sans Medium"/>
+                <a:sym typeface="Open Sans Medium"/>
+              </a:rPr>
+              <a:t>including</a:t>
+            </a:r>
+            <a:r>
+              <a:rPr lang="es-ES" sz="1800" dirty="0">
+                <a:solidFill>
+                  <a:schemeClr val="dk1"/>
+                </a:solidFill>
+                <a:latin typeface="Open Sans Medium"/>
+                <a:ea typeface="Open Sans Medium"/>
+                <a:cs typeface="Open Sans Medium"/>
+                <a:sym typeface="Open Sans Medium"/>
+              </a:rPr>
+              <a:t> </a:t>
+            </a:r>
+            <a:r>
+              <a:rPr lang="es-ES" sz="1800" dirty="0" err="1">
+                <a:solidFill>
+                  <a:schemeClr val="dk1"/>
+                </a:solidFill>
+                <a:latin typeface="Open Sans Medium"/>
+                <a:ea typeface="Open Sans Medium"/>
+                <a:cs typeface="Open Sans Medium"/>
+                <a:sym typeface="Open Sans Medium"/>
+              </a:rPr>
+              <a:t>the</a:t>
+            </a:r>
+            <a:r>
+              <a:rPr lang="es-ES" sz="1800" dirty="0">
+                <a:solidFill>
+                  <a:schemeClr val="dk1"/>
+                </a:solidFill>
+                <a:latin typeface="Open Sans Medium"/>
+                <a:ea typeface="Open Sans Medium"/>
+                <a:cs typeface="Open Sans Medium"/>
+                <a:sym typeface="Open Sans Medium"/>
+              </a:rPr>
+              <a:t> </a:t>
+            </a:r>
+            <a:r>
+              <a:rPr lang="es-ES" sz="1800" dirty="0" err="1">
+                <a:solidFill>
+                  <a:schemeClr val="dk1"/>
+                </a:solidFill>
+                <a:latin typeface="Open Sans Medium"/>
+                <a:ea typeface="Open Sans Medium"/>
+                <a:cs typeface="Open Sans Medium"/>
+                <a:sym typeface="Open Sans Medium"/>
+              </a:rPr>
+              <a:t>constraints</a:t>
+            </a:r>
+            <a:r>
+              <a:rPr lang="es-ES" sz="1800" dirty="0">
+                <a:solidFill>
+                  <a:schemeClr val="dk1"/>
+                </a:solidFill>
+                <a:latin typeface="Open Sans Medium"/>
+                <a:ea typeface="Open Sans Medium"/>
+                <a:cs typeface="Open Sans Medium"/>
+                <a:sym typeface="Open Sans Medium"/>
+              </a:rPr>
+              <a:t> as </a:t>
+            </a:r>
+            <a:r>
+              <a:rPr lang="es-ES" sz="1800" dirty="0" err="1">
+                <a:solidFill>
+                  <a:schemeClr val="dk1"/>
+                </a:solidFill>
+                <a:latin typeface="Open Sans Medium"/>
+                <a:ea typeface="Open Sans Medium"/>
+                <a:cs typeface="Open Sans Medium"/>
+                <a:sym typeface="Open Sans Medium"/>
+              </a:rPr>
+              <a:t>const</a:t>
+            </a:r>
+            <a:r>
+              <a:rPr lang="es-ES" sz="1800" dirty="0">
+                <a:solidFill>
+                  <a:schemeClr val="dk1"/>
+                </a:solidFill>
+                <a:latin typeface="Open Sans Medium"/>
+                <a:ea typeface="Open Sans Medium"/>
+                <a:cs typeface="Open Sans Medium"/>
+                <a:sym typeface="Open Sans Medium"/>
+              </a:rPr>
+              <a:t> </a:t>
+            </a:r>
+            <a:r>
+              <a:rPr lang="es-ES" sz="1800" dirty="0" err="1">
+                <a:solidFill>
+                  <a:schemeClr val="dk1"/>
+                </a:solidFill>
+                <a:latin typeface="Open Sans Medium"/>
+                <a:ea typeface="Open Sans Medium"/>
+                <a:cs typeface="Open Sans Medium"/>
+                <a:sym typeface="Open Sans Medium"/>
+              </a:rPr>
+              <a:t>function</a:t>
+            </a:r>
+            <a:r>
+              <a:rPr lang="es-ES" sz="1800" dirty="0">
+                <a:solidFill>
+                  <a:schemeClr val="dk1"/>
+                </a:solidFill>
+                <a:latin typeface="Open Sans Medium"/>
+                <a:ea typeface="Open Sans Medium"/>
+                <a:cs typeface="Open Sans Medium"/>
+                <a:sym typeface="Open Sans Medium"/>
+              </a:rPr>
+              <a:t> </a:t>
+            </a:r>
+            <a:r>
+              <a:rPr lang="es-ES" sz="1800" dirty="0" err="1">
+                <a:solidFill>
+                  <a:schemeClr val="dk1"/>
+                </a:solidFill>
+                <a:latin typeface="Open Sans Medium"/>
+                <a:ea typeface="Open Sans Medium"/>
+                <a:cs typeface="Open Sans Medium"/>
+                <a:sym typeface="Open Sans Medium"/>
+              </a:rPr>
+              <a:t>penalties</a:t>
+            </a:r>
+            <a:r>
+              <a:rPr lang="es-ES" sz="1800" dirty="0">
+                <a:solidFill>
+                  <a:schemeClr val="dk1"/>
+                </a:solidFill>
+                <a:latin typeface="Open Sans Medium"/>
+                <a:ea typeface="Open Sans Medium"/>
+                <a:cs typeface="Open Sans Medium"/>
+                <a:sym typeface="Open Sans Medium"/>
+              </a:rPr>
+              <a:t>. </a:t>
+            </a:r>
+            <a:r>
+              <a:rPr lang="es-ES" sz="1800" dirty="0" err="1">
+                <a:solidFill>
+                  <a:schemeClr val="dk1"/>
+                </a:solidFill>
+                <a:latin typeface="Open Sans Medium"/>
+                <a:ea typeface="Open Sans Medium"/>
+                <a:cs typeface="Open Sans Medium"/>
+                <a:sym typeface="Open Sans Medium"/>
+              </a:rPr>
+              <a:t>This</a:t>
+            </a:r>
+            <a:r>
+              <a:rPr lang="es-ES" sz="1800" dirty="0">
+                <a:solidFill>
+                  <a:schemeClr val="dk1"/>
+                </a:solidFill>
+                <a:latin typeface="Open Sans Medium"/>
+                <a:ea typeface="Open Sans Medium"/>
+                <a:cs typeface="Open Sans Medium"/>
+                <a:sym typeface="Open Sans Medium"/>
+              </a:rPr>
+              <a:t> can be </a:t>
+            </a:r>
+            <a:r>
+              <a:rPr lang="es-ES" sz="1800" dirty="0" err="1">
+                <a:solidFill>
+                  <a:schemeClr val="dk1"/>
+                </a:solidFill>
+                <a:latin typeface="Open Sans Medium"/>
+                <a:ea typeface="Open Sans Medium"/>
+                <a:cs typeface="Open Sans Medium"/>
+                <a:sym typeface="Open Sans Medium"/>
+              </a:rPr>
+              <a:t>solved</a:t>
+            </a:r>
+            <a:r>
+              <a:rPr lang="es-ES" sz="1800" dirty="0">
+                <a:solidFill>
+                  <a:schemeClr val="dk1"/>
+                </a:solidFill>
+                <a:latin typeface="Open Sans Medium"/>
+                <a:ea typeface="Open Sans Medium"/>
+                <a:cs typeface="Open Sans Medium"/>
+                <a:sym typeface="Open Sans Medium"/>
+              </a:rPr>
+              <a:t> </a:t>
+            </a:r>
+            <a:r>
+              <a:rPr lang="es-ES" sz="1800" dirty="0" err="1">
+                <a:solidFill>
+                  <a:schemeClr val="dk1"/>
+                </a:solidFill>
+                <a:latin typeface="Open Sans Medium"/>
+                <a:ea typeface="Open Sans Medium"/>
+                <a:cs typeface="Open Sans Medium"/>
+                <a:sym typeface="Open Sans Medium"/>
+              </a:rPr>
+              <a:t>with</a:t>
+            </a:r>
+            <a:r>
+              <a:rPr lang="es-ES" sz="1800" dirty="0">
+                <a:solidFill>
+                  <a:schemeClr val="dk1"/>
+                </a:solidFill>
+                <a:latin typeface="Open Sans Medium"/>
+                <a:ea typeface="Open Sans Medium"/>
+                <a:cs typeface="Open Sans Medium"/>
+                <a:sym typeface="Open Sans Medium"/>
+              </a:rPr>
+              <a:t> standard quantum </a:t>
+            </a:r>
+            <a:r>
+              <a:rPr lang="es-ES" sz="1800" dirty="0" err="1">
+                <a:solidFill>
+                  <a:schemeClr val="dk1"/>
+                </a:solidFill>
+                <a:latin typeface="Open Sans Medium"/>
+                <a:ea typeface="Open Sans Medium"/>
+                <a:cs typeface="Open Sans Medium"/>
+                <a:sym typeface="Open Sans Medium"/>
+              </a:rPr>
+              <a:t>optimization</a:t>
+            </a:r>
+            <a:r>
+              <a:rPr lang="es-ES" sz="1800" dirty="0">
+                <a:solidFill>
+                  <a:schemeClr val="dk1"/>
+                </a:solidFill>
+                <a:latin typeface="Open Sans Medium"/>
+                <a:ea typeface="Open Sans Medium"/>
+                <a:cs typeface="Open Sans Medium"/>
+                <a:sym typeface="Open Sans Medium"/>
+              </a:rPr>
+              <a:t> </a:t>
+            </a:r>
+            <a:r>
+              <a:rPr lang="es-ES" sz="1800" dirty="0" err="1">
+                <a:solidFill>
+                  <a:schemeClr val="dk1"/>
+                </a:solidFill>
+                <a:latin typeface="Open Sans Medium"/>
+                <a:ea typeface="Open Sans Medium"/>
+                <a:cs typeface="Open Sans Medium"/>
+                <a:sym typeface="Open Sans Medium"/>
+              </a:rPr>
+              <a:t>routines</a:t>
+            </a:r>
+            <a:r>
+              <a:rPr lang="es-ES" sz="1800" dirty="0">
+                <a:solidFill>
+                  <a:schemeClr val="dk1"/>
+                </a:solidFill>
+                <a:latin typeface="Open Sans Medium"/>
+                <a:ea typeface="Open Sans Medium"/>
+                <a:cs typeface="Open Sans Medium"/>
+                <a:sym typeface="Open Sans Medium"/>
+              </a:rPr>
+              <a:t> </a:t>
+            </a:r>
+            <a:r>
+              <a:rPr lang="es-ES" sz="1800" dirty="0" err="1">
+                <a:solidFill>
+                  <a:schemeClr val="dk1"/>
+                </a:solidFill>
+                <a:latin typeface="Open Sans Medium"/>
+                <a:ea typeface="Open Sans Medium"/>
+                <a:cs typeface="Open Sans Medium"/>
+                <a:sym typeface="Open Sans Medium"/>
+              </a:rPr>
+              <a:t>to</a:t>
+            </a:r>
+            <a:r>
+              <a:rPr lang="es-ES" sz="1800" dirty="0">
+                <a:solidFill>
+                  <a:schemeClr val="dk1"/>
+                </a:solidFill>
+                <a:latin typeface="Open Sans Medium"/>
+                <a:ea typeface="Open Sans Medium"/>
+                <a:cs typeface="Open Sans Medium"/>
+                <a:sym typeface="Open Sans Medium"/>
+              </a:rPr>
+              <a:t> </a:t>
+            </a:r>
+            <a:r>
+              <a:rPr lang="es-ES" sz="1800" dirty="0" err="1">
+                <a:solidFill>
+                  <a:schemeClr val="dk1"/>
+                </a:solidFill>
+                <a:latin typeface="Open Sans Medium"/>
+                <a:ea typeface="Open Sans Medium"/>
+                <a:cs typeface="Open Sans Medium"/>
+                <a:sym typeface="Open Sans Medium"/>
+              </a:rPr>
+              <a:t>recover</a:t>
+            </a:r>
+            <a:r>
+              <a:rPr lang="es-ES" sz="1800" dirty="0">
+                <a:solidFill>
+                  <a:schemeClr val="dk1"/>
+                </a:solidFill>
+                <a:latin typeface="Open Sans Medium"/>
+                <a:ea typeface="Open Sans Medium"/>
+                <a:cs typeface="Open Sans Medium"/>
+                <a:sym typeface="Open Sans Medium"/>
+              </a:rPr>
+              <a:t> a quantum </a:t>
+            </a:r>
+            <a:r>
+              <a:rPr lang="es-ES" sz="1800" dirty="0" err="1">
+                <a:solidFill>
+                  <a:schemeClr val="dk1"/>
+                </a:solidFill>
+                <a:latin typeface="Open Sans Medium"/>
+                <a:ea typeface="Open Sans Medium"/>
+                <a:cs typeface="Open Sans Medium"/>
+                <a:sym typeface="Open Sans Medium"/>
+              </a:rPr>
+              <a:t>guess</a:t>
+            </a:r>
+            <a:r>
+              <a:rPr lang="es-ES" sz="1800" dirty="0">
+                <a:solidFill>
+                  <a:schemeClr val="dk1"/>
+                </a:solidFill>
+                <a:latin typeface="Open Sans Medium"/>
+                <a:ea typeface="Open Sans Medium"/>
+                <a:cs typeface="Open Sans Medium"/>
+                <a:sym typeface="Open Sans Medium"/>
+              </a:rPr>
+              <a:t> </a:t>
+            </a:r>
+            <a:r>
+              <a:rPr lang="es-ES" sz="1800" dirty="0" err="1">
+                <a:solidFill>
+                  <a:schemeClr val="dk1"/>
+                </a:solidFill>
+                <a:latin typeface="Open Sans Medium"/>
+                <a:ea typeface="Open Sans Medium"/>
+                <a:cs typeface="Open Sans Medium"/>
+                <a:sym typeface="Open Sans Medium"/>
+              </a:rPr>
+              <a:t>of</a:t>
+            </a:r>
+            <a:r>
+              <a:rPr lang="es-ES" sz="1800" dirty="0">
+                <a:solidFill>
+                  <a:schemeClr val="dk1"/>
+                </a:solidFill>
+                <a:latin typeface="Open Sans Medium"/>
+                <a:ea typeface="Open Sans Medium"/>
+                <a:cs typeface="Open Sans Medium"/>
+                <a:sym typeface="Open Sans Medium"/>
+              </a:rPr>
+              <a:t> </a:t>
+            </a:r>
+            <a:r>
+              <a:rPr lang="es-ES" sz="1800" dirty="0" err="1">
+                <a:solidFill>
+                  <a:schemeClr val="dk1"/>
+                </a:solidFill>
+                <a:latin typeface="Open Sans Medium"/>
+                <a:ea typeface="Open Sans Medium"/>
+                <a:cs typeface="Open Sans Medium"/>
+                <a:sym typeface="Open Sans Medium"/>
+              </a:rPr>
+              <a:t>the</a:t>
+            </a:r>
+            <a:r>
+              <a:rPr lang="es-ES" sz="1800" dirty="0">
+                <a:solidFill>
+                  <a:schemeClr val="dk1"/>
+                </a:solidFill>
+                <a:latin typeface="Open Sans Medium"/>
+                <a:ea typeface="Open Sans Medium"/>
+                <a:cs typeface="Open Sans Medium"/>
+                <a:sym typeface="Open Sans Medium"/>
+              </a:rPr>
+              <a:t> </a:t>
+            </a:r>
+            <a:r>
+              <a:rPr lang="es-ES" sz="1800" dirty="0" err="1">
+                <a:solidFill>
+                  <a:schemeClr val="dk1"/>
+                </a:solidFill>
+                <a:latin typeface="Open Sans Medium"/>
+                <a:ea typeface="Open Sans Medium"/>
+                <a:cs typeface="Open Sans Medium"/>
+                <a:sym typeface="Open Sans Medium"/>
+              </a:rPr>
+              <a:t>optimal</a:t>
+            </a:r>
+            <a:r>
+              <a:rPr lang="es-ES" sz="1800" dirty="0">
+                <a:solidFill>
+                  <a:schemeClr val="dk1"/>
+                </a:solidFill>
+                <a:latin typeface="Open Sans Medium"/>
+                <a:ea typeface="Open Sans Medium"/>
+                <a:cs typeface="Open Sans Medium"/>
+                <a:sym typeface="Open Sans Medium"/>
+              </a:rPr>
+              <a:t> </a:t>
+            </a:r>
+            <a:r>
+              <a:rPr lang="es-ES" sz="1800" dirty="0" err="1">
+                <a:solidFill>
+                  <a:schemeClr val="dk1"/>
+                </a:solidFill>
+                <a:latin typeface="Open Sans Medium"/>
+                <a:ea typeface="Open Sans Medium"/>
+                <a:cs typeface="Open Sans Medium"/>
+                <a:sym typeface="Open Sans Medium"/>
+              </a:rPr>
+              <a:t>schedule</a:t>
+            </a:r>
+            <a:r>
+              <a:rPr lang="es-ES" sz="1800" dirty="0">
+                <a:solidFill>
+                  <a:schemeClr val="dk1"/>
+                </a:solidFill>
+                <a:latin typeface="Open Sans Medium"/>
+                <a:ea typeface="Open Sans Medium"/>
+                <a:cs typeface="Open Sans Medium"/>
+                <a:sym typeface="Open Sans Medium"/>
+              </a:rPr>
+              <a:t>.</a:t>
+            </a:r>
+          </a:p>
+        </p:txBody>
+      </p:sp>
+      <p:pic>
+        <p:nvPicPr>
+          <p:cNvPr id="6" name="Imagen 5" descr="Texto&#10;&#10;El contenido generado por IA puede ser incorrecto.">
+            <a:extLst>
+              <a:ext uri="{FF2B5EF4-FFF2-40B4-BE49-F238E27FC236}">
+                <a16:creationId xmlns:a16="http://schemas.microsoft.com/office/drawing/2014/main" id="{270F4440-0A2E-2210-2CF5-F21F743594C3}"/>
+              </a:ext>
+            </a:extLst>
+          </p:cNvPr>
+          <p:cNvPicPr>
+            <a:picLocks noChangeAspect="1"/>
+          </p:cNvPicPr>
+          <p:nvPr/>
+        </p:nvPicPr>
+        <p:blipFill>
+          <a:blip r:embed="rId5"/>
+          <a:stretch>
+            <a:fillRect/>
+          </a:stretch>
+        </p:blipFill>
+        <p:spPr>
+          <a:xfrm>
+            <a:off x="7028950" y="4788276"/>
+            <a:ext cx="4788146" cy="1987652"/>
+          </a:xfrm>
+          <a:prstGeom prst="rect">
+            <a:avLst/>
+          </a:prstGeom>
+        </p:spPr>
+      </p:pic>
+      <p:pic>
+        <p:nvPicPr>
+          <p:cNvPr id="4" name="Imagen 3" descr="Texto&#10;&#10;El contenido generado por IA puede ser incorrecto.">
+            <a:extLst>
+              <a:ext uri="{FF2B5EF4-FFF2-40B4-BE49-F238E27FC236}">
+                <a16:creationId xmlns:a16="http://schemas.microsoft.com/office/drawing/2014/main" id="{60EAA8DD-BA18-990E-4037-911BD8D0E2D0}"/>
+              </a:ext>
+            </a:extLst>
+          </p:cNvPr>
+          <p:cNvPicPr>
+            <a:picLocks noChangeAspect="1"/>
+          </p:cNvPicPr>
+          <p:nvPr/>
+        </p:nvPicPr>
+        <p:blipFill>
+          <a:blip r:embed="rId6"/>
+          <a:stretch>
+            <a:fillRect/>
+          </a:stretch>
+        </p:blipFill>
+        <p:spPr>
+          <a:xfrm>
+            <a:off x="5495544" y="2069724"/>
+            <a:ext cx="5411695" cy="3149106"/>
+          </a:xfrm>
+          <a:prstGeom prst="rect">
+            <a:avLst/>
+          </a:prstGeom>
+        </p:spPr>
+      </p:pic>
+    </p:spTree>
+    <p:extLst>
+      <p:ext uri="{BB962C8B-B14F-4D97-AF65-F5344CB8AC3E}">
+        <p14:creationId xmlns:p14="http://schemas.microsoft.com/office/powerpoint/2010/main" val="2845904345"/>
+      </p:ext>
+    </p:extLst>
+  </p:cSld>
+  <p:clrMapOvr>
+    <a:masterClrMapping/>
+  </p:clrMapOvr>
+</p:sld>
+</file>
+
+<file path=ppt/slides/slide7.xml><?xml version="1.0" encoding="utf-8"?>
 <p:sld xmlns:a="http://schemas.openxmlformats.org/drawingml/2006/main" xmlns:r="http://schemas.openxmlformats.org/officeDocument/2006/relationships" xmlns:p="http://schemas.openxmlformats.org/presentationml/2006/main">
   <p:cSld>
     <p:spTree>
@@ -17742,7 +25523,7 @@
 </p:sld>
 </file>
 
-<file path=ppt/slides/slide7.xml><?xml version="1.0" encoding="utf-8"?>
+<file path=ppt/slides/slide8.xml><?xml version="1.0" encoding="utf-8"?>
 <p:sld xmlns:a="http://schemas.openxmlformats.org/drawingml/2006/main" xmlns:r="http://schemas.openxmlformats.org/officeDocument/2006/relationships" xmlns:p="http://schemas.openxmlformats.org/presentationml/2006/main">
   <p:cSld>
     <p:spTree>
@@ -19139,7 +26920,7 @@
 </p:sld>
 </file>
 
-<file path=ppt/slides/slide8.xml><?xml version="1.0" encoding="utf-8"?>
+<file path=ppt/slides/slide9.xml><?xml version="1.0" encoding="utf-8"?>
 <p:sld xmlns:a="http://schemas.openxmlformats.org/drawingml/2006/main" xmlns:r="http://schemas.openxmlformats.org/officeDocument/2006/relationships" xmlns:p="http://schemas.openxmlformats.org/presentationml/2006/main">
   <p:cSld>
     <p:spTree>
@@ -19194,7 +26975,7 @@
               <a:buNone/>
             </a:pPr>
             <a:r>
-              <a:rPr lang="es-ES" sz="4000">
+              <a:rPr lang="es-ES" sz="4000" dirty="0">
                 <a:solidFill>
                   <a:srgbClr val="BF4F14"/>
                 </a:solidFill>
@@ -19203,9 +26984,117 @@
                 <a:cs typeface="Open Sans"/>
                 <a:sym typeface="Open Sans"/>
               </a:rPr>
-              <a:t>Mixed-integer linear programs (MILP) </a:t>
-            </a:r>
-            <a:endParaRPr sz="3600" b="0" i="0" u="none" strike="noStrike" cap="none">
+              <a:t>A more </a:t>
+            </a:r>
+            <a:r>
+              <a:rPr lang="es-ES" sz="4000" dirty="0" err="1">
+                <a:solidFill>
+                  <a:srgbClr val="BF4F14"/>
+                </a:solidFill>
+                <a:latin typeface="Open Sans"/>
+                <a:ea typeface="Open Sans"/>
+                <a:cs typeface="Open Sans"/>
+                <a:sym typeface="Open Sans"/>
+              </a:rPr>
+              <a:t>realistic</a:t>
+            </a:r>
+            <a:r>
+              <a:rPr lang="es-ES" sz="4000" dirty="0">
+                <a:solidFill>
+                  <a:srgbClr val="BF4F14"/>
+                </a:solidFill>
+                <a:latin typeface="Open Sans"/>
+                <a:ea typeface="Open Sans"/>
+                <a:cs typeface="Open Sans"/>
+                <a:sym typeface="Open Sans"/>
+              </a:rPr>
+              <a:t> </a:t>
+            </a:r>
+            <a:r>
+              <a:rPr lang="es-ES" sz="4000" dirty="0" err="1">
+                <a:solidFill>
+                  <a:srgbClr val="BF4F14"/>
+                </a:solidFill>
+                <a:latin typeface="Open Sans"/>
+                <a:ea typeface="Open Sans"/>
+                <a:cs typeface="Open Sans"/>
+                <a:sym typeface="Open Sans"/>
+              </a:rPr>
+              <a:t>formulation</a:t>
+            </a:r>
+            <a:r>
+              <a:rPr lang="es-ES" sz="4000" dirty="0">
+                <a:solidFill>
+                  <a:srgbClr val="BF4F14"/>
+                </a:solidFill>
+                <a:latin typeface="Open Sans"/>
+                <a:ea typeface="Open Sans"/>
+                <a:cs typeface="Open Sans"/>
+                <a:sym typeface="Open Sans"/>
+              </a:rPr>
+              <a:t> </a:t>
+            </a:r>
+            <a:r>
+              <a:rPr lang="es-ES" sz="4000" dirty="0" err="1">
+                <a:solidFill>
+                  <a:srgbClr val="BF4F14"/>
+                </a:solidFill>
+                <a:latin typeface="Open Sans"/>
+                <a:ea typeface="Open Sans"/>
+                <a:cs typeface="Open Sans"/>
+                <a:sym typeface="Open Sans"/>
+              </a:rPr>
+              <a:t>of</a:t>
+            </a:r>
+            <a:r>
+              <a:rPr lang="es-ES" sz="4000" dirty="0">
+                <a:solidFill>
+                  <a:srgbClr val="BF4F14"/>
+                </a:solidFill>
+                <a:latin typeface="Open Sans"/>
+                <a:ea typeface="Open Sans"/>
+                <a:cs typeface="Open Sans"/>
+                <a:sym typeface="Open Sans"/>
+              </a:rPr>
+              <a:t> </a:t>
+            </a:r>
+            <a:r>
+              <a:rPr lang="es-ES" sz="4000" dirty="0" err="1">
+                <a:solidFill>
+                  <a:srgbClr val="BF4F14"/>
+                </a:solidFill>
+                <a:latin typeface="Open Sans"/>
+                <a:ea typeface="Open Sans"/>
+                <a:cs typeface="Open Sans"/>
+                <a:sym typeface="Open Sans"/>
+              </a:rPr>
+              <a:t>the</a:t>
+            </a:r>
+            <a:r>
+              <a:rPr lang="es-ES" sz="4000" dirty="0">
+                <a:solidFill>
+                  <a:srgbClr val="BF4F14"/>
+                </a:solidFill>
+                <a:latin typeface="Open Sans"/>
+                <a:ea typeface="Open Sans"/>
+                <a:cs typeface="Open Sans"/>
+                <a:sym typeface="Open Sans"/>
+              </a:rPr>
+              <a:t> </a:t>
+            </a:r>
+            <a:r>
+              <a:rPr lang="es-ES" sz="4000" dirty="0" err="1">
+                <a:solidFill>
+                  <a:srgbClr val="BF4F14"/>
+                </a:solidFill>
+                <a:latin typeface="Open Sans"/>
+                <a:ea typeface="Open Sans"/>
+                <a:cs typeface="Open Sans"/>
+                <a:sym typeface="Open Sans"/>
+              </a:rPr>
+              <a:t>problem</a:t>
+            </a:r>
+            <a:endParaRPr sz="3600" b="0" i="0" u="none" strike="noStrike" cap="none" dirty="0">
               <a:solidFill>
                 <a:srgbClr val="BF4F14"/>
               </a:solidFill>
